--- a/20_useMemo.pptx
+++ b/20_useMemo.pptx
@@ -7,14 +7,10 @@
   <p:sldIdLst>
     <p:sldId id="256" r:id="rId2"/>
     <p:sldId id="376" r:id="rId3"/>
-    <p:sldId id="396" r:id="rId4"/>
-    <p:sldId id="400" r:id="rId5"/>
-    <p:sldId id="401" r:id="rId6"/>
-    <p:sldId id="395" r:id="rId7"/>
-    <p:sldId id="404" r:id="rId8"/>
-    <p:sldId id="405" r:id="rId9"/>
-    <p:sldId id="406" r:id="rId10"/>
-    <p:sldId id="407" r:id="rId11"/>
+    <p:sldId id="408" r:id="rId4"/>
+    <p:sldId id="395" r:id="rId5"/>
+    <p:sldId id="409" r:id="rId6"/>
+    <p:sldId id="410" r:id="rId7"/>
   </p:sldIdLst>
   <p:sldSz cx="12192000" cy="6858000"/>
   <p:notesSz cx="6858000" cy="9144000"/>
@@ -284,7 +280,7 @@
           <a:p>
             <a:fld id="{1160EA64-D806-43AC-9DF2-F8C432F32B4C}" type="datetimeFigureOut">
               <a:rPr lang="en-US" dirty="0"/>
-              <a:t>4/16/2024</a:t>
+              <a:t>5/8/2024</a:t>
             </a:fld>
             <a:endParaRPr lang="en-US" dirty="0"/>
           </a:p>
@@ -450,7 +446,7 @@
           <a:p>
             <a:fld id="{E9F9C37B-1D36-470B-8223-D6C91242EC14}" type="datetimeFigureOut">
               <a:rPr lang="en-US" dirty="0"/>
-              <a:t>4/16/2024</a:t>
+              <a:t>5/8/2024</a:t>
             </a:fld>
             <a:endParaRPr lang="en-US" dirty="0"/>
           </a:p>
@@ -625,7 +621,7 @@
           <a:p>
             <a:fld id="{67C6F52A-A82B-47A2-A83A-8C4C91F2D59F}" type="datetimeFigureOut">
               <a:rPr lang="en-US" dirty="0"/>
-              <a:t>4/16/2024</a:t>
+              <a:t>5/8/2024</a:t>
             </a:fld>
             <a:endParaRPr lang="en-US" dirty="0"/>
           </a:p>
@@ -790,7 +786,7 @@
           <a:p>
             <a:fld id="{F070A7B3-6521-4DCA-87E5-044747A908C1}" type="datetimeFigureOut">
               <a:rPr lang="en-US" dirty="0"/>
-              <a:t>4/16/2024</a:t>
+              <a:t>5/8/2024</a:t>
             </a:fld>
             <a:endParaRPr lang="en-US" dirty="0"/>
           </a:p>
@@ -1054,7 +1050,7 @@
           <a:p>
             <a:fld id="{1160EA64-D806-43AC-9DF2-F8C432F32B4C}" type="datetimeFigureOut">
               <a:rPr lang="en-US" dirty="0"/>
-              <a:t>4/16/2024</a:t>
+              <a:t>5/8/2024</a:t>
             </a:fld>
             <a:endParaRPr lang="en-US" dirty="0"/>
           </a:p>
@@ -1282,7 +1278,7 @@
           <a:p>
             <a:fld id="{AB134690-1557-4C89-A502-4959FE7FAD70}" type="datetimeFigureOut">
               <a:rPr lang="en-US" dirty="0"/>
-              <a:t>4/16/2024</a:t>
+              <a:t>5/8/2024</a:t>
             </a:fld>
             <a:endParaRPr lang="en-US" dirty="0"/>
           </a:p>
@@ -1636,7 +1632,7 @@
           <a:p>
             <a:fld id="{4F7D4976-E339-4826-83B7-FBD03F55ECF8}" type="datetimeFigureOut">
               <a:rPr lang="en-US" dirty="0"/>
-              <a:t>4/16/2024</a:t>
+              <a:t>5/8/2024</a:t>
             </a:fld>
             <a:endParaRPr lang="en-US" dirty="0"/>
           </a:p>
@@ -1772,7 +1768,7 @@
           <a:p>
             <a:fld id="{E1037C31-9E7A-4F99-8774-A0E530DE1A42}" type="datetimeFigureOut">
               <a:rPr lang="en-US" dirty="0"/>
-              <a:t>4/16/2024</a:t>
+              <a:t>5/8/2024</a:t>
             </a:fld>
             <a:endParaRPr lang="en-US" dirty="0"/>
           </a:p>
@@ -1862,7 +1858,7 @@
           <a:p>
             <a:fld id="{C278504F-A551-4DE0-9316-4DCD1D8CC752}" type="datetimeFigureOut">
               <a:rPr lang="en-US" dirty="0"/>
-              <a:t>4/16/2024</a:t>
+              <a:t>5/8/2024</a:t>
             </a:fld>
             <a:endParaRPr lang="en-US" dirty="0"/>
           </a:p>
@@ -2214,7 +2210,7 @@
           <a:p>
             <a:fld id="{D1BE4249-C0D0-4B06-8692-E8BB871AF643}" type="datetimeFigureOut">
               <a:rPr lang="en-US" dirty="0"/>
-              <a:t>4/16/2024</a:t>
+              <a:t>5/8/2024</a:t>
             </a:fld>
             <a:endParaRPr lang="en-US" dirty="0"/>
           </a:p>
@@ -2566,7 +2562,7 @@
           <a:p>
             <a:fld id="{042B0DB6-F5C7-45FB-8CF3-31B45F9C2DAC}" type="datetimeFigureOut">
               <a:rPr lang="en-US" dirty="0"/>
-              <a:t>4/16/2024</a:t>
+              <a:t>5/8/2024</a:t>
             </a:fld>
             <a:endParaRPr lang="en-US" dirty="0"/>
           </a:p>
@@ -2802,7 +2798,7 @@
           <a:p>
             <a:fld id="{1160EA64-D806-43AC-9DF2-F8C432F32B4C}" type="datetimeFigureOut">
               <a:rPr lang="en-US" dirty="0"/>
-              <a:t>4/16/2024</a:t>
+              <a:t>5/8/2024</a:t>
             </a:fld>
             <a:endParaRPr lang="en-US" dirty="0"/>
           </a:p>
@@ -3291,173 +3287,6 @@
 </p:sld>
 </file>
 
-<file path=ppt/slides/slide10.xml><?xml version="1.0" encoding="utf-8"?>
-<p:sld xmlns:a="http://schemas.openxmlformats.org/drawingml/2006/main" xmlns:r="http://schemas.openxmlformats.org/officeDocument/2006/relationships" xmlns:p="http://schemas.openxmlformats.org/presentationml/2006/main">
-  <p:cSld>
-    <p:spTree>
-      <p:nvGrpSpPr>
-        <p:cNvPr id="1" name=""/>
-        <p:cNvGrpSpPr/>
-        <p:nvPr/>
-      </p:nvGrpSpPr>
-      <p:grpSpPr>
-        <a:xfrm>
-          <a:off x="0" y="0"/>
-          <a:ext cx="0" cy="0"/>
-          <a:chOff x="0" y="0"/>
-          <a:chExt cx="0" cy="0"/>
-        </a:xfrm>
-      </p:grpSpPr>
-      <p:sp>
-        <p:nvSpPr>
-          <p:cNvPr id="2" name="Title 1"/>
-          <p:cNvSpPr>
-            <a:spLocks noGrp="1"/>
-          </p:cNvSpPr>
-          <p:nvPr>
-            <p:ph type="title"/>
-          </p:nvPr>
-        </p:nvSpPr>
-        <p:spPr/>
-        <p:txBody>
-          <a:bodyPr>
-            <a:normAutofit/>
-          </a:bodyPr>
-          <a:lstStyle/>
-          <a:p>
-            <a:r>
-              <a:rPr lang="en-US" dirty="0" smtClean="0">
-                <a:latin typeface="Tahoma" panose="020B0604030504040204" pitchFamily="34" charset="0"/>
-                <a:ea typeface="Tahoma" panose="020B0604030504040204" pitchFamily="34" charset="0"/>
-                <a:cs typeface="Tahoma" panose="020B0604030504040204" pitchFamily="34" charset="0"/>
-              </a:rPr>
-              <a:t>Bài toán</a:t>
-            </a:r>
-            <a:endParaRPr lang="en-US" dirty="0">
-              <a:latin typeface="Tahoma" panose="020B0604030504040204" pitchFamily="34" charset="0"/>
-              <a:ea typeface="Tahoma" panose="020B0604030504040204" pitchFamily="34" charset="0"/>
-              <a:cs typeface="Tahoma" panose="020B0604030504040204" pitchFamily="34" charset="0"/>
-            </a:endParaRPr>
-          </a:p>
-        </p:txBody>
-      </p:sp>
-      <p:sp>
-        <p:nvSpPr>
-          <p:cNvPr id="3" name="Content Placeholder 2"/>
-          <p:cNvSpPr>
-            <a:spLocks noGrp="1"/>
-          </p:cNvSpPr>
-          <p:nvPr>
-            <p:ph idx="1"/>
-          </p:nvPr>
-        </p:nvSpPr>
-        <p:spPr>
-          <a:xfrm>
-            <a:off x="2231136" y="2638044"/>
-            <a:ext cx="7729728" cy="3679629"/>
-          </a:xfrm>
-        </p:spPr>
-        <p:txBody>
-          <a:bodyPr>
-            <a:normAutofit/>
-          </a:bodyPr>
-          <a:lstStyle/>
-          <a:p>
-            <a:r>
-              <a:rPr lang="en-US" dirty="0">
-                <a:latin typeface="Tahoma" panose="020B0604030504040204" pitchFamily="34" charset="0"/>
-                <a:ea typeface="Tahoma" panose="020B0604030504040204" pitchFamily="34" charset="0"/>
-                <a:cs typeface="Tahoma" panose="020B0604030504040204" pitchFamily="34" charset="0"/>
-                <a:hlinkClick r:id="rId2"/>
-              </a:rPr>
-              <a:t>https://</a:t>
-            </a:r>
-            <a:r>
-              <a:rPr lang="en-US" dirty="0" smtClean="0">
-                <a:latin typeface="Tahoma" panose="020B0604030504040204" pitchFamily="34" charset="0"/>
-                <a:ea typeface="Tahoma" panose="020B0604030504040204" pitchFamily="34" charset="0"/>
-                <a:cs typeface="Tahoma" panose="020B0604030504040204" pitchFamily="34" charset="0"/>
-                <a:hlinkClick r:id="rId2"/>
-              </a:rPr>
-              <a:t>jsonplaceholder.typicode.com/comments?id=1</a:t>
-            </a:r>
-            <a:endParaRPr lang="en-US" dirty="0" smtClean="0">
-              <a:latin typeface="Tahoma" panose="020B0604030504040204" pitchFamily="34" charset="0"/>
-              <a:ea typeface="Tahoma" panose="020B0604030504040204" pitchFamily="34" charset="0"/>
-              <a:cs typeface="Tahoma" panose="020B0604030504040204" pitchFamily="34" charset="0"/>
-            </a:endParaRPr>
-          </a:p>
-          <a:p>
-            <a:r>
-              <a:rPr lang="en-US" dirty="0">
-                <a:latin typeface="Tahoma" panose="020B0604030504040204" pitchFamily="34" charset="0"/>
-                <a:ea typeface="Tahoma" panose="020B0604030504040204" pitchFamily="34" charset="0"/>
-                <a:cs typeface="Tahoma" panose="020B0604030504040204" pitchFamily="34" charset="0"/>
-                <a:hlinkClick r:id="rId3"/>
-              </a:rPr>
-              <a:t>https://</a:t>
-            </a:r>
-            <a:r>
-              <a:rPr lang="en-US" dirty="0" smtClean="0">
-                <a:latin typeface="Tahoma" panose="020B0604030504040204" pitchFamily="34" charset="0"/>
-                <a:ea typeface="Tahoma" panose="020B0604030504040204" pitchFamily="34" charset="0"/>
-                <a:cs typeface="Tahoma" panose="020B0604030504040204" pitchFamily="34" charset="0"/>
-                <a:hlinkClick r:id="rId3"/>
-              </a:rPr>
-              <a:t>jsonplaceholder.typicode.com/users?id=2</a:t>
-            </a:r>
-            <a:endParaRPr lang="en-US" dirty="0" smtClean="0">
-              <a:latin typeface="Tahoma" panose="020B0604030504040204" pitchFamily="34" charset="0"/>
-              <a:ea typeface="Tahoma" panose="020B0604030504040204" pitchFamily="34" charset="0"/>
-              <a:cs typeface="Tahoma" panose="020B0604030504040204" pitchFamily="34" charset="0"/>
-            </a:endParaRPr>
-          </a:p>
-          <a:p>
-            <a:endParaRPr lang="en-US" dirty="0">
-              <a:latin typeface="Tahoma" panose="020B0604030504040204" pitchFamily="34" charset="0"/>
-              <a:ea typeface="Tahoma" panose="020B0604030504040204" pitchFamily="34" charset="0"/>
-              <a:cs typeface="Tahoma" panose="020B0604030504040204" pitchFamily="34" charset="0"/>
-            </a:endParaRPr>
-          </a:p>
-        </p:txBody>
-      </p:sp>
-      <p:pic>
-        <p:nvPicPr>
-          <p:cNvPr id="4" name="Picture 3"/>
-          <p:cNvPicPr>
-            <a:picLocks noChangeAspect="1"/>
-          </p:cNvPicPr>
-          <p:nvPr/>
-        </p:nvPicPr>
-        <p:blipFill>
-          <a:blip r:embed="rId4"/>
-          <a:stretch>
-            <a:fillRect/>
-          </a:stretch>
-        </p:blipFill>
-        <p:spPr>
-          <a:xfrm>
-            <a:off x="4900612" y="3615845"/>
-            <a:ext cx="2390775" cy="1724025"/>
-          </a:xfrm>
-          <a:prstGeom prst="rect">
-            <a:avLst/>
-          </a:prstGeom>
-        </p:spPr>
-      </p:pic>
-    </p:spTree>
-    <p:extLst>
-      <p:ext uri="{BB962C8B-B14F-4D97-AF65-F5344CB8AC3E}">
-        <p14:creationId xmlns:p14="http://schemas.microsoft.com/office/powerpoint/2010/main" val="1766756495"/>
-      </p:ext>
-    </p:extLst>
-  </p:cSld>
-  <p:clrMapOvr>
-    <a:masterClrMapping/>
-  </p:clrMapOvr>
-</p:sld>
-</file>
-
 <file path=ppt/slides/slide2.xml><?xml version="1.0" encoding="utf-8"?>
 <p:sld xmlns:a="http://schemas.openxmlformats.org/drawingml/2006/main" xmlns:r="http://schemas.openxmlformats.org/officeDocument/2006/relationships" xmlns:p="http://schemas.openxmlformats.org/presentationml/2006/main">
   <p:cSld>
@@ -3546,8 +3375,8 @@
         </p:nvSpPr>
         <p:spPr>
           <a:xfrm>
-            <a:off x="2231136" y="2638044"/>
-            <a:ext cx="7729728" cy="1815882"/>
+            <a:off x="2231136" y="2441843"/>
+            <a:ext cx="7729728" cy="4278094"/>
           </a:xfrm>
           <a:prstGeom prst="rect">
             <a:avLst/>
@@ -3563,72 +3392,1620 @@
           <a:lstStyle/>
           <a:p>
             <a:r>
-              <a:rPr lang="en-US" sz="1400" dirty="0">
+              <a:rPr lang="en-US" altLang="ja-JP" sz="800">
+                <a:solidFill>
+                  <a:srgbClr val="569CD6"/>
+                </a:solidFill>
+                <a:latin typeface="Consolas" panose="020B0609020204030204" pitchFamily="49" charset="0"/>
+              </a:rPr>
+              <a:t>function</a:t>
+            </a:r>
+            <a:r>
+              <a:rPr lang="en-US" altLang="ja-JP" sz="800">
+                <a:solidFill>
+                  <a:srgbClr val="D4D4D4"/>
+                </a:solidFill>
+                <a:latin typeface="Consolas" panose="020B0609020204030204" pitchFamily="49" charset="0"/>
+              </a:rPr>
+              <a:t> </a:t>
+            </a:r>
+            <a:r>
+              <a:rPr lang="en-US" altLang="ja-JP" sz="800">
+                <a:solidFill>
+                  <a:srgbClr val="DCDCAA"/>
+                </a:solidFill>
+                <a:latin typeface="Consolas" panose="020B0609020204030204" pitchFamily="49" charset="0"/>
+              </a:rPr>
+              <a:t>App</a:t>
+            </a:r>
+            <a:r>
+              <a:rPr lang="en-US" altLang="ja-JP" sz="800">
+                <a:solidFill>
+                  <a:srgbClr val="D4D4D4"/>
+                </a:solidFill>
+                <a:latin typeface="Consolas" panose="020B0609020204030204" pitchFamily="49" charset="0"/>
+              </a:rPr>
+              <a:t>() {</a:t>
+            </a:r>
+          </a:p>
+          <a:p>
+            <a:r>
+              <a:rPr lang="en-US" altLang="ja-JP" sz="800">
+                <a:solidFill>
+                  <a:srgbClr val="D4D4D4"/>
+                </a:solidFill>
+                <a:latin typeface="Consolas" panose="020B0609020204030204" pitchFamily="49" charset="0"/>
+              </a:rPr>
+              <a:t>  </a:t>
+            </a:r>
+            <a:r>
+              <a:rPr lang="en-US" altLang="ja-JP" sz="800">
+                <a:solidFill>
+                  <a:srgbClr val="569CD6"/>
+                </a:solidFill>
+                <a:latin typeface="Consolas" panose="020B0609020204030204" pitchFamily="49" charset="0"/>
+              </a:rPr>
+              <a:t>const</a:t>
+            </a:r>
+            <a:r>
+              <a:rPr lang="en-US" altLang="ja-JP" sz="800">
+                <a:solidFill>
+                  <a:srgbClr val="D4D4D4"/>
+                </a:solidFill>
+                <a:latin typeface="Consolas" panose="020B0609020204030204" pitchFamily="49" charset="0"/>
+              </a:rPr>
+              <a:t> [</a:t>
+            </a:r>
+            <a:r>
+              <a:rPr lang="en-US" altLang="ja-JP" sz="800">
+                <a:solidFill>
+                  <a:srgbClr val="4FC1FF"/>
+                </a:solidFill>
+                <a:latin typeface="Consolas" panose="020B0609020204030204" pitchFamily="49" charset="0"/>
+              </a:rPr>
+              <a:t>count</a:t>
+            </a:r>
+            <a:r>
+              <a:rPr lang="en-US" altLang="ja-JP" sz="800">
+                <a:solidFill>
+                  <a:srgbClr val="D4D4D4"/>
+                </a:solidFill>
+                <a:latin typeface="Consolas" panose="020B0609020204030204" pitchFamily="49" charset="0"/>
+              </a:rPr>
+              <a:t>, </a:t>
+            </a:r>
+            <a:r>
+              <a:rPr lang="en-US" altLang="ja-JP" sz="800">
+                <a:solidFill>
+                  <a:srgbClr val="DCDCAA"/>
+                </a:solidFill>
+                <a:latin typeface="Consolas" panose="020B0609020204030204" pitchFamily="49" charset="0"/>
+              </a:rPr>
+              <a:t>setCount</a:t>
+            </a:r>
+            <a:r>
+              <a:rPr lang="en-US" altLang="ja-JP" sz="800">
+                <a:solidFill>
+                  <a:srgbClr val="D4D4D4"/>
+                </a:solidFill>
+                <a:latin typeface="Consolas" panose="020B0609020204030204" pitchFamily="49" charset="0"/>
+              </a:rPr>
+              <a:t>] = </a:t>
+            </a:r>
+            <a:r>
+              <a:rPr lang="en-US" altLang="ja-JP" sz="800">
+                <a:solidFill>
+                  <a:srgbClr val="DCDCAA"/>
+                </a:solidFill>
+                <a:latin typeface="Consolas" panose="020B0609020204030204" pitchFamily="49" charset="0"/>
+              </a:rPr>
+              <a:t>useState</a:t>
+            </a:r>
+            <a:r>
+              <a:rPr lang="en-US" altLang="ja-JP" sz="800">
+                <a:solidFill>
+                  <a:srgbClr val="D4D4D4"/>
+                </a:solidFill>
+                <a:latin typeface="Consolas" panose="020B0609020204030204" pitchFamily="49" charset="0"/>
+              </a:rPr>
+              <a:t>(</a:t>
+            </a:r>
+            <a:r>
+              <a:rPr lang="en-US" altLang="ja-JP" sz="800">
+                <a:solidFill>
+                  <a:srgbClr val="B5CEA8"/>
+                </a:solidFill>
+                <a:latin typeface="Consolas" panose="020B0609020204030204" pitchFamily="49" charset="0"/>
+              </a:rPr>
+              <a:t>0</a:t>
+            </a:r>
+            <a:r>
+              <a:rPr lang="en-US" altLang="ja-JP" sz="800">
+                <a:solidFill>
+                  <a:srgbClr val="D4D4D4"/>
+                </a:solidFill>
+                <a:latin typeface="Consolas" panose="020B0609020204030204" pitchFamily="49" charset="0"/>
+              </a:rPr>
+              <a:t>);</a:t>
+            </a:r>
+          </a:p>
+          <a:p>
+            <a:r>
+              <a:rPr lang="en-US" altLang="ja-JP" sz="800">
+                <a:solidFill>
+                  <a:srgbClr val="D4D4D4"/>
+                </a:solidFill>
+                <a:latin typeface="Consolas" panose="020B0609020204030204" pitchFamily="49" charset="0"/>
+              </a:rPr>
+              <a:t>  </a:t>
+            </a:r>
+            <a:r>
+              <a:rPr lang="en-US" altLang="ja-JP" sz="800">
+                <a:solidFill>
+                  <a:srgbClr val="569CD6"/>
+                </a:solidFill>
+                <a:latin typeface="Consolas" panose="020B0609020204030204" pitchFamily="49" charset="0"/>
+              </a:rPr>
+              <a:t>const</a:t>
+            </a:r>
+            <a:r>
+              <a:rPr lang="en-US" altLang="ja-JP" sz="800">
+                <a:solidFill>
+                  <a:srgbClr val="D4D4D4"/>
+                </a:solidFill>
+                <a:latin typeface="Consolas" panose="020B0609020204030204" pitchFamily="49" charset="0"/>
+              </a:rPr>
+              <a:t> [</a:t>
+            </a:r>
+            <a:r>
+              <a:rPr lang="en-US" altLang="ja-JP" sz="800">
+                <a:solidFill>
+                  <a:srgbClr val="4FC1FF"/>
+                </a:solidFill>
+                <a:latin typeface="Consolas" panose="020B0609020204030204" pitchFamily="49" charset="0"/>
+              </a:rPr>
+              <a:t>wordIndex</a:t>
+            </a:r>
+            <a:r>
+              <a:rPr lang="en-US" altLang="ja-JP" sz="800">
+                <a:solidFill>
+                  <a:srgbClr val="D4D4D4"/>
+                </a:solidFill>
+                <a:latin typeface="Consolas" panose="020B0609020204030204" pitchFamily="49" charset="0"/>
+              </a:rPr>
+              <a:t>, </a:t>
+            </a:r>
+            <a:r>
+              <a:rPr lang="en-US" altLang="ja-JP" sz="800">
+                <a:solidFill>
+                  <a:srgbClr val="DCDCAA"/>
+                </a:solidFill>
+                <a:latin typeface="Consolas" panose="020B0609020204030204" pitchFamily="49" charset="0"/>
+              </a:rPr>
+              <a:t>setWordIndex</a:t>
+            </a:r>
+            <a:r>
+              <a:rPr lang="en-US" altLang="ja-JP" sz="800">
+                <a:solidFill>
+                  <a:srgbClr val="D4D4D4"/>
+                </a:solidFill>
+                <a:latin typeface="Consolas" panose="020B0609020204030204" pitchFamily="49" charset="0"/>
+              </a:rPr>
+              <a:t>] = </a:t>
+            </a:r>
+            <a:r>
+              <a:rPr lang="en-US" altLang="ja-JP" sz="800">
+                <a:solidFill>
+                  <a:srgbClr val="DCDCAA"/>
+                </a:solidFill>
+                <a:latin typeface="Consolas" panose="020B0609020204030204" pitchFamily="49" charset="0"/>
+              </a:rPr>
+              <a:t>useState</a:t>
+            </a:r>
+            <a:r>
+              <a:rPr lang="en-US" altLang="ja-JP" sz="800">
+                <a:solidFill>
+                  <a:srgbClr val="D4D4D4"/>
+                </a:solidFill>
+                <a:latin typeface="Consolas" panose="020B0609020204030204" pitchFamily="49" charset="0"/>
+              </a:rPr>
+              <a:t>(</a:t>
+            </a:r>
+            <a:r>
+              <a:rPr lang="en-US" altLang="ja-JP" sz="800">
+                <a:solidFill>
+                  <a:srgbClr val="B5CEA8"/>
+                </a:solidFill>
+                <a:latin typeface="Consolas" panose="020B0609020204030204" pitchFamily="49" charset="0"/>
+              </a:rPr>
+              <a:t>0</a:t>
+            </a:r>
+            <a:r>
+              <a:rPr lang="en-US" altLang="ja-JP" sz="800" smtClean="0">
+                <a:solidFill>
+                  <a:srgbClr val="D4D4D4"/>
+                </a:solidFill>
+                <a:latin typeface="Consolas" panose="020B0609020204030204" pitchFamily="49" charset="0"/>
+              </a:rPr>
+              <a:t>);</a:t>
+            </a:r>
+          </a:p>
+          <a:p>
+            <a:r>
+              <a:rPr lang="en-US" altLang="ja-JP" sz="800">
+                <a:solidFill>
+                  <a:srgbClr val="D4D4D4"/>
+                </a:solidFill>
+                <a:latin typeface="Consolas" panose="020B0609020204030204" pitchFamily="49" charset="0"/>
+              </a:rPr>
+              <a:t/>
+            </a:r>
+            <a:br>
+              <a:rPr lang="en-US" altLang="ja-JP" sz="800">
+                <a:solidFill>
+                  <a:srgbClr val="D4D4D4"/>
+                </a:solidFill>
+                <a:latin typeface="Consolas" panose="020B0609020204030204" pitchFamily="49" charset="0"/>
+              </a:rPr>
+            </a:br>
+            <a:r>
+              <a:rPr lang="en-US" altLang="ja-JP" sz="800">
+                <a:solidFill>
+                  <a:srgbClr val="D4D4D4"/>
+                </a:solidFill>
+                <a:latin typeface="Consolas" panose="020B0609020204030204" pitchFamily="49" charset="0"/>
+              </a:rPr>
+              <a:t>  </a:t>
+            </a:r>
+            <a:r>
+              <a:rPr lang="en-US" altLang="ja-JP" sz="800">
+                <a:solidFill>
+                  <a:srgbClr val="569CD6"/>
+                </a:solidFill>
+                <a:latin typeface="Consolas" panose="020B0609020204030204" pitchFamily="49" charset="0"/>
+              </a:rPr>
+              <a:t>const</a:t>
+            </a:r>
+            <a:r>
+              <a:rPr lang="en-US" altLang="ja-JP" sz="800">
+                <a:solidFill>
+                  <a:srgbClr val="D4D4D4"/>
+                </a:solidFill>
+                <a:latin typeface="Consolas" panose="020B0609020204030204" pitchFamily="49" charset="0"/>
+              </a:rPr>
+              <a:t> </a:t>
+            </a:r>
+            <a:r>
+              <a:rPr lang="en-US" altLang="ja-JP" sz="800">
+                <a:solidFill>
+                  <a:srgbClr val="4FC1FF"/>
+                </a:solidFill>
+                <a:latin typeface="Consolas" panose="020B0609020204030204" pitchFamily="49" charset="0"/>
+              </a:rPr>
+              <a:t>words</a:t>
+            </a:r>
+            <a:r>
+              <a:rPr lang="en-US" altLang="ja-JP" sz="800">
+                <a:solidFill>
+                  <a:srgbClr val="D4D4D4"/>
+                </a:solidFill>
+                <a:latin typeface="Consolas" panose="020B0609020204030204" pitchFamily="49" charset="0"/>
+              </a:rPr>
+              <a:t> = [</a:t>
+            </a:r>
+            <a:r>
+              <a:rPr lang="en-US" altLang="ja-JP" sz="800">
+                <a:solidFill>
+                  <a:srgbClr val="CE9178"/>
+                </a:solidFill>
+                <a:latin typeface="Consolas" panose="020B0609020204030204" pitchFamily="49" charset="0"/>
+              </a:rPr>
+              <a:t>"hey"</a:t>
+            </a:r>
+            <a:r>
+              <a:rPr lang="en-US" altLang="ja-JP" sz="800">
+                <a:solidFill>
+                  <a:srgbClr val="D4D4D4"/>
+                </a:solidFill>
+                <a:latin typeface="Consolas" panose="020B0609020204030204" pitchFamily="49" charset="0"/>
+              </a:rPr>
+              <a:t>, </a:t>
+            </a:r>
+            <a:r>
+              <a:rPr lang="en-US" altLang="ja-JP" sz="800">
+                <a:solidFill>
+                  <a:srgbClr val="CE9178"/>
+                </a:solidFill>
+                <a:latin typeface="Consolas" panose="020B0609020204030204" pitchFamily="49" charset="0"/>
+              </a:rPr>
+              <a:t>"this"</a:t>
+            </a:r>
+            <a:r>
+              <a:rPr lang="en-US" altLang="ja-JP" sz="800">
+                <a:solidFill>
+                  <a:srgbClr val="D4D4D4"/>
+                </a:solidFill>
+                <a:latin typeface="Consolas" panose="020B0609020204030204" pitchFamily="49" charset="0"/>
+              </a:rPr>
+              <a:t>, </a:t>
+            </a:r>
+            <a:r>
+              <a:rPr lang="en-US" altLang="ja-JP" sz="800">
+                <a:solidFill>
+                  <a:srgbClr val="CE9178"/>
+                </a:solidFill>
+                <a:latin typeface="Consolas" panose="020B0609020204030204" pitchFamily="49" charset="0"/>
+              </a:rPr>
+              <a:t>"is"</a:t>
+            </a:r>
+            <a:r>
+              <a:rPr lang="en-US" altLang="ja-JP" sz="800">
+                <a:solidFill>
+                  <a:srgbClr val="D4D4D4"/>
+                </a:solidFill>
+                <a:latin typeface="Consolas" panose="020B0609020204030204" pitchFamily="49" charset="0"/>
+              </a:rPr>
+              <a:t>, </a:t>
+            </a:r>
+            <a:r>
+              <a:rPr lang="en-US" altLang="ja-JP" sz="800">
+                <a:solidFill>
+                  <a:srgbClr val="CE9178"/>
+                </a:solidFill>
+                <a:latin typeface="Consolas" panose="020B0609020204030204" pitchFamily="49" charset="0"/>
+              </a:rPr>
+              <a:t>"cool"</a:t>
+            </a:r>
+            <a:r>
+              <a:rPr lang="en-US" altLang="ja-JP" sz="800">
+                <a:solidFill>
+                  <a:srgbClr val="D4D4D4"/>
+                </a:solidFill>
+                <a:latin typeface="Consolas" panose="020B0609020204030204" pitchFamily="49" charset="0"/>
+              </a:rPr>
+              <a:t>];</a:t>
+            </a:r>
+          </a:p>
+          <a:p>
+            <a:r>
+              <a:rPr lang="en-US" altLang="ja-JP" sz="800">
+                <a:solidFill>
+                  <a:srgbClr val="D4D4D4"/>
+                </a:solidFill>
+                <a:latin typeface="Consolas" panose="020B0609020204030204" pitchFamily="49" charset="0"/>
+              </a:rPr>
+              <a:t>  </a:t>
+            </a:r>
+            <a:r>
+              <a:rPr lang="en-US" altLang="ja-JP" sz="800">
+                <a:solidFill>
+                  <a:srgbClr val="569CD6"/>
+                </a:solidFill>
+                <a:latin typeface="Consolas" panose="020B0609020204030204" pitchFamily="49" charset="0"/>
+              </a:rPr>
+              <a:t>const</a:t>
+            </a:r>
+            <a:r>
+              <a:rPr lang="en-US" altLang="ja-JP" sz="800">
+                <a:solidFill>
+                  <a:srgbClr val="D4D4D4"/>
+                </a:solidFill>
+                <a:latin typeface="Consolas" panose="020B0609020204030204" pitchFamily="49" charset="0"/>
+              </a:rPr>
+              <a:t> </a:t>
+            </a:r>
+            <a:r>
+              <a:rPr lang="en-US" altLang="ja-JP" sz="800">
+                <a:solidFill>
+                  <a:srgbClr val="4FC1FF"/>
+                </a:solidFill>
+                <a:latin typeface="Consolas" panose="020B0609020204030204" pitchFamily="49" charset="0"/>
+              </a:rPr>
+              <a:t>word</a:t>
+            </a:r>
+            <a:r>
+              <a:rPr lang="en-US" altLang="ja-JP" sz="800">
+                <a:solidFill>
+                  <a:srgbClr val="D4D4D4"/>
+                </a:solidFill>
+                <a:latin typeface="Consolas" panose="020B0609020204030204" pitchFamily="49" charset="0"/>
+              </a:rPr>
+              <a:t> =</a:t>
+            </a:r>
+            <a:r>
+              <a:rPr lang="en-US" altLang="ja-JP" sz="800">
+                <a:solidFill>
+                  <a:srgbClr val="9CDCFE"/>
+                </a:solidFill>
+                <a:latin typeface="Consolas" panose="020B0609020204030204" pitchFamily="49" charset="0"/>
+              </a:rPr>
+              <a:t> </a:t>
+            </a:r>
+            <a:r>
+              <a:rPr lang="en-US" altLang="ja-JP" sz="800">
+                <a:solidFill>
+                  <a:srgbClr val="4FC1FF"/>
+                </a:solidFill>
+                <a:latin typeface="Consolas" panose="020B0609020204030204" pitchFamily="49" charset="0"/>
+              </a:rPr>
+              <a:t>words</a:t>
+            </a:r>
+            <a:r>
+              <a:rPr lang="en-US" altLang="ja-JP" sz="800">
+                <a:solidFill>
+                  <a:srgbClr val="D4D4D4"/>
+                </a:solidFill>
+                <a:latin typeface="Consolas" panose="020B0609020204030204" pitchFamily="49" charset="0"/>
+              </a:rPr>
+              <a:t>[</a:t>
+            </a:r>
+            <a:r>
+              <a:rPr lang="en-US" altLang="ja-JP" sz="800">
+                <a:solidFill>
+                  <a:srgbClr val="4FC1FF"/>
+                </a:solidFill>
+                <a:latin typeface="Consolas" panose="020B0609020204030204" pitchFamily="49" charset="0"/>
+              </a:rPr>
+              <a:t>wordIndex</a:t>
+            </a:r>
+            <a:r>
+              <a:rPr lang="en-US" altLang="ja-JP" sz="800">
+                <a:solidFill>
+                  <a:srgbClr val="D4D4D4"/>
+                </a:solidFill>
+                <a:latin typeface="Consolas" panose="020B0609020204030204" pitchFamily="49" charset="0"/>
+              </a:rPr>
+              <a:t>];</a:t>
+            </a:r>
+          </a:p>
+          <a:p>
+            <a:r>
+              <a:rPr lang="en-US" altLang="ja-JP" sz="800">
+                <a:solidFill>
+                  <a:srgbClr val="D4D4D4"/>
+                </a:solidFill>
+                <a:latin typeface="Consolas" panose="020B0609020204030204" pitchFamily="49" charset="0"/>
+              </a:rPr>
+              <a:t/>
+            </a:r>
+            <a:br>
+              <a:rPr lang="en-US" altLang="ja-JP" sz="800">
+                <a:solidFill>
+                  <a:srgbClr val="D4D4D4"/>
+                </a:solidFill>
+                <a:latin typeface="Consolas" panose="020B0609020204030204" pitchFamily="49" charset="0"/>
+              </a:rPr>
+            </a:br>
+            <a:r>
+              <a:rPr lang="en-US" altLang="ja-JP" sz="800">
+                <a:solidFill>
+                  <a:srgbClr val="D4D4D4"/>
+                </a:solidFill>
+                <a:latin typeface="Consolas" panose="020B0609020204030204" pitchFamily="49" charset="0"/>
+              </a:rPr>
+              <a:t>  </a:t>
+            </a:r>
+            <a:r>
+              <a:rPr lang="en-US" altLang="ja-JP" sz="800">
+                <a:solidFill>
+                  <a:srgbClr val="569CD6"/>
+                </a:solidFill>
+                <a:latin typeface="Consolas" panose="020B0609020204030204" pitchFamily="49" charset="0"/>
+              </a:rPr>
+              <a:t>const</a:t>
+            </a:r>
+            <a:r>
+              <a:rPr lang="en-US" altLang="ja-JP" sz="800">
+                <a:solidFill>
+                  <a:srgbClr val="D4D4D4"/>
+                </a:solidFill>
+                <a:latin typeface="Consolas" panose="020B0609020204030204" pitchFamily="49" charset="0"/>
+              </a:rPr>
+              <a:t> </a:t>
+            </a:r>
+            <a:r>
+              <a:rPr lang="en-US" altLang="ja-JP" sz="800">
+                <a:solidFill>
+                  <a:srgbClr val="DCDCAA"/>
+                </a:solidFill>
+                <a:latin typeface="Consolas" panose="020B0609020204030204" pitchFamily="49" charset="0"/>
+              </a:rPr>
+              <a:t>computeLetterCount</a:t>
+            </a:r>
+            <a:r>
+              <a:rPr lang="en-US" altLang="ja-JP" sz="800">
+                <a:solidFill>
+                  <a:srgbClr val="D4D4D4"/>
+                </a:solidFill>
+                <a:latin typeface="Consolas" panose="020B0609020204030204" pitchFamily="49" charset="0"/>
+              </a:rPr>
+              <a:t> = (</a:t>
+            </a:r>
+            <a:r>
+              <a:rPr lang="en-US" altLang="ja-JP" sz="800">
+                <a:solidFill>
+                  <a:srgbClr val="9CDCFE"/>
+                </a:solidFill>
+                <a:latin typeface="Consolas" panose="020B0609020204030204" pitchFamily="49" charset="0"/>
+              </a:rPr>
+              <a:t>word</a:t>
+            </a:r>
+            <a:r>
+              <a:rPr lang="en-US" altLang="ja-JP" sz="800">
+                <a:solidFill>
+                  <a:srgbClr val="D4D4D4"/>
+                </a:solidFill>
+                <a:latin typeface="Consolas" panose="020B0609020204030204" pitchFamily="49" charset="0"/>
+              </a:rPr>
+              <a:t>) </a:t>
+            </a:r>
+            <a:r>
+              <a:rPr lang="en-US" altLang="ja-JP" sz="800">
+                <a:solidFill>
+                  <a:srgbClr val="569CD6"/>
+                </a:solidFill>
+                <a:latin typeface="Consolas" panose="020B0609020204030204" pitchFamily="49" charset="0"/>
+              </a:rPr>
+              <a:t>=&gt;</a:t>
+            </a:r>
+            <a:r>
+              <a:rPr lang="en-US" altLang="ja-JP" sz="800">
+                <a:solidFill>
+                  <a:srgbClr val="D4D4D4"/>
+                </a:solidFill>
+                <a:latin typeface="Consolas" panose="020B0609020204030204" pitchFamily="49" charset="0"/>
+              </a:rPr>
+              <a:t> {</a:t>
+            </a:r>
+          </a:p>
+          <a:p>
+            <a:r>
+              <a:rPr lang="en-US" altLang="ja-JP" sz="800">
+                <a:solidFill>
+                  <a:srgbClr val="D4D4D4"/>
+                </a:solidFill>
+                <a:latin typeface="Consolas" panose="020B0609020204030204" pitchFamily="49" charset="0"/>
+              </a:rPr>
+              <a:t>    </a:t>
+            </a:r>
+            <a:r>
+              <a:rPr lang="en-US" altLang="ja-JP" sz="800">
+                <a:solidFill>
+                  <a:srgbClr val="569CD6"/>
+                </a:solidFill>
+                <a:latin typeface="Consolas" panose="020B0609020204030204" pitchFamily="49" charset="0"/>
+              </a:rPr>
+              <a:t>let</a:t>
+            </a:r>
+            <a:r>
+              <a:rPr lang="en-US" altLang="ja-JP" sz="800">
+                <a:solidFill>
+                  <a:srgbClr val="D4D4D4"/>
+                </a:solidFill>
+                <a:latin typeface="Consolas" panose="020B0609020204030204" pitchFamily="49" charset="0"/>
+              </a:rPr>
+              <a:t> </a:t>
+            </a:r>
+            <a:r>
+              <a:rPr lang="en-US" altLang="ja-JP" sz="800">
+                <a:solidFill>
+                  <a:srgbClr val="9CDCFE"/>
+                </a:solidFill>
+                <a:latin typeface="Consolas" panose="020B0609020204030204" pitchFamily="49" charset="0"/>
+              </a:rPr>
+              <a:t>i</a:t>
+            </a:r>
+            <a:r>
+              <a:rPr lang="en-US" altLang="ja-JP" sz="800">
+                <a:solidFill>
+                  <a:srgbClr val="D4D4D4"/>
+                </a:solidFill>
+                <a:latin typeface="Consolas" panose="020B0609020204030204" pitchFamily="49" charset="0"/>
+              </a:rPr>
+              <a:t> = </a:t>
+            </a:r>
+            <a:r>
+              <a:rPr lang="en-US" altLang="ja-JP" sz="800">
+                <a:solidFill>
+                  <a:srgbClr val="B5CEA8"/>
+                </a:solidFill>
+                <a:latin typeface="Consolas" panose="020B0609020204030204" pitchFamily="49" charset="0"/>
+              </a:rPr>
+              <a:t>0</a:t>
+            </a:r>
+            <a:r>
+              <a:rPr lang="en-US" altLang="ja-JP" sz="800">
+                <a:solidFill>
+                  <a:srgbClr val="D4D4D4"/>
+                </a:solidFill>
+                <a:latin typeface="Consolas" panose="020B0609020204030204" pitchFamily="49" charset="0"/>
+              </a:rPr>
+              <a:t>;</a:t>
+            </a:r>
+          </a:p>
+          <a:p>
+            <a:r>
+              <a:rPr lang="en-US" altLang="ja-JP" sz="800">
+                <a:solidFill>
+                  <a:srgbClr val="D4D4D4"/>
+                </a:solidFill>
+                <a:latin typeface="Consolas" panose="020B0609020204030204" pitchFamily="49" charset="0"/>
+              </a:rPr>
+              <a:t>    </a:t>
+            </a:r>
+            <a:r>
+              <a:rPr lang="en-US" altLang="ja-JP" sz="800">
                 <a:solidFill>
                   <a:srgbClr val="C586C0"/>
                 </a:solidFill>
                 <a:latin typeface="Consolas" panose="020B0609020204030204" pitchFamily="49" charset="0"/>
               </a:rPr>
-              <a:t>import</a:t>
-            </a:r>
-            <a:r>
-              <a:rPr lang="en-US" sz="1400" dirty="0">
-                <a:solidFill>
-                  <a:srgbClr val="CCCCCC"/>
-                </a:solidFill>
-                <a:latin typeface="Consolas" panose="020B0609020204030204" pitchFamily="49" charset="0"/>
-              </a:rPr>
-              <a:t> { </a:t>
-            </a:r>
-            <a:r>
-              <a:rPr lang="en-US" sz="1400" dirty="0">
+              <a:t>while</a:t>
+            </a:r>
+            <a:r>
+              <a:rPr lang="en-US" altLang="ja-JP" sz="800">
+                <a:solidFill>
+                  <a:srgbClr val="D4D4D4"/>
+                </a:solidFill>
+                <a:latin typeface="Consolas" panose="020B0609020204030204" pitchFamily="49" charset="0"/>
+              </a:rPr>
+              <a:t> (</a:t>
+            </a:r>
+            <a:r>
+              <a:rPr lang="en-US" altLang="ja-JP" sz="800">
                 <a:solidFill>
                   <a:srgbClr val="9CDCFE"/>
                 </a:solidFill>
                 <a:latin typeface="Consolas" panose="020B0609020204030204" pitchFamily="49" charset="0"/>
               </a:rPr>
-              <a:t>memo</a:t>
-            </a:r>
-            <a:r>
-              <a:rPr lang="en-US" sz="1400" dirty="0">
-                <a:solidFill>
-                  <a:srgbClr val="CCCCCC"/>
-                </a:solidFill>
-                <a:latin typeface="Consolas" panose="020B0609020204030204" pitchFamily="49" charset="0"/>
-              </a:rPr>
-              <a:t> } </a:t>
-            </a:r>
-            <a:r>
-              <a:rPr lang="en-US" sz="1400" dirty="0">
+              <a:t>i</a:t>
+            </a:r>
+            <a:r>
+              <a:rPr lang="en-US" altLang="ja-JP" sz="800">
+                <a:solidFill>
+                  <a:srgbClr val="D4D4D4"/>
+                </a:solidFill>
+                <a:latin typeface="Consolas" panose="020B0609020204030204" pitchFamily="49" charset="0"/>
+              </a:rPr>
+              <a:t> &lt; </a:t>
+            </a:r>
+            <a:r>
+              <a:rPr lang="en-US" altLang="ja-JP" sz="800">
+                <a:solidFill>
+                  <a:srgbClr val="B5CEA8"/>
+                </a:solidFill>
+                <a:latin typeface="Consolas" panose="020B0609020204030204" pitchFamily="49" charset="0"/>
+              </a:rPr>
+              <a:t>1000000000</a:t>
+            </a:r>
+            <a:r>
+              <a:rPr lang="en-US" altLang="ja-JP" sz="800">
+                <a:solidFill>
+                  <a:srgbClr val="D4D4D4"/>
+                </a:solidFill>
+                <a:latin typeface="Consolas" panose="020B0609020204030204" pitchFamily="49" charset="0"/>
+              </a:rPr>
+              <a:t>) </a:t>
+            </a:r>
+            <a:r>
+              <a:rPr lang="en-US" altLang="ja-JP" sz="800">
+                <a:solidFill>
+                  <a:srgbClr val="9CDCFE"/>
+                </a:solidFill>
+                <a:latin typeface="Consolas" panose="020B0609020204030204" pitchFamily="49" charset="0"/>
+              </a:rPr>
+              <a:t>i</a:t>
+            </a:r>
+            <a:r>
+              <a:rPr lang="en-US" altLang="ja-JP" sz="800">
+                <a:solidFill>
+                  <a:srgbClr val="D4D4D4"/>
+                </a:solidFill>
+                <a:latin typeface="Consolas" panose="020B0609020204030204" pitchFamily="49" charset="0"/>
+              </a:rPr>
+              <a:t>++;</a:t>
+            </a:r>
+          </a:p>
+          <a:p>
+            <a:r>
+              <a:rPr lang="en-US" altLang="ja-JP" sz="800">
+                <a:solidFill>
+                  <a:srgbClr val="D4D4D4"/>
+                </a:solidFill>
+                <a:latin typeface="Consolas" panose="020B0609020204030204" pitchFamily="49" charset="0"/>
+              </a:rPr>
+              <a:t>    </a:t>
+            </a:r>
+            <a:r>
+              <a:rPr lang="en-US" altLang="ja-JP" sz="800">
                 <a:solidFill>
                   <a:srgbClr val="C586C0"/>
                 </a:solidFill>
                 <a:latin typeface="Consolas" panose="020B0609020204030204" pitchFamily="49" charset="0"/>
               </a:rPr>
-              <a:t>from</a:t>
-            </a:r>
-            <a:r>
-              <a:rPr lang="en-US" sz="1400" dirty="0">
-                <a:solidFill>
-                  <a:srgbClr val="CCCCCC"/>
+              <a:t>return</a:t>
+            </a:r>
+            <a:r>
+              <a:rPr lang="en-US" altLang="ja-JP" sz="800">
+                <a:solidFill>
+                  <a:srgbClr val="9CDCFE"/>
+                </a:solidFill>
+                <a:latin typeface="Consolas" panose="020B0609020204030204" pitchFamily="49" charset="0"/>
+              </a:rPr>
+              <a:t> word</a:t>
+            </a:r>
+            <a:r>
+              <a:rPr lang="en-US" altLang="ja-JP" sz="800">
+                <a:solidFill>
+                  <a:srgbClr val="D4D4D4"/>
+                </a:solidFill>
+                <a:latin typeface="Consolas" panose="020B0609020204030204" pitchFamily="49" charset="0"/>
+              </a:rPr>
+              <a:t>.</a:t>
+            </a:r>
+            <a:r>
+              <a:rPr lang="en-US" altLang="ja-JP" sz="800">
+                <a:solidFill>
+                  <a:srgbClr val="9CDCFE"/>
+                </a:solidFill>
+                <a:latin typeface="Consolas" panose="020B0609020204030204" pitchFamily="49" charset="0"/>
+              </a:rPr>
+              <a:t>length</a:t>
+            </a:r>
+            <a:r>
+              <a:rPr lang="en-US" altLang="ja-JP" sz="800">
+                <a:solidFill>
+                  <a:srgbClr val="D4D4D4"/>
+                </a:solidFill>
+                <a:latin typeface="Consolas" panose="020B0609020204030204" pitchFamily="49" charset="0"/>
+              </a:rPr>
+              <a:t>;</a:t>
+            </a:r>
+          </a:p>
+          <a:p>
+            <a:r>
+              <a:rPr lang="en-US" altLang="ja-JP" sz="800">
+                <a:solidFill>
+                  <a:srgbClr val="D4D4D4"/>
+                </a:solidFill>
+                <a:latin typeface="Consolas" panose="020B0609020204030204" pitchFamily="49" charset="0"/>
+              </a:rPr>
+              <a:t> </a:t>
+            </a:r>
+            <a:r>
+              <a:rPr lang="en-US" altLang="ja-JP" sz="800">
+                <a:solidFill>
+                  <a:srgbClr val="D4D4D4"/>
                 </a:solidFill>
                 <a:latin typeface="Consolas" panose="020B0609020204030204" pitchFamily="49" charset="0"/>
               </a:rPr>
               <a:t> </a:t>
             </a:r>
             <a:r>
-              <a:rPr lang="en-US" sz="1400" dirty="0">
+              <a:rPr lang="en-US" altLang="ja-JP" sz="800" smtClean="0">
+                <a:solidFill>
+                  <a:srgbClr val="D4D4D4"/>
+                </a:solidFill>
+                <a:latin typeface="Consolas" panose="020B0609020204030204" pitchFamily="49" charset="0"/>
+              </a:rPr>
+              <a:t>};</a:t>
+            </a:r>
+          </a:p>
+          <a:p>
+            <a:r>
+              <a:rPr lang="en-US" altLang="ja-JP" sz="800">
+                <a:solidFill>
+                  <a:srgbClr val="D4D4D4"/>
+                </a:solidFill>
+                <a:latin typeface="Consolas" panose="020B0609020204030204" pitchFamily="49" charset="0"/>
+              </a:rPr>
+              <a:t/>
+            </a:r>
+            <a:br>
+              <a:rPr lang="en-US" altLang="ja-JP" sz="800">
+                <a:solidFill>
+                  <a:srgbClr val="D4D4D4"/>
+                </a:solidFill>
+                <a:latin typeface="Consolas" panose="020B0609020204030204" pitchFamily="49" charset="0"/>
+              </a:rPr>
+            </a:br>
+            <a:r>
+              <a:rPr lang="en-US" altLang="ja-JP" sz="800">
+                <a:solidFill>
+                  <a:srgbClr val="D4D4D4"/>
+                </a:solidFill>
+                <a:latin typeface="Consolas" panose="020B0609020204030204" pitchFamily="49" charset="0"/>
+              </a:rPr>
+              <a:t>  </a:t>
+            </a:r>
+            <a:r>
+              <a:rPr lang="en-US" altLang="ja-JP" sz="800">
+                <a:solidFill>
+                  <a:srgbClr val="569CD6"/>
+                </a:solidFill>
+                <a:latin typeface="Consolas" panose="020B0609020204030204" pitchFamily="49" charset="0"/>
+              </a:rPr>
+              <a:t>const</a:t>
+            </a:r>
+            <a:r>
+              <a:rPr lang="en-US" altLang="ja-JP" sz="800">
+                <a:solidFill>
+                  <a:srgbClr val="D4D4D4"/>
+                </a:solidFill>
+                <a:latin typeface="Consolas" panose="020B0609020204030204" pitchFamily="49" charset="0"/>
+              </a:rPr>
+              <a:t> </a:t>
+            </a:r>
+            <a:r>
+              <a:rPr lang="en-US" altLang="ja-JP" sz="800">
+                <a:solidFill>
+                  <a:srgbClr val="4FC1FF"/>
+                </a:solidFill>
+                <a:latin typeface="Consolas" panose="020B0609020204030204" pitchFamily="49" charset="0"/>
+              </a:rPr>
+              <a:t>letterCount</a:t>
+            </a:r>
+            <a:r>
+              <a:rPr lang="en-US" altLang="ja-JP" sz="800">
+                <a:solidFill>
+                  <a:srgbClr val="D4D4D4"/>
+                </a:solidFill>
+                <a:latin typeface="Consolas" panose="020B0609020204030204" pitchFamily="49" charset="0"/>
+              </a:rPr>
+              <a:t> = </a:t>
+            </a:r>
+            <a:r>
+              <a:rPr lang="en-US" altLang="ja-JP" sz="800">
+                <a:solidFill>
+                  <a:srgbClr val="DCDCAA"/>
+                </a:solidFill>
+                <a:latin typeface="Consolas" panose="020B0609020204030204" pitchFamily="49" charset="0"/>
+              </a:rPr>
+              <a:t>computeLetterCount</a:t>
+            </a:r>
+            <a:r>
+              <a:rPr lang="en-US" altLang="ja-JP" sz="800">
+                <a:solidFill>
+                  <a:srgbClr val="D4D4D4"/>
+                </a:solidFill>
+                <a:latin typeface="Consolas" panose="020B0609020204030204" pitchFamily="49" charset="0"/>
+              </a:rPr>
+              <a:t>(</a:t>
+            </a:r>
+            <a:r>
+              <a:rPr lang="en-US" altLang="ja-JP" sz="800">
+                <a:solidFill>
+                  <a:srgbClr val="4FC1FF"/>
+                </a:solidFill>
+                <a:latin typeface="Consolas" panose="020B0609020204030204" pitchFamily="49" charset="0"/>
+              </a:rPr>
+              <a:t>word</a:t>
+            </a:r>
+            <a:r>
+              <a:rPr lang="en-US" altLang="ja-JP" sz="800" smtClean="0">
+                <a:solidFill>
+                  <a:srgbClr val="D4D4D4"/>
+                </a:solidFill>
+                <a:latin typeface="Consolas" panose="020B0609020204030204" pitchFamily="49" charset="0"/>
+              </a:rPr>
+              <a:t>);</a:t>
+            </a:r>
+          </a:p>
+          <a:p>
+            <a:r>
+              <a:rPr lang="en-US" altLang="ja-JP" sz="800">
+                <a:solidFill>
+                  <a:srgbClr val="D4D4D4"/>
+                </a:solidFill>
+                <a:latin typeface="Consolas" panose="020B0609020204030204" pitchFamily="49" charset="0"/>
+              </a:rPr>
+              <a:t/>
+            </a:r>
+            <a:br>
+              <a:rPr lang="en-US" altLang="ja-JP" sz="800">
+                <a:solidFill>
+                  <a:srgbClr val="D4D4D4"/>
+                </a:solidFill>
+                <a:latin typeface="Consolas" panose="020B0609020204030204" pitchFamily="49" charset="0"/>
+              </a:rPr>
+            </a:br>
+            <a:r>
+              <a:rPr lang="en-US" altLang="ja-JP" sz="800">
+                <a:solidFill>
+                  <a:srgbClr val="D4D4D4"/>
+                </a:solidFill>
+                <a:latin typeface="Consolas" panose="020B0609020204030204" pitchFamily="49" charset="0"/>
+              </a:rPr>
+              <a:t>  </a:t>
+            </a:r>
+            <a:r>
+              <a:rPr lang="en-US" altLang="ja-JP" sz="800">
+                <a:solidFill>
+                  <a:srgbClr val="C586C0"/>
+                </a:solidFill>
+                <a:latin typeface="Consolas" panose="020B0609020204030204" pitchFamily="49" charset="0"/>
+              </a:rPr>
+              <a:t>return</a:t>
+            </a:r>
+            <a:r>
+              <a:rPr lang="en-US" altLang="ja-JP" sz="800">
+                <a:solidFill>
+                  <a:srgbClr val="D4D4D4"/>
+                </a:solidFill>
+                <a:latin typeface="Consolas" panose="020B0609020204030204" pitchFamily="49" charset="0"/>
+              </a:rPr>
+              <a:t> (</a:t>
+            </a:r>
+          </a:p>
+          <a:p>
+            <a:r>
+              <a:rPr lang="en-US" altLang="ja-JP" sz="800">
+                <a:solidFill>
+                  <a:srgbClr val="D4D4D4"/>
+                </a:solidFill>
+                <a:latin typeface="Consolas" panose="020B0609020204030204" pitchFamily="49" charset="0"/>
+              </a:rPr>
+              <a:t>    </a:t>
+            </a:r>
+            <a:r>
+              <a:rPr lang="en-US" altLang="ja-JP" sz="800">
+                <a:solidFill>
+                  <a:srgbClr val="808080"/>
+                </a:solidFill>
+                <a:latin typeface="Consolas" panose="020B0609020204030204" pitchFamily="49" charset="0"/>
+              </a:rPr>
+              <a:t>&lt;</a:t>
+            </a:r>
+            <a:r>
+              <a:rPr lang="en-US" altLang="ja-JP" sz="800">
+                <a:solidFill>
+                  <a:srgbClr val="569CD6"/>
+                </a:solidFill>
+                <a:latin typeface="Consolas" panose="020B0609020204030204" pitchFamily="49" charset="0"/>
+              </a:rPr>
+              <a:t>div</a:t>
+            </a:r>
+            <a:r>
+              <a:rPr lang="en-US" altLang="ja-JP" sz="800">
+                <a:solidFill>
+                  <a:srgbClr val="D4D4D4"/>
+                </a:solidFill>
+                <a:latin typeface="Consolas" panose="020B0609020204030204" pitchFamily="49" charset="0"/>
+              </a:rPr>
+              <a:t> </a:t>
+            </a:r>
+            <a:r>
+              <a:rPr lang="en-US" altLang="ja-JP" sz="800">
+                <a:solidFill>
+                  <a:srgbClr val="9CDCFE"/>
+                </a:solidFill>
+                <a:latin typeface="Consolas" panose="020B0609020204030204" pitchFamily="49" charset="0"/>
+              </a:rPr>
+              <a:t>style</a:t>
+            </a:r>
+            <a:r>
+              <a:rPr lang="en-US" altLang="ja-JP" sz="800">
+                <a:solidFill>
+                  <a:srgbClr val="D4D4D4"/>
+                </a:solidFill>
+                <a:latin typeface="Consolas" panose="020B0609020204030204" pitchFamily="49" charset="0"/>
+              </a:rPr>
+              <a:t>=</a:t>
+            </a:r>
+            <a:r>
+              <a:rPr lang="en-US" altLang="ja-JP" sz="800">
+                <a:solidFill>
+                  <a:srgbClr val="569CD6"/>
+                </a:solidFill>
+                <a:latin typeface="Consolas" panose="020B0609020204030204" pitchFamily="49" charset="0"/>
+              </a:rPr>
+              <a:t>{</a:t>
+            </a:r>
+            <a:r>
+              <a:rPr lang="en-US" altLang="ja-JP" sz="800">
+                <a:solidFill>
+                  <a:srgbClr val="D4D4D4"/>
+                </a:solidFill>
+                <a:latin typeface="Consolas" panose="020B0609020204030204" pitchFamily="49" charset="0"/>
+              </a:rPr>
+              <a:t>{ </a:t>
+            </a:r>
+            <a:r>
+              <a:rPr lang="en-US" altLang="ja-JP" sz="800">
+                <a:solidFill>
+                  <a:srgbClr val="9CDCFE"/>
+                </a:solidFill>
+                <a:latin typeface="Consolas" panose="020B0609020204030204" pitchFamily="49" charset="0"/>
+              </a:rPr>
+              <a:t>padding</a:t>
+            </a:r>
+            <a:r>
+              <a:rPr lang="en-US" altLang="ja-JP" sz="800">
+                <a:solidFill>
+                  <a:srgbClr val="D4D4D4"/>
+                </a:solidFill>
+                <a:latin typeface="Consolas" panose="020B0609020204030204" pitchFamily="49" charset="0"/>
+              </a:rPr>
+              <a:t>: </a:t>
+            </a:r>
+            <a:r>
+              <a:rPr lang="en-US" altLang="ja-JP" sz="800">
                 <a:solidFill>
                   <a:srgbClr val="CE9178"/>
                 </a:solidFill>
                 <a:latin typeface="Consolas" panose="020B0609020204030204" pitchFamily="49" charset="0"/>
               </a:rPr>
-              <a:t>"react"</a:t>
-            </a:r>
-            <a:r>
-              <a:rPr lang="en-US" sz="1400" dirty="0">
-                <a:solidFill>
-                  <a:srgbClr val="CCCCCC"/>
+              <a:t>"15px"</a:t>
+            </a:r>
+            <a:r>
+              <a:rPr lang="en-US" altLang="ja-JP" sz="800">
+                <a:solidFill>
+                  <a:srgbClr val="D4D4D4"/>
+                </a:solidFill>
+                <a:latin typeface="Consolas" panose="020B0609020204030204" pitchFamily="49" charset="0"/>
+              </a:rPr>
+              <a:t> }</a:t>
+            </a:r>
+            <a:r>
+              <a:rPr lang="en-US" altLang="ja-JP" sz="800">
+                <a:solidFill>
+                  <a:srgbClr val="569CD6"/>
+                </a:solidFill>
+                <a:latin typeface="Consolas" panose="020B0609020204030204" pitchFamily="49" charset="0"/>
+              </a:rPr>
+              <a:t>}</a:t>
+            </a:r>
+            <a:r>
+              <a:rPr lang="en-US" altLang="ja-JP" sz="800">
+                <a:solidFill>
+                  <a:srgbClr val="808080"/>
+                </a:solidFill>
+                <a:latin typeface="Consolas" panose="020B0609020204030204" pitchFamily="49" charset="0"/>
+              </a:rPr>
+              <a:t>&gt;</a:t>
+            </a:r>
+            <a:endParaRPr lang="en-US" altLang="ja-JP" sz="800">
+              <a:solidFill>
+                <a:srgbClr val="D4D4D4"/>
+              </a:solidFill>
+              <a:latin typeface="Consolas" panose="020B0609020204030204" pitchFamily="49" charset="0"/>
+            </a:endParaRPr>
+          </a:p>
+          <a:p>
+            <a:r>
+              <a:rPr lang="en-US" altLang="ja-JP" sz="800">
+                <a:solidFill>
+                  <a:srgbClr val="D4D4D4"/>
+                </a:solidFill>
+                <a:latin typeface="Consolas" panose="020B0609020204030204" pitchFamily="49" charset="0"/>
+              </a:rPr>
+              <a:t>      </a:t>
+            </a:r>
+            <a:r>
+              <a:rPr lang="en-US" altLang="ja-JP" sz="800">
+                <a:solidFill>
+                  <a:srgbClr val="808080"/>
+                </a:solidFill>
+                <a:latin typeface="Consolas" panose="020B0609020204030204" pitchFamily="49" charset="0"/>
+              </a:rPr>
+              <a:t>&lt;</a:t>
+            </a:r>
+            <a:r>
+              <a:rPr lang="en-US" altLang="ja-JP" sz="800">
+                <a:solidFill>
+                  <a:srgbClr val="569CD6"/>
+                </a:solidFill>
+                <a:latin typeface="Consolas" panose="020B0609020204030204" pitchFamily="49" charset="0"/>
+              </a:rPr>
+              <a:t>h2</a:t>
+            </a:r>
+            <a:r>
+              <a:rPr lang="en-US" altLang="ja-JP" sz="800">
+                <a:solidFill>
+                  <a:srgbClr val="808080"/>
+                </a:solidFill>
+                <a:latin typeface="Consolas" panose="020B0609020204030204" pitchFamily="49" charset="0"/>
+              </a:rPr>
+              <a:t>&gt;</a:t>
+            </a:r>
+            <a:r>
+              <a:rPr lang="en-US" altLang="ja-JP" sz="800">
+                <a:solidFill>
+                  <a:srgbClr val="D4D4D4"/>
+                </a:solidFill>
+                <a:latin typeface="Consolas" panose="020B0609020204030204" pitchFamily="49" charset="0"/>
+              </a:rPr>
+              <a:t>Compute number of letters</a:t>
+            </a:r>
+            <a:r>
+              <a:rPr lang="en-US" altLang="ja-JP" sz="800">
+                <a:solidFill>
+                  <a:srgbClr val="808080"/>
+                </a:solidFill>
+                <a:latin typeface="Consolas" panose="020B0609020204030204" pitchFamily="49" charset="0"/>
+              </a:rPr>
+              <a:t>&lt;/</a:t>
+            </a:r>
+            <a:r>
+              <a:rPr lang="en-US" altLang="ja-JP" sz="800">
+                <a:solidFill>
+                  <a:srgbClr val="569CD6"/>
+                </a:solidFill>
+                <a:latin typeface="Consolas" panose="020B0609020204030204" pitchFamily="49" charset="0"/>
+              </a:rPr>
+              <a:t>h2</a:t>
+            </a:r>
+            <a:r>
+              <a:rPr lang="en-US" altLang="ja-JP" sz="800" smtClean="0">
+                <a:solidFill>
+                  <a:srgbClr val="808080"/>
+                </a:solidFill>
+                <a:latin typeface="Consolas" panose="020B0609020204030204" pitchFamily="49" charset="0"/>
+              </a:rPr>
+              <a:t>&gt;</a:t>
+            </a:r>
+            <a:r>
+              <a:rPr lang="en-US" altLang="ja-JP" sz="800">
+                <a:solidFill>
+                  <a:srgbClr val="D4D4D4"/>
+                </a:solidFill>
+                <a:latin typeface="Consolas" panose="020B0609020204030204" pitchFamily="49" charset="0"/>
+              </a:rPr>
+              <a:t/>
+            </a:r>
+            <a:br>
+              <a:rPr lang="en-US" altLang="ja-JP" sz="800">
+                <a:solidFill>
+                  <a:srgbClr val="D4D4D4"/>
+                </a:solidFill>
+                <a:latin typeface="Consolas" panose="020B0609020204030204" pitchFamily="49" charset="0"/>
+              </a:rPr>
+            </a:br>
+            <a:r>
+              <a:rPr lang="en-US" altLang="ja-JP" sz="800">
+                <a:solidFill>
+                  <a:srgbClr val="D4D4D4"/>
+                </a:solidFill>
+                <a:latin typeface="Consolas" panose="020B0609020204030204" pitchFamily="49" charset="0"/>
+              </a:rPr>
+              <a:t>      </a:t>
+            </a:r>
+            <a:r>
+              <a:rPr lang="en-US" altLang="ja-JP" sz="800">
+                <a:solidFill>
+                  <a:srgbClr val="808080"/>
+                </a:solidFill>
+                <a:latin typeface="Consolas" panose="020B0609020204030204" pitchFamily="49" charset="0"/>
+              </a:rPr>
+              <a:t>&lt;</a:t>
+            </a:r>
+            <a:r>
+              <a:rPr lang="en-US" altLang="ja-JP" sz="800">
+                <a:solidFill>
+                  <a:srgbClr val="569CD6"/>
+                </a:solidFill>
+                <a:latin typeface="Consolas" panose="020B0609020204030204" pitchFamily="49" charset="0"/>
+              </a:rPr>
+              <a:t>p</a:t>
+            </a:r>
+            <a:r>
+              <a:rPr lang="en-US" altLang="ja-JP" sz="800" smtClean="0">
+                <a:solidFill>
+                  <a:srgbClr val="808080"/>
+                </a:solidFill>
+                <a:latin typeface="Consolas" panose="020B0609020204030204" pitchFamily="49" charset="0"/>
+              </a:rPr>
+              <a:t>&gt;</a:t>
+            </a:r>
+            <a:r>
+              <a:rPr lang="en-US" altLang="ja-JP" sz="800" smtClean="0">
+                <a:solidFill>
+                  <a:srgbClr val="D4D4D4"/>
+                </a:solidFill>
+                <a:latin typeface="Consolas" panose="020B0609020204030204" pitchFamily="49" charset="0"/>
+              </a:rPr>
+              <a:t>"</a:t>
+            </a:r>
+            <a:r>
+              <a:rPr lang="en-US" altLang="ja-JP" sz="800" smtClean="0">
+                <a:solidFill>
+                  <a:srgbClr val="569CD6"/>
+                </a:solidFill>
+                <a:latin typeface="Consolas" panose="020B0609020204030204" pitchFamily="49" charset="0"/>
+              </a:rPr>
+              <a:t>{</a:t>
+            </a:r>
+            <a:r>
+              <a:rPr lang="en-US" altLang="ja-JP" sz="800">
+                <a:solidFill>
+                  <a:srgbClr val="4FC1FF"/>
+                </a:solidFill>
+                <a:latin typeface="Consolas" panose="020B0609020204030204" pitchFamily="49" charset="0"/>
+              </a:rPr>
+              <a:t>word</a:t>
+            </a:r>
+            <a:r>
+              <a:rPr lang="en-US" altLang="ja-JP" sz="800">
+                <a:solidFill>
+                  <a:srgbClr val="569CD6"/>
+                </a:solidFill>
+                <a:latin typeface="Consolas" panose="020B0609020204030204" pitchFamily="49" charset="0"/>
+              </a:rPr>
+              <a:t>}</a:t>
+            </a:r>
+            <a:r>
+              <a:rPr lang="en-US" altLang="ja-JP" sz="800">
+                <a:solidFill>
+                  <a:srgbClr val="D4D4D4"/>
+                </a:solidFill>
+                <a:latin typeface="Consolas" panose="020B0609020204030204" pitchFamily="49" charset="0"/>
+              </a:rPr>
+              <a:t>" has </a:t>
+            </a:r>
+            <a:r>
+              <a:rPr lang="en-US" altLang="ja-JP" sz="800">
+                <a:solidFill>
+                  <a:srgbClr val="569CD6"/>
+                </a:solidFill>
+                <a:latin typeface="Consolas" panose="020B0609020204030204" pitchFamily="49" charset="0"/>
+              </a:rPr>
+              <a:t>{</a:t>
+            </a:r>
+            <a:r>
+              <a:rPr lang="en-US" altLang="ja-JP" sz="800">
+                <a:solidFill>
+                  <a:srgbClr val="4FC1FF"/>
+                </a:solidFill>
+                <a:latin typeface="Consolas" panose="020B0609020204030204" pitchFamily="49" charset="0"/>
+              </a:rPr>
+              <a:t>letterCount</a:t>
+            </a:r>
+            <a:r>
+              <a:rPr lang="en-US" altLang="ja-JP" sz="800">
+                <a:solidFill>
+                  <a:srgbClr val="569CD6"/>
+                </a:solidFill>
+                <a:latin typeface="Consolas" panose="020B0609020204030204" pitchFamily="49" charset="0"/>
+              </a:rPr>
+              <a:t>}</a:t>
+            </a:r>
+            <a:r>
+              <a:rPr lang="en-US" altLang="ja-JP" sz="800">
+                <a:solidFill>
+                  <a:srgbClr val="D4D4D4"/>
+                </a:solidFill>
+                <a:latin typeface="Consolas" panose="020B0609020204030204" pitchFamily="49" charset="0"/>
+              </a:rPr>
+              <a:t> </a:t>
+            </a:r>
+            <a:r>
+              <a:rPr lang="en-US" altLang="ja-JP" sz="800" smtClean="0">
+                <a:solidFill>
+                  <a:srgbClr val="D4D4D4"/>
+                </a:solidFill>
+                <a:latin typeface="Consolas" panose="020B0609020204030204" pitchFamily="49" charset="0"/>
+              </a:rPr>
+              <a:t>letters</a:t>
+            </a:r>
+            <a:r>
+              <a:rPr lang="en-US" altLang="ja-JP" sz="800" smtClean="0">
+                <a:solidFill>
+                  <a:srgbClr val="808080"/>
+                </a:solidFill>
+                <a:latin typeface="Consolas" panose="020B0609020204030204" pitchFamily="49" charset="0"/>
+              </a:rPr>
+              <a:t>&lt;/</a:t>
+            </a:r>
+            <a:r>
+              <a:rPr lang="en-US" altLang="ja-JP" sz="800">
+                <a:solidFill>
+                  <a:srgbClr val="569CD6"/>
+                </a:solidFill>
+                <a:latin typeface="Consolas" panose="020B0609020204030204" pitchFamily="49" charset="0"/>
+              </a:rPr>
+              <a:t>p</a:t>
+            </a:r>
+            <a:r>
+              <a:rPr lang="en-US" altLang="ja-JP" sz="800" smtClean="0">
+                <a:solidFill>
+                  <a:srgbClr val="808080"/>
+                </a:solidFill>
+                <a:latin typeface="Consolas" panose="020B0609020204030204" pitchFamily="49" charset="0"/>
+              </a:rPr>
+              <a:t>&gt;</a:t>
+            </a:r>
+            <a:r>
+              <a:rPr lang="en-US" altLang="ja-JP" sz="800">
+                <a:solidFill>
+                  <a:srgbClr val="D4D4D4"/>
+                </a:solidFill>
+                <a:latin typeface="Consolas" panose="020B0609020204030204" pitchFamily="49" charset="0"/>
+              </a:rPr>
+              <a:t/>
+            </a:r>
+            <a:br>
+              <a:rPr lang="en-US" altLang="ja-JP" sz="800">
+                <a:solidFill>
+                  <a:srgbClr val="D4D4D4"/>
+                </a:solidFill>
+                <a:latin typeface="Consolas" panose="020B0609020204030204" pitchFamily="49" charset="0"/>
+              </a:rPr>
+            </a:br>
+            <a:r>
+              <a:rPr lang="en-US" altLang="ja-JP" sz="800">
+                <a:solidFill>
+                  <a:srgbClr val="D4D4D4"/>
+                </a:solidFill>
+                <a:latin typeface="Consolas" panose="020B0609020204030204" pitchFamily="49" charset="0"/>
+              </a:rPr>
+              <a:t>      </a:t>
+            </a:r>
+            <a:r>
+              <a:rPr lang="en-US" altLang="ja-JP" sz="800">
+                <a:solidFill>
+                  <a:srgbClr val="808080"/>
+                </a:solidFill>
+                <a:latin typeface="Consolas" panose="020B0609020204030204" pitchFamily="49" charset="0"/>
+              </a:rPr>
+              <a:t>&lt;</a:t>
+            </a:r>
+            <a:r>
+              <a:rPr lang="en-US" altLang="ja-JP" sz="800">
+                <a:solidFill>
+                  <a:srgbClr val="569CD6"/>
+                </a:solidFill>
+                <a:latin typeface="Consolas" panose="020B0609020204030204" pitchFamily="49" charset="0"/>
+              </a:rPr>
+              <a:t>button</a:t>
+            </a:r>
+            <a:endParaRPr lang="en-US" altLang="ja-JP" sz="800">
+              <a:solidFill>
+                <a:srgbClr val="D4D4D4"/>
+              </a:solidFill>
+              <a:latin typeface="Consolas" panose="020B0609020204030204" pitchFamily="49" charset="0"/>
+            </a:endParaRPr>
+          </a:p>
+          <a:p>
+            <a:r>
+              <a:rPr lang="en-US" altLang="ja-JP" sz="800">
+                <a:solidFill>
+                  <a:srgbClr val="D4D4D4"/>
+                </a:solidFill>
+                <a:latin typeface="Consolas" panose="020B0609020204030204" pitchFamily="49" charset="0"/>
+              </a:rPr>
+              <a:t>        </a:t>
+            </a:r>
+            <a:r>
+              <a:rPr lang="en-US" altLang="ja-JP" sz="800">
+                <a:solidFill>
+                  <a:srgbClr val="9CDCFE"/>
+                </a:solidFill>
+                <a:latin typeface="Consolas" panose="020B0609020204030204" pitchFamily="49" charset="0"/>
+              </a:rPr>
+              <a:t>onClick</a:t>
+            </a:r>
+            <a:r>
+              <a:rPr lang="en-US" altLang="ja-JP" sz="800">
+                <a:solidFill>
+                  <a:srgbClr val="D4D4D4"/>
+                </a:solidFill>
+                <a:latin typeface="Consolas" panose="020B0609020204030204" pitchFamily="49" charset="0"/>
+              </a:rPr>
+              <a:t>=</a:t>
+            </a:r>
+            <a:r>
+              <a:rPr lang="en-US" altLang="ja-JP" sz="800">
+                <a:solidFill>
+                  <a:srgbClr val="569CD6"/>
+                </a:solidFill>
+                <a:latin typeface="Consolas" panose="020B0609020204030204" pitchFamily="49" charset="0"/>
+              </a:rPr>
+              <a:t>{</a:t>
+            </a:r>
+            <a:r>
+              <a:rPr lang="en-US" altLang="ja-JP" sz="800">
+                <a:solidFill>
+                  <a:srgbClr val="D4D4D4"/>
+                </a:solidFill>
+                <a:latin typeface="Consolas" panose="020B0609020204030204" pitchFamily="49" charset="0"/>
+              </a:rPr>
+              <a:t>() </a:t>
+            </a:r>
+            <a:r>
+              <a:rPr lang="en-US" altLang="ja-JP" sz="800">
+                <a:solidFill>
+                  <a:srgbClr val="569CD6"/>
+                </a:solidFill>
+                <a:latin typeface="Consolas" panose="020B0609020204030204" pitchFamily="49" charset="0"/>
+              </a:rPr>
+              <a:t>=&gt;</a:t>
+            </a:r>
+            <a:r>
+              <a:rPr lang="en-US" altLang="ja-JP" sz="800">
+                <a:solidFill>
+                  <a:srgbClr val="D4D4D4"/>
+                </a:solidFill>
+                <a:latin typeface="Consolas" panose="020B0609020204030204" pitchFamily="49" charset="0"/>
+              </a:rPr>
+              <a:t> {</a:t>
+            </a:r>
+          </a:p>
+          <a:p>
+            <a:r>
+              <a:rPr lang="en-US" altLang="ja-JP" sz="800">
+                <a:solidFill>
+                  <a:srgbClr val="D4D4D4"/>
+                </a:solidFill>
+                <a:latin typeface="Consolas" panose="020B0609020204030204" pitchFamily="49" charset="0"/>
+              </a:rPr>
+              <a:t>          </a:t>
+            </a:r>
+            <a:r>
+              <a:rPr lang="en-US" altLang="ja-JP" sz="800">
+                <a:solidFill>
+                  <a:srgbClr val="569CD6"/>
+                </a:solidFill>
+                <a:latin typeface="Consolas" panose="020B0609020204030204" pitchFamily="49" charset="0"/>
+              </a:rPr>
+              <a:t>const</a:t>
+            </a:r>
+            <a:r>
+              <a:rPr lang="en-US" altLang="ja-JP" sz="800">
+                <a:solidFill>
+                  <a:srgbClr val="D4D4D4"/>
+                </a:solidFill>
+                <a:latin typeface="Consolas" panose="020B0609020204030204" pitchFamily="49" charset="0"/>
+              </a:rPr>
+              <a:t> </a:t>
+            </a:r>
+            <a:r>
+              <a:rPr lang="en-US" altLang="ja-JP" sz="800">
+                <a:solidFill>
+                  <a:srgbClr val="4FC1FF"/>
+                </a:solidFill>
+                <a:latin typeface="Consolas" panose="020B0609020204030204" pitchFamily="49" charset="0"/>
+              </a:rPr>
+              <a:t>next</a:t>
+            </a:r>
+            <a:r>
+              <a:rPr lang="en-US" altLang="ja-JP" sz="800">
+                <a:solidFill>
+                  <a:srgbClr val="D4D4D4"/>
+                </a:solidFill>
+                <a:latin typeface="Consolas" panose="020B0609020204030204" pitchFamily="49" charset="0"/>
+              </a:rPr>
+              <a:t> = </a:t>
+            </a:r>
+            <a:r>
+              <a:rPr lang="en-US" altLang="ja-JP" sz="800">
+                <a:solidFill>
+                  <a:srgbClr val="4FC1FF"/>
+                </a:solidFill>
+                <a:latin typeface="Consolas" panose="020B0609020204030204" pitchFamily="49" charset="0"/>
+              </a:rPr>
+              <a:t>wordIndex</a:t>
+            </a:r>
+            <a:r>
+              <a:rPr lang="en-US" altLang="ja-JP" sz="800">
+                <a:solidFill>
+                  <a:srgbClr val="D4D4D4"/>
+                </a:solidFill>
+                <a:latin typeface="Consolas" panose="020B0609020204030204" pitchFamily="49" charset="0"/>
+              </a:rPr>
+              <a:t> + </a:t>
+            </a:r>
+            <a:r>
+              <a:rPr lang="en-US" altLang="ja-JP" sz="800">
+                <a:solidFill>
+                  <a:srgbClr val="B5CEA8"/>
+                </a:solidFill>
+                <a:latin typeface="Consolas" panose="020B0609020204030204" pitchFamily="49" charset="0"/>
+              </a:rPr>
+              <a:t>1</a:t>
+            </a:r>
+            <a:r>
+              <a:rPr lang="en-US" altLang="ja-JP" sz="800">
+                <a:solidFill>
+                  <a:srgbClr val="D4D4D4"/>
+                </a:solidFill>
+                <a:latin typeface="Consolas" panose="020B0609020204030204" pitchFamily="49" charset="0"/>
+              </a:rPr>
+              <a:t> ===</a:t>
+            </a:r>
+            <a:r>
+              <a:rPr lang="en-US" altLang="ja-JP" sz="800">
+                <a:solidFill>
+                  <a:srgbClr val="9CDCFE"/>
+                </a:solidFill>
+                <a:latin typeface="Consolas" panose="020B0609020204030204" pitchFamily="49" charset="0"/>
+              </a:rPr>
+              <a:t> </a:t>
+            </a:r>
+            <a:r>
+              <a:rPr lang="en-US" altLang="ja-JP" sz="800">
+                <a:solidFill>
+                  <a:srgbClr val="4FC1FF"/>
+                </a:solidFill>
+                <a:latin typeface="Consolas" panose="020B0609020204030204" pitchFamily="49" charset="0"/>
+              </a:rPr>
+              <a:t>words</a:t>
+            </a:r>
+            <a:r>
+              <a:rPr lang="en-US" altLang="ja-JP" sz="800">
+                <a:solidFill>
+                  <a:srgbClr val="D4D4D4"/>
+                </a:solidFill>
+                <a:latin typeface="Consolas" panose="020B0609020204030204" pitchFamily="49" charset="0"/>
+              </a:rPr>
+              <a:t>.</a:t>
+            </a:r>
+            <a:r>
+              <a:rPr lang="en-US" altLang="ja-JP" sz="800">
+                <a:solidFill>
+                  <a:srgbClr val="9CDCFE"/>
+                </a:solidFill>
+                <a:latin typeface="Consolas" panose="020B0609020204030204" pitchFamily="49" charset="0"/>
+              </a:rPr>
+              <a:t>length</a:t>
+            </a:r>
+            <a:r>
+              <a:rPr lang="en-US" altLang="ja-JP" sz="800">
+                <a:solidFill>
+                  <a:srgbClr val="D4D4D4"/>
+                </a:solidFill>
+                <a:latin typeface="Consolas" panose="020B0609020204030204" pitchFamily="49" charset="0"/>
+              </a:rPr>
+              <a:t> ? </a:t>
+            </a:r>
+            <a:r>
+              <a:rPr lang="en-US" altLang="ja-JP" sz="800">
+                <a:solidFill>
+                  <a:srgbClr val="B5CEA8"/>
+                </a:solidFill>
+                <a:latin typeface="Consolas" panose="020B0609020204030204" pitchFamily="49" charset="0"/>
+              </a:rPr>
+              <a:t>0</a:t>
+            </a:r>
+            <a:r>
+              <a:rPr lang="en-US" altLang="ja-JP" sz="800">
+                <a:solidFill>
+                  <a:srgbClr val="D4D4D4"/>
+                </a:solidFill>
+                <a:latin typeface="Consolas" panose="020B0609020204030204" pitchFamily="49" charset="0"/>
+              </a:rPr>
+              <a:t> : </a:t>
+            </a:r>
+            <a:r>
+              <a:rPr lang="en-US" altLang="ja-JP" sz="800">
+                <a:solidFill>
+                  <a:srgbClr val="4FC1FF"/>
+                </a:solidFill>
+                <a:latin typeface="Consolas" panose="020B0609020204030204" pitchFamily="49" charset="0"/>
+              </a:rPr>
+              <a:t>wordIndex</a:t>
+            </a:r>
+            <a:r>
+              <a:rPr lang="en-US" altLang="ja-JP" sz="800">
+                <a:solidFill>
+                  <a:srgbClr val="D4D4D4"/>
+                </a:solidFill>
+                <a:latin typeface="Consolas" panose="020B0609020204030204" pitchFamily="49" charset="0"/>
+              </a:rPr>
+              <a:t> + </a:t>
+            </a:r>
+            <a:r>
+              <a:rPr lang="en-US" altLang="ja-JP" sz="800">
+                <a:solidFill>
+                  <a:srgbClr val="B5CEA8"/>
+                </a:solidFill>
+                <a:latin typeface="Consolas" panose="020B0609020204030204" pitchFamily="49" charset="0"/>
+              </a:rPr>
+              <a:t>1</a:t>
+            </a:r>
+            <a:r>
+              <a:rPr lang="en-US" altLang="ja-JP" sz="800">
+                <a:solidFill>
+                  <a:srgbClr val="D4D4D4"/>
                 </a:solidFill>
                 <a:latin typeface="Consolas" panose="020B0609020204030204" pitchFamily="49" charset="0"/>
               </a:rPr>
@@ -3637,482 +5014,690 @@
           </a:p>
           <a:p>
             <a:r>
-              <a:rPr lang="en-US" sz="1400" dirty="0">
-                <a:solidFill>
-                  <a:srgbClr val="CCCCCC"/>
-                </a:solidFill>
-                <a:latin typeface="Consolas" panose="020B0609020204030204" pitchFamily="49" charset="0"/>
-              </a:rPr>
-              <a:t/>
-            </a:r>
-            <a:br>
-              <a:rPr lang="en-US" sz="1400" dirty="0">
-                <a:solidFill>
-                  <a:srgbClr val="CCCCCC"/>
-                </a:solidFill>
-                <a:latin typeface="Consolas" panose="020B0609020204030204" pitchFamily="49" charset="0"/>
-              </a:rPr>
-            </a:br>
-            <a:r>
-              <a:rPr lang="en-US" sz="1400" dirty="0">
+              <a:rPr lang="en-US" altLang="ja-JP" sz="800">
+                <a:solidFill>
+                  <a:srgbClr val="D4D4D4"/>
+                </a:solidFill>
+                <a:latin typeface="Consolas" panose="020B0609020204030204" pitchFamily="49" charset="0"/>
+              </a:rPr>
+              <a:t>          </a:t>
+            </a:r>
+            <a:r>
+              <a:rPr lang="en-US" altLang="ja-JP" sz="800">
+                <a:solidFill>
+                  <a:srgbClr val="DCDCAA"/>
+                </a:solidFill>
+                <a:latin typeface="Consolas" panose="020B0609020204030204" pitchFamily="49" charset="0"/>
+              </a:rPr>
+              <a:t>setWordIndex</a:t>
+            </a:r>
+            <a:r>
+              <a:rPr lang="en-US" altLang="ja-JP" sz="800">
+                <a:solidFill>
+                  <a:srgbClr val="D4D4D4"/>
+                </a:solidFill>
+                <a:latin typeface="Consolas" panose="020B0609020204030204" pitchFamily="49" charset="0"/>
+              </a:rPr>
+              <a:t>(</a:t>
+            </a:r>
+            <a:r>
+              <a:rPr lang="en-US" altLang="ja-JP" sz="800">
+                <a:solidFill>
+                  <a:srgbClr val="4FC1FF"/>
+                </a:solidFill>
+                <a:latin typeface="Consolas" panose="020B0609020204030204" pitchFamily="49" charset="0"/>
+              </a:rPr>
+              <a:t>next</a:t>
+            </a:r>
+            <a:r>
+              <a:rPr lang="en-US" altLang="ja-JP" sz="800">
+                <a:solidFill>
+                  <a:srgbClr val="D4D4D4"/>
+                </a:solidFill>
+                <a:latin typeface="Consolas" panose="020B0609020204030204" pitchFamily="49" charset="0"/>
+              </a:rPr>
+              <a:t>);</a:t>
+            </a:r>
+          </a:p>
+          <a:p>
+            <a:r>
+              <a:rPr lang="en-US" altLang="ja-JP" sz="800">
+                <a:solidFill>
+                  <a:srgbClr val="D4D4D4"/>
+                </a:solidFill>
+                <a:latin typeface="Consolas" panose="020B0609020204030204" pitchFamily="49" charset="0"/>
+              </a:rPr>
+              <a:t>        }</a:t>
+            </a:r>
+            <a:r>
+              <a:rPr lang="en-US" altLang="ja-JP" sz="800">
                 <a:solidFill>
                   <a:srgbClr val="569CD6"/>
                 </a:solidFill>
                 <a:latin typeface="Consolas" panose="020B0609020204030204" pitchFamily="49" charset="0"/>
               </a:rPr>
-              <a:t>function</a:t>
-            </a:r>
-            <a:r>
-              <a:rPr lang="en-US" sz="1400" dirty="0">
-                <a:solidFill>
-                  <a:srgbClr val="CCCCCC"/>
+              <a:t>}</a:t>
+            </a:r>
+            <a:endParaRPr lang="en-US" altLang="ja-JP" sz="800">
+              <a:solidFill>
+                <a:srgbClr val="D4D4D4"/>
+              </a:solidFill>
+              <a:latin typeface="Consolas" panose="020B0609020204030204" pitchFamily="49" charset="0"/>
+            </a:endParaRPr>
+          </a:p>
+          <a:p>
+            <a:r>
+              <a:rPr lang="en-US" altLang="ja-JP" sz="800">
+                <a:solidFill>
+                  <a:srgbClr val="D4D4D4"/>
+                </a:solidFill>
+                <a:latin typeface="Consolas" panose="020B0609020204030204" pitchFamily="49" charset="0"/>
+              </a:rPr>
+              <a:t>      </a:t>
+            </a:r>
+            <a:r>
+              <a:rPr lang="en-US" altLang="ja-JP" sz="800">
+                <a:solidFill>
+                  <a:srgbClr val="808080"/>
+                </a:solidFill>
+                <a:latin typeface="Consolas" panose="020B0609020204030204" pitchFamily="49" charset="0"/>
+              </a:rPr>
+              <a:t>&gt;</a:t>
+            </a:r>
+            <a:endParaRPr lang="en-US" altLang="ja-JP" sz="800">
+              <a:solidFill>
+                <a:srgbClr val="D4D4D4"/>
+              </a:solidFill>
+              <a:latin typeface="Consolas" panose="020B0609020204030204" pitchFamily="49" charset="0"/>
+            </a:endParaRPr>
+          </a:p>
+          <a:p>
+            <a:r>
+              <a:rPr lang="en-US" altLang="ja-JP" sz="800">
+                <a:solidFill>
+                  <a:srgbClr val="D4D4D4"/>
+                </a:solidFill>
+                <a:latin typeface="Consolas" panose="020B0609020204030204" pitchFamily="49" charset="0"/>
+              </a:rPr>
+              <a:t>        Next word</a:t>
+            </a:r>
+          </a:p>
+          <a:p>
+            <a:r>
+              <a:rPr lang="en-US" altLang="ja-JP" sz="800">
+                <a:solidFill>
+                  <a:srgbClr val="D4D4D4"/>
+                </a:solidFill>
+                <a:latin typeface="Consolas" panose="020B0609020204030204" pitchFamily="49" charset="0"/>
+              </a:rPr>
+              <a:t>      </a:t>
+            </a:r>
+            <a:r>
+              <a:rPr lang="en-US" altLang="ja-JP" sz="800">
+                <a:solidFill>
+                  <a:srgbClr val="808080"/>
+                </a:solidFill>
+                <a:latin typeface="Consolas" panose="020B0609020204030204" pitchFamily="49" charset="0"/>
+              </a:rPr>
+              <a:t>&lt;/</a:t>
+            </a:r>
+            <a:r>
+              <a:rPr lang="en-US" altLang="ja-JP" sz="800">
+                <a:solidFill>
+                  <a:srgbClr val="569CD6"/>
+                </a:solidFill>
+                <a:latin typeface="Consolas" panose="020B0609020204030204" pitchFamily="49" charset="0"/>
+              </a:rPr>
+              <a:t>button</a:t>
+            </a:r>
+            <a:r>
+              <a:rPr lang="en-US" altLang="ja-JP" sz="800">
+                <a:solidFill>
+                  <a:srgbClr val="808080"/>
+                </a:solidFill>
+                <a:latin typeface="Consolas" panose="020B0609020204030204" pitchFamily="49" charset="0"/>
+              </a:rPr>
+              <a:t>&gt;</a:t>
+            </a:r>
+            <a:endParaRPr lang="en-US" altLang="ja-JP" sz="800">
+              <a:solidFill>
+                <a:srgbClr val="D4D4D4"/>
+              </a:solidFill>
+              <a:latin typeface="Consolas" panose="020B0609020204030204" pitchFamily="49" charset="0"/>
+            </a:endParaRPr>
+          </a:p>
+          <a:p>
+            <a:r>
+              <a:rPr lang="en-US" altLang="ja-JP" sz="800">
+                <a:solidFill>
+                  <a:srgbClr val="D4D4D4"/>
+                </a:solidFill>
+                <a:latin typeface="Consolas" panose="020B0609020204030204" pitchFamily="49" charset="0"/>
+              </a:rPr>
+              <a:t>      </a:t>
+            </a:r>
+            <a:r>
+              <a:rPr lang="en-US" altLang="ja-JP" sz="800">
+                <a:solidFill>
+                  <a:srgbClr val="808080"/>
+                </a:solidFill>
+                <a:latin typeface="Consolas" panose="020B0609020204030204" pitchFamily="49" charset="0"/>
+              </a:rPr>
+              <a:t>&lt;</a:t>
+            </a:r>
+            <a:r>
+              <a:rPr lang="en-US" altLang="ja-JP" sz="800">
+                <a:solidFill>
+                  <a:srgbClr val="569CD6"/>
+                </a:solidFill>
+                <a:latin typeface="Consolas" panose="020B0609020204030204" pitchFamily="49" charset="0"/>
+              </a:rPr>
+              <a:t>hr</a:t>
+            </a:r>
+            <a:r>
+              <a:rPr lang="en-US" altLang="ja-JP" sz="800">
+                <a:solidFill>
+                  <a:srgbClr val="D4D4D4"/>
                 </a:solidFill>
                 <a:latin typeface="Consolas" panose="020B0609020204030204" pitchFamily="49" charset="0"/>
               </a:rPr>
               <a:t> </a:t>
             </a:r>
             <a:r>
-              <a:rPr lang="en-US" sz="1400" dirty="0">
+              <a:rPr lang="en-US" altLang="ja-JP" sz="800">
+                <a:solidFill>
+                  <a:srgbClr val="808080"/>
+                </a:solidFill>
+                <a:latin typeface="Consolas" panose="020B0609020204030204" pitchFamily="49" charset="0"/>
+              </a:rPr>
+              <a:t>/&gt;</a:t>
+            </a:r>
+            <a:endParaRPr lang="en-US" altLang="ja-JP" sz="800">
+              <a:solidFill>
+                <a:srgbClr val="D4D4D4"/>
+              </a:solidFill>
+              <a:latin typeface="Consolas" panose="020B0609020204030204" pitchFamily="49" charset="0"/>
+            </a:endParaRPr>
+          </a:p>
+          <a:p>
+            <a:r>
+              <a:rPr lang="en-US" altLang="ja-JP" sz="800">
+                <a:solidFill>
+                  <a:srgbClr val="D4D4D4"/>
+                </a:solidFill>
+                <a:latin typeface="Consolas" panose="020B0609020204030204" pitchFamily="49" charset="0"/>
+              </a:rPr>
+              <a:t>      </a:t>
+            </a:r>
+            <a:r>
+              <a:rPr lang="en-US" altLang="ja-JP" sz="800">
+                <a:solidFill>
+                  <a:srgbClr val="808080"/>
+                </a:solidFill>
+                <a:latin typeface="Consolas" panose="020B0609020204030204" pitchFamily="49" charset="0"/>
+              </a:rPr>
+              <a:t>&lt;</a:t>
+            </a:r>
+            <a:r>
+              <a:rPr lang="en-US" altLang="ja-JP" sz="800">
+                <a:solidFill>
+                  <a:srgbClr val="569CD6"/>
+                </a:solidFill>
+                <a:latin typeface="Consolas" panose="020B0609020204030204" pitchFamily="49" charset="0"/>
+              </a:rPr>
+              <a:t>h2</a:t>
+            </a:r>
+            <a:r>
+              <a:rPr lang="en-US" altLang="ja-JP" sz="800">
+                <a:solidFill>
+                  <a:srgbClr val="808080"/>
+                </a:solidFill>
+                <a:latin typeface="Consolas" panose="020B0609020204030204" pitchFamily="49" charset="0"/>
+              </a:rPr>
+              <a:t>&gt;</a:t>
+            </a:r>
+            <a:r>
+              <a:rPr lang="en-US" altLang="ja-JP" sz="800">
+                <a:solidFill>
+                  <a:srgbClr val="D4D4D4"/>
+                </a:solidFill>
+                <a:latin typeface="Consolas" panose="020B0609020204030204" pitchFamily="49" charset="0"/>
+              </a:rPr>
+              <a:t>Increment a counter</a:t>
+            </a:r>
+            <a:r>
+              <a:rPr lang="en-US" altLang="ja-JP" sz="800">
+                <a:solidFill>
+                  <a:srgbClr val="808080"/>
+                </a:solidFill>
+                <a:latin typeface="Consolas" panose="020B0609020204030204" pitchFamily="49" charset="0"/>
+              </a:rPr>
+              <a:t>&lt;/</a:t>
+            </a:r>
+            <a:r>
+              <a:rPr lang="en-US" altLang="ja-JP" sz="800">
+                <a:solidFill>
+                  <a:srgbClr val="569CD6"/>
+                </a:solidFill>
+                <a:latin typeface="Consolas" panose="020B0609020204030204" pitchFamily="49" charset="0"/>
+              </a:rPr>
+              <a:t>h2</a:t>
+            </a:r>
+            <a:r>
+              <a:rPr lang="en-US" altLang="ja-JP" sz="800">
+                <a:solidFill>
+                  <a:srgbClr val="808080"/>
+                </a:solidFill>
+                <a:latin typeface="Consolas" panose="020B0609020204030204" pitchFamily="49" charset="0"/>
+              </a:rPr>
+              <a:t>&gt;</a:t>
+            </a:r>
+            <a:endParaRPr lang="en-US" altLang="ja-JP" sz="800">
+              <a:solidFill>
+                <a:srgbClr val="D4D4D4"/>
+              </a:solidFill>
+              <a:latin typeface="Consolas" panose="020B0609020204030204" pitchFamily="49" charset="0"/>
+            </a:endParaRPr>
+          </a:p>
+          <a:p>
+            <a:r>
+              <a:rPr lang="en-US" altLang="ja-JP" sz="800">
+                <a:solidFill>
+                  <a:srgbClr val="D4D4D4"/>
+                </a:solidFill>
+                <a:latin typeface="Consolas" panose="020B0609020204030204" pitchFamily="49" charset="0"/>
+              </a:rPr>
+              <a:t>      </a:t>
+            </a:r>
+            <a:r>
+              <a:rPr lang="en-US" altLang="ja-JP" sz="800">
+                <a:solidFill>
+                  <a:srgbClr val="808080"/>
+                </a:solidFill>
+                <a:latin typeface="Consolas" panose="020B0609020204030204" pitchFamily="49" charset="0"/>
+              </a:rPr>
+              <a:t>&lt;</a:t>
+            </a:r>
+            <a:r>
+              <a:rPr lang="en-US" altLang="ja-JP" sz="800">
+                <a:solidFill>
+                  <a:srgbClr val="569CD6"/>
+                </a:solidFill>
+                <a:latin typeface="Consolas" panose="020B0609020204030204" pitchFamily="49" charset="0"/>
+              </a:rPr>
+              <a:t>p</a:t>
+            </a:r>
+            <a:r>
+              <a:rPr lang="en-US" altLang="ja-JP" sz="800">
+                <a:solidFill>
+                  <a:srgbClr val="808080"/>
+                </a:solidFill>
+                <a:latin typeface="Consolas" panose="020B0609020204030204" pitchFamily="49" charset="0"/>
+              </a:rPr>
+              <a:t>&gt;</a:t>
+            </a:r>
+            <a:r>
+              <a:rPr lang="en-US" altLang="ja-JP" sz="800">
+                <a:solidFill>
+                  <a:srgbClr val="D4D4D4"/>
+                </a:solidFill>
+                <a:latin typeface="Consolas" panose="020B0609020204030204" pitchFamily="49" charset="0"/>
+              </a:rPr>
+              <a:t>Counter: </a:t>
+            </a:r>
+            <a:r>
+              <a:rPr lang="en-US" altLang="ja-JP" sz="800">
+                <a:solidFill>
+                  <a:srgbClr val="569CD6"/>
+                </a:solidFill>
+                <a:latin typeface="Consolas" panose="020B0609020204030204" pitchFamily="49" charset="0"/>
+              </a:rPr>
+              <a:t>{</a:t>
+            </a:r>
+            <a:r>
+              <a:rPr lang="en-US" altLang="ja-JP" sz="800">
+                <a:solidFill>
+                  <a:srgbClr val="4FC1FF"/>
+                </a:solidFill>
+                <a:latin typeface="Consolas" panose="020B0609020204030204" pitchFamily="49" charset="0"/>
+              </a:rPr>
+              <a:t>count</a:t>
+            </a:r>
+            <a:r>
+              <a:rPr lang="en-US" altLang="ja-JP" sz="800">
+                <a:solidFill>
+                  <a:srgbClr val="569CD6"/>
+                </a:solidFill>
+                <a:latin typeface="Consolas" panose="020B0609020204030204" pitchFamily="49" charset="0"/>
+              </a:rPr>
+              <a:t>}</a:t>
+            </a:r>
+            <a:r>
+              <a:rPr lang="en-US" altLang="ja-JP" sz="800">
+                <a:solidFill>
+                  <a:srgbClr val="808080"/>
+                </a:solidFill>
+                <a:latin typeface="Consolas" panose="020B0609020204030204" pitchFamily="49" charset="0"/>
+              </a:rPr>
+              <a:t>&lt;/</a:t>
+            </a:r>
+            <a:r>
+              <a:rPr lang="en-US" altLang="ja-JP" sz="800">
+                <a:solidFill>
+                  <a:srgbClr val="569CD6"/>
+                </a:solidFill>
+                <a:latin typeface="Consolas" panose="020B0609020204030204" pitchFamily="49" charset="0"/>
+              </a:rPr>
+              <a:t>p</a:t>
+            </a:r>
+            <a:r>
+              <a:rPr lang="en-US" altLang="ja-JP" sz="800">
+                <a:solidFill>
+                  <a:srgbClr val="808080"/>
+                </a:solidFill>
+                <a:latin typeface="Consolas" panose="020B0609020204030204" pitchFamily="49" charset="0"/>
+              </a:rPr>
+              <a:t>&gt;</a:t>
+            </a:r>
+            <a:endParaRPr lang="en-US" altLang="ja-JP" sz="800">
+              <a:solidFill>
+                <a:srgbClr val="D4D4D4"/>
+              </a:solidFill>
+              <a:latin typeface="Consolas" panose="020B0609020204030204" pitchFamily="49" charset="0"/>
+            </a:endParaRPr>
+          </a:p>
+          <a:p>
+            <a:r>
+              <a:rPr lang="en-US" altLang="ja-JP" sz="800">
+                <a:solidFill>
+                  <a:srgbClr val="D4D4D4"/>
+                </a:solidFill>
+                <a:latin typeface="Consolas" panose="020B0609020204030204" pitchFamily="49" charset="0"/>
+              </a:rPr>
+              <a:t>      </a:t>
+            </a:r>
+            <a:r>
+              <a:rPr lang="en-US" altLang="ja-JP" sz="800">
+                <a:solidFill>
+                  <a:srgbClr val="808080"/>
+                </a:solidFill>
+                <a:latin typeface="Consolas" panose="020B0609020204030204" pitchFamily="49" charset="0"/>
+              </a:rPr>
+              <a:t>&lt;</a:t>
+            </a:r>
+            <a:r>
+              <a:rPr lang="en-US" altLang="ja-JP" sz="800">
+                <a:solidFill>
+                  <a:srgbClr val="569CD6"/>
+                </a:solidFill>
+                <a:latin typeface="Consolas" panose="020B0609020204030204" pitchFamily="49" charset="0"/>
+              </a:rPr>
+              <a:t>button</a:t>
+            </a:r>
+            <a:r>
+              <a:rPr lang="en-US" altLang="ja-JP" sz="800">
+                <a:solidFill>
+                  <a:srgbClr val="D4D4D4"/>
+                </a:solidFill>
+                <a:latin typeface="Consolas" panose="020B0609020204030204" pitchFamily="49" charset="0"/>
+              </a:rPr>
+              <a:t> </a:t>
+            </a:r>
+            <a:r>
+              <a:rPr lang="en-US" altLang="ja-JP" sz="800">
+                <a:solidFill>
+                  <a:srgbClr val="9CDCFE"/>
+                </a:solidFill>
+                <a:latin typeface="Consolas" panose="020B0609020204030204" pitchFamily="49" charset="0"/>
+              </a:rPr>
+              <a:t>onClick</a:t>
+            </a:r>
+            <a:r>
+              <a:rPr lang="en-US" altLang="ja-JP" sz="800">
+                <a:solidFill>
+                  <a:srgbClr val="D4D4D4"/>
+                </a:solidFill>
+                <a:latin typeface="Consolas" panose="020B0609020204030204" pitchFamily="49" charset="0"/>
+              </a:rPr>
+              <a:t>=</a:t>
+            </a:r>
+            <a:r>
+              <a:rPr lang="en-US" altLang="ja-JP" sz="800">
+                <a:solidFill>
+                  <a:srgbClr val="569CD6"/>
+                </a:solidFill>
+                <a:latin typeface="Consolas" panose="020B0609020204030204" pitchFamily="49" charset="0"/>
+              </a:rPr>
+              <a:t>{</a:t>
+            </a:r>
+            <a:r>
+              <a:rPr lang="en-US" altLang="ja-JP" sz="800">
+                <a:solidFill>
+                  <a:srgbClr val="D4D4D4"/>
+                </a:solidFill>
+                <a:latin typeface="Consolas" panose="020B0609020204030204" pitchFamily="49" charset="0"/>
+              </a:rPr>
+              <a:t>() </a:t>
+            </a:r>
+            <a:r>
+              <a:rPr lang="en-US" altLang="ja-JP" sz="800">
+                <a:solidFill>
+                  <a:srgbClr val="569CD6"/>
+                </a:solidFill>
+                <a:latin typeface="Consolas" panose="020B0609020204030204" pitchFamily="49" charset="0"/>
+              </a:rPr>
+              <a:t>=&gt;</a:t>
+            </a:r>
+            <a:r>
+              <a:rPr lang="en-US" altLang="ja-JP" sz="800">
+                <a:solidFill>
+                  <a:srgbClr val="D4D4D4"/>
+                </a:solidFill>
+                <a:latin typeface="Consolas" panose="020B0609020204030204" pitchFamily="49" charset="0"/>
+              </a:rPr>
+              <a:t> </a:t>
+            </a:r>
+            <a:r>
+              <a:rPr lang="en-US" altLang="ja-JP" sz="800">
                 <a:solidFill>
                   <a:srgbClr val="DCDCAA"/>
                 </a:solidFill>
                 <a:latin typeface="Consolas" panose="020B0609020204030204" pitchFamily="49" charset="0"/>
               </a:rPr>
-              <a:t>Print</a:t>
-            </a:r>
-            <a:r>
-              <a:rPr lang="en-US" sz="1400" dirty="0">
-                <a:solidFill>
-                  <a:srgbClr val="CCCCCC"/>
-                </a:solidFill>
-                <a:latin typeface="Consolas" panose="020B0609020204030204" pitchFamily="49" charset="0"/>
-              </a:rPr>
-              <a:t>({ </a:t>
-            </a:r>
-            <a:r>
-              <a:rPr lang="en-US" sz="1400" dirty="0">
-                <a:solidFill>
-                  <a:srgbClr val="9CDCFE"/>
-                </a:solidFill>
-                <a:latin typeface="Consolas" panose="020B0609020204030204" pitchFamily="49" charset="0"/>
-              </a:rPr>
-              <a:t>onClick</a:t>
-            </a:r>
-            <a:r>
-              <a:rPr lang="en-US" sz="1400" dirty="0">
-                <a:solidFill>
-                  <a:srgbClr val="CCCCCC"/>
-                </a:solidFill>
-                <a:latin typeface="Consolas" panose="020B0609020204030204" pitchFamily="49" charset="0"/>
-              </a:rPr>
-              <a:t> }) {</a:t>
-            </a:r>
-          </a:p>
-          <a:p>
-            <a:r>
-              <a:rPr lang="en-US" sz="1400" dirty="0">
-                <a:solidFill>
-                  <a:srgbClr val="CCCCCC"/>
-                </a:solidFill>
-                <a:latin typeface="Consolas" panose="020B0609020204030204" pitchFamily="49" charset="0"/>
-              </a:rPr>
-              <a:t>  </a:t>
-            </a:r>
-            <a:r>
-              <a:rPr lang="en-US" sz="1400" dirty="0">
-                <a:solidFill>
-                  <a:srgbClr val="9CDCFE"/>
-                </a:solidFill>
-                <a:latin typeface="Consolas" panose="020B0609020204030204" pitchFamily="49" charset="0"/>
-              </a:rPr>
-              <a:t>console</a:t>
-            </a:r>
-            <a:r>
-              <a:rPr lang="en-US" sz="1400" dirty="0">
-                <a:solidFill>
-                  <a:srgbClr val="D4D4D4"/>
-                </a:solidFill>
-                <a:latin typeface="Consolas" panose="020B0609020204030204" pitchFamily="49" charset="0"/>
-              </a:rPr>
-              <a:t>.</a:t>
-            </a:r>
-            <a:r>
-              <a:rPr lang="en-US" sz="1400" dirty="0">
-                <a:solidFill>
-                  <a:srgbClr val="DCDCAA"/>
-                </a:solidFill>
-                <a:latin typeface="Consolas" panose="020B0609020204030204" pitchFamily="49" charset="0"/>
-              </a:rPr>
-              <a:t>log</a:t>
-            </a:r>
-            <a:r>
-              <a:rPr lang="en-US" sz="1400" dirty="0">
-                <a:solidFill>
-                  <a:srgbClr val="CCCCCC"/>
+              <a:t>setCount</a:t>
+            </a:r>
+            <a:r>
+              <a:rPr lang="en-US" altLang="ja-JP" sz="800">
+                <a:solidFill>
+                  <a:srgbClr val="D4D4D4"/>
                 </a:solidFill>
                 <a:latin typeface="Consolas" panose="020B0609020204030204" pitchFamily="49" charset="0"/>
               </a:rPr>
               <a:t>(</a:t>
             </a:r>
             <a:r>
-              <a:rPr lang="en-US" sz="1400" dirty="0">
-                <a:solidFill>
-                  <a:srgbClr val="CE9178"/>
-                </a:solidFill>
-                <a:latin typeface="Consolas" panose="020B0609020204030204" pitchFamily="49" charset="0"/>
-              </a:rPr>
-              <a:t>"Log:</a:t>
-            </a:r>
-            <a:r>
-              <a:rPr lang="en-US" sz="1400" dirty="0">
-                <a:solidFill>
-                  <a:srgbClr val="CCCCCC"/>
+              <a:rPr lang="en-US" altLang="ja-JP" sz="800">
+                <a:solidFill>
+                  <a:srgbClr val="4FC1FF"/>
+                </a:solidFill>
+                <a:latin typeface="Consolas" panose="020B0609020204030204" pitchFamily="49" charset="0"/>
+              </a:rPr>
+              <a:t>count</a:t>
+            </a:r>
+            <a:r>
+              <a:rPr lang="en-US" altLang="ja-JP" sz="800">
+                <a:solidFill>
+                  <a:srgbClr val="D4D4D4"/>
+                </a:solidFill>
+                <a:latin typeface="Consolas" panose="020B0609020204030204" pitchFamily="49" charset="0"/>
+              </a:rPr>
+              <a:t> + </a:t>
+            </a:r>
+            <a:r>
+              <a:rPr lang="en-US" altLang="ja-JP" sz="800">
+                <a:solidFill>
+                  <a:srgbClr val="B5CEA8"/>
+                </a:solidFill>
+                <a:latin typeface="Consolas" panose="020B0609020204030204" pitchFamily="49" charset="0"/>
+              </a:rPr>
+              <a:t>1</a:t>
+            </a:r>
+            <a:r>
+              <a:rPr lang="en-US" altLang="ja-JP" sz="800">
+                <a:solidFill>
+                  <a:srgbClr val="D4D4D4"/>
+                </a:solidFill>
+                <a:latin typeface="Consolas" panose="020B0609020204030204" pitchFamily="49" charset="0"/>
+              </a:rPr>
+              <a:t>)</a:t>
+            </a:r>
+            <a:r>
+              <a:rPr lang="en-US" altLang="ja-JP" sz="800">
+                <a:solidFill>
+                  <a:srgbClr val="569CD6"/>
+                </a:solidFill>
+                <a:latin typeface="Consolas" panose="020B0609020204030204" pitchFamily="49" charset="0"/>
+              </a:rPr>
+              <a:t>}</a:t>
+            </a:r>
+            <a:r>
+              <a:rPr lang="en-US" altLang="ja-JP" sz="800">
+                <a:solidFill>
+                  <a:srgbClr val="808080"/>
+                </a:solidFill>
+                <a:latin typeface="Consolas" panose="020B0609020204030204" pitchFamily="49" charset="0"/>
+              </a:rPr>
+              <a:t>&gt;</a:t>
+            </a:r>
+            <a:r>
+              <a:rPr lang="en-US" altLang="ja-JP" sz="800">
+                <a:solidFill>
+                  <a:srgbClr val="D4D4D4"/>
+                </a:solidFill>
+                <a:latin typeface="Consolas" panose="020B0609020204030204" pitchFamily="49" charset="0"/>
+              </a:rPr>
+              <a:t>Increment</a:t>
+            </a:r>
+            <a:r>
+              <a:rPr lang="en-US" altLang="ja-JP" sz="800">
+                <a:solidFill>
+                  <a:srgbClr val="808080"/>
+                </a:solidFill>
+                <a:latin typeface="Consolas" panose="020B0609020204030204" pitchFamily="49" charset="0"/>
+              </a:rPr>
+              <a:t>&lt;/</a:t>
+            </a:r>
+            <a:r>
+              <a:rPr lang="en-US" altLang="ja-JP" sz="800">
+                <a:solidFill>
+                  <a:srgbClr val="569CD6"/>
+                </a:solidFill>
+                <a:latin typeface="Consolas" panose="020B0609020204030204" pitchFamily="49" charset="0"/>
+              </a:rPr>
+              <a:t>button</a:t>
+            </a:r>
+            <a:r>
+              <a:rPr lang="en-US" altLang="ja-JP" sz="800">
+                <a:solidFill>
+                  <a:srgbClr val="808080"/>
+                </a:solidFill>
+                <a:latin typeface="Consolas" panose="020B0609020204030204" pitchFamily="49" charset="0"/>
+              </a:rPr>
+              <a:t>&gt;</a:t>
+            </a:r>
+            <a:endParaRPr lang="en-US" altLang="ja-JP" sz="800">
+              <a:solidFill>
+                <a:srgbClr val="D4D4D4"/>
+              </a:solidFill>
+              <a:latin typeface="Consolas" panose="020B0609020204030204" pitchFamily="49" charset="0"/>
+            </a:endParaRPr>
+          </a:p>
+          <a:p>
+            <a:r>
+              <a:rPr lang="en-US" altLang="ja-JP" sz="800">
+                <a:solidFill>
+                  <a:srgbClr val="D4D4D4"/>
+                </a:solidFill>
+                <a:latin typeface="Consolas" panose="020B0609020204030204" pitchFamily="49" charset="0"/>
+              </a:rPr>
+              <a:t>    </a:t>
+            </a:r>
+            <a:r>
+              <a:rPr lang="en-US" altLang="ja-JP" sz="800">
+                <a:solidFill>
+                  <a:srgbClr val="808080"/>
+                </a:solidFill>
+                <a:latin typeface="Consolas" panose="020B0609020204030204" pitchFamily="49" charset="0"/>
+              </a:rPr>
+              <a:t>&lt;/</a:t>
+            </a:r>
+            <a:r>
+              <a:rPr lang="en-US" altLang="ja-JP" sz="800">
+                <a:solidFill>
+                  <a:srgbClr val="569CD6"/>
+                </a:solidFill>
+                <a:latin typeface="Consolas" panose="020B0609020204030204" pitchFamily="49" charset="0"/>
+              </a:rPr>
+              <a:t>div</a:t>
+            </a:r>
+            <a:r>
+              <a:rPr lang="en-US" altLang="ja-JP" sz="800">
+                <a:solidFill>
+                  <a:srgbClr val="808080"/>
+                </a:solidFill>
+                <a:latin typeface="Consolas" panose="020B0609020204030204" pitchFamily="49" charset="0"/>
+              </a:rPr>
+              <a:t>&gt;</a:t>
+            </a:r>
+            <a:endParaRPr lang="en-US" altLang="ja-JP" sz="800">
+              <a:solidFill>
+                <a:srgbClr val="D4D4D4"/>
+              </a:solidFill>
+              <a:latin typeface="Consolas" panose="020B0609020204030204" pitchFamily="49" charset="0"/>
+            </a:endParaRPr>
+          </a:p>
+          <a:p>
+            <a:r>
+              <a:rPr lang="en-US" altLang="ja-JP" sz="800">
+                <a:solidFill>
+                  <a:srgbClr val="D4D4D4"/>
+                </a:solidFill>
+                <a:latin typeface="Consolas" panose="020B0609020204030204" pitchFamily="49" charset="0"/>
+              </a:rPr>
+              <a:t> </a:t>
+            </a:r>
+            <a:r>
+              <a:rPr lang="en-US" altLang="ja-JP" sz="800">
+                <a:solidFill>
+                  <a:srgbClr val="D4D4D4"/>
                 </a:solidFill>
                 <a:latin typeface="Consolas" panose="020B0609020204030204" pitchFamily="49" charset="0"/>
               </a:rPr>
               <a:t> </a:t>
             </a:r>
             <a:r>
-              <a:rPr lang="en-US" sz="1400" dirty="0">
-                <a:solidFill>
-                  <a:srgbClr val="CE9178"/>
-                </a:solidFill>
-                <a:latin typeface="Consolas" panose="020B0609020204030204" pitchFamily="49" charset="0"/>
-              </a:rPr>
-              <a:t>"</a:t>
-            </a:r>
-            <a:r>
-              <a:rPr lang="en-US" sz="1400" dirty="0">
-                <a:solidFill>
-                  <a:srgbClr val="CCCCCC"/>
-                </a:solidFill>
-                <a:latin typeface="Consolas" panose="020B0609020204030204" pitchFamily="49" charset="0"/>
-              </a:rPr>
-              <a:t>, </a:t>
-            </a:r>
-            <a:r>
-              <a:rPr lang="en-US" sz="1400" dirty="0">
-                <a:solidFill>
-                  <a:srgbClr val="569CD6"/>
-                </a:solidFill>
-                <a:latin typeface="Consolas" panose="020B0609020204030204" pitchFamily="49" charset="0"/>
-              </a:rPr>
-              <a:t>new</a:t>
-            </a:r>
-            <a:r>
-              <a:rPr lang="en-US" sz="1400" dirty="0">
-                <a:solidFill>
-                  <a:srgbClr val="CCCCCC"/>
-                </a:solidFill>
-                <a:latin typeface="Consolas" panose="020B0609020204030204" pitchFamily="49" charset="0"/>
-              </a:rPr>
-              <a:t> </a:t>
-            </a:r>
-            <a:r>
-              <a:rPr lang="en-US" sz="1400" dirty="0">
-                <a:solidFill>
-                  <a:srgbClr val="4EC9B0"/>
-                </a:solidFill>
-                <a:latin typeface="Consolas" panose="020B0609020204030204" pitchFamily="49" charset="0"/>
-              </a:rPr>
-              <a:t>Date</a:t>
-            </a:r>
-            <a:r>
-              <a:rPr lang="en-US" sz="1400" dirty="0">
-                <a:solidFill>
-                  <a:srgbClr val="CCCCCC"/>
-                </a:solidFill>
-                <a:latin typeface="Consolas" panose="020B0609020204030204" pitchFamily="49" charset="0"/>
-              </a:rPr>
-              <a:t>()</a:t>
-            </a:r>
-            <a:r>
-              <a:rPr lang="en-US" sz="1400" dirty="0">
-                <a:solidFill>
-                  <a:srgbClr val="D4D4D4"/>
-                </a:solidFill>
-                <a:latin typeface="Consolas" panose="020B0609020204030204" pitchFamily="49" charset="0"/>
-              </a:rPr>
-              <a:t>.</a:t>
-            </a:r>
-            <a:r>
-              <a:rPr lang="en-US" sz="1400" dirty="0">
-                <a:solidFill>
-                  <a:srgbClr val="DCDCAA"/>
-                </a:solidFill>
-                <a:latin typeface="Consolas" panose="020B0609020204030204" pitchFamily="49" charset="0"/>
-              </a:rPr>
-              <a:t>toLocaleTimeString</a:t>
-            </a:r>
-            <a:r>
-              <a:rPr lang="en-US" sz="1400" dirty="0">
-                <a:solidFill>
-                  <a:srgbClr val="CCCCCC"/>
-                </a:solidFill>
-                <a:latin typeface="Consolas" panose="020B0609020204030204" pitchFamily="49" charset="0"/>
-              </a:rPr>
-              <a:t>());</a:t>
-            </a:r>
-          </a:p>
-          <a:p>
-            <a:r>
-              <a:rPr lang="en-US" sz="1400" dirty="0">
-                <a:solidFill>
-                  <a:srgbClr val="CCCCCC"/>
-                </a:solidFill>
-                <a:latin typeface="Consolas" panose="020B0609020204030204" pitchFamily="49" charset="0"/>
-              </a:rPr>
-              <a:t>  </a:t>
-            </a:r>
-            <a:r>
-              <a:rPr lang="en-US" sz="1400" dirty="0">
-                <a:solidFill>
-                  <a:srgbClr val="C586C0"/>
-                </a:solidFill>
-                <a:latin typeface="Consolas" panose="020B0609020204030204" pitchFamily="49" charset="0"/>
-              </a:rPr>
-              <a:t>return</a:t>
-            </a:r>
-            <a:r>
-              <a:rPr lang="en-US" sz="1400" dirty="0">
-                <a:solidFill>
-                  <a:srgbClr val="CCCCCC"/>
-                </a:solidFill>
-                <a:latin typeface="Consolas" panose="020B0609020204030204" pitchFamily="49" charset="0"/>
-              </a:rPr>
-              <a:t> </a:t>
-            </a:r>
-            <a:r>
-              <a:rPr lang="en-US" sz="1400" dirty="0">
-                <a:solidFill>
-                  <a:srgbClr val="808080"/>
-                </a:solidFill>
-                <a:latin typeface="Consolas" panose="020B0609020204030204" pitchFamily="49" charset="0"/>
-              </a:rPr>
-              <a:t>&lt;</a:t>
-            </a:r>
-            <a:r>
-              <a:rPr lang="en-US" sz="1400" dirty="0">
-                <a:solidFill>
-                  <a:srgbClr val="569CD6"/>
-                </a:solidFill>
-                <a:latin typeface="Consolas" panose="020B0609020204030204" pitchFamily="49" charset="0"/>
-              </a:rPr>
-              <a:t>button</a:t>
-            </a:r>
-            <a:r>
-              <a:rPr lang="en-US" sz="1400" dirty="0">
-                <a:solidFill>
-                  <a:srgbClr val="CCCCCC"/>
-                </a:solidFill>
-                <a:latin typeface="Consolas" panose="020B0609020204030204" pitchFamily="49" charset="0"/>
-              </a:rPr>
-              <a:t> </a:t>
-            </a:r>
-            <a:r>
-              <a:rPr lang="en-US" sz="1400" dirty="0">
-                <a:solidFill>
-                  <a:srgbClr val="9CDCFE"/>
-                </a:solidFill>
-                <a:latin typeface="Consolas" panose="020B0609020204030204" pitchFamily="49" charset="0"/>
-              </a:rPr>
-              <a:t>onClick</a:t>
-            </a:r>
-            <a:r>
-              <a:rPr lang="en-US" sz="1400" dirty="0">
-                <a:solidFill>
-                  <a:srgbClr val="D4D4D4"/>
-                </a:solidFill>
-                <a:latin typeface="Consolas" panose="020B0609020204030204" pitchFamily="49" charset="0"/>
-              </a:rPr>
-              <a:t>=</a:t>
-            </a:r>
-            <a:r>
-              <a:rPr lang="en-US" sz="1400" dirty="0">
-                <a:solidFill>
-                  <a:srgbClr val="569CD6"/>
-                </a:solidFill>
-                <a:latin typeface="Consolas" panose="020B0609020204030204" pitchFamily="49" charset="0"/>
-              </a:rPr>
-              <a:t>{</a:t>
-            </a:r>
-            <a:r>
-              <a:rPr lang="en-US" sz="1400" dirty="0">
-                <a:solidFill>
-                  <a:srgbClr val="9CDCFE"/>
-                </a:solidFill>
-                <a:latin typeface="Consolas" panose="020B0609020204030204" pitchFamily="49" charset="0"/>
-              </a:rPr>
-              <a:t>onClick</a:t>
-            </a:r>
-            <a:r>
-              <a:rPr lang="en-US" sz="1400" dirty="0">
-                <a:solidFill>
-                  <a:srgbClr val="569CD6"/>
+              <a:rPr lang="en-US" altLang="ja-JP" sz="800" smtClean="0">
+                <a:solidFill>
+                  <a:srgbClr val="D4D4D4"/>
+                </a:solidFill>
+                <a:latin typeface="Consolas" panose="020B0609020204030204" pitchFamily="49" charset="0"/>
+              </a:rPr>
+              <a:t>);</a:t>
+            </a:r>
+          </a:p>
+          <a:p>
+            <a:r>
+              <a:rPr lang="en-US" altLang="ja-JP" sz="800" smtClean="0">
+                <a:solidFill>
+                  <a:srgbClr val="D4D4D4"/>
                 </a:solidFill>
                 <a:latin typeface="Consolas" panose="020B0609020204030204" pitchFamily="49" charset="0"/>
               </a:rPr>
               <a:t>}</a:t>
             </a:r>
-            <a:r>
-              <a:rPr lang="en-US" sz="1400" dirty="0">
-                <a:solidFill>
-                  <a:srgbClr val="808080"/>
-                </a:solidFill>
-                <a:latin typeface="Consolas" panose="020B0609020204030204" pitchFamily="49" charset="0"/>
-              </a:rPr>
-              <a:t>&gt;</a:t>
-            </a:r>
-            <a:r>
-              <a:rPr lang="en-US" sz="1400" dirty="0">
-                <a:solidFill>
-                  <a:srgbClr val="CCCCCC"/>
-                </a:solidFill>
-                <a:latin typeface="Consolas" panose="020B0609020204030204" pitchFamily="49" charset="0"/>
-              </a:rPr>
-              <a:t>Click</a:t>
-            </a:r>
-            <a:r>
-              <a:rPr lang="en-US" sz="1400" dirty="0">
-                <a:solidFill>
-                  <a:srgbClr val="808080"/>
-                </a:solidFill>
-                <a:latin typeface="Consolas" panose="020B0609020204030204" pitchFamily="49" charset="0"/>
-              </a:rPr>
-              <a:t>&lt;/</a:t>
-            </a:r>
-            <a:r>
-              <a:rPr lang="en-US" sz="1400" dirty="0">
-                <a:solidFill>
-                  <a:srgbClr val="569CD6"/>
-                </a:solidFill>
-                <a:latin typeface="Consolas" panose="020B0609020204030204" pitchFamily="49" charset="0"/>
-              </a:rPr>
-              <a:t>button</a:t>
-            </a:r>
-            <a:r>
-              <a:rPr lang="en-US" sz="1400" dirty="0">
-                <a:solidFill>
-                  <a:srgbClr val="808080"/>
-                </a:solidFill>
-                <a:latin typeface="Consolas" panose="020B0609020204030204" pitchFamily="49" charset="0"/>
-              </a:rPr>
-              <a:t>&gt;</a:t>
-            </a:r>
-            <a:r>
-              <a:rPr lang="en-US" sz="1400" dirty="0">
-                <a:solidFill>
-                  <a:srgbClr val="CCCCCC"/>
-                </a:solidFill>
-                <a:latin typeface="Consolas" panose="020B0609020204030204" pitchFamily="49" charset="0"/>
-              </a:rPr>
-              <a:t>;</a:t>
-            </a:r>
-          </a:p>
-          <a:p>
-            <a:r>
-              <a:rPr lang="en-US" sz="1400" dirty="0">
-                <a:solidFill>
-                  <a:srgbClr val="CCCCCC"/>
-                </a:solidFill>
-                <a:latin typeface="Consolas" panose="020B0609020204030204" pitchFamily="49" charset="0"/>
-              </a:rPr>
-              <a:t>}</a:t>
-            </a:r>
-          </a:p>
-          <a:p>
-            <a:r>
-              <a:rPr lang="en-US" sz="1400" dirty="0">
-                <a:solidFill>
-                  <a:srgbClr val="CCCCCC"/>
-                </a:solidFill>
-                <a:latin typeface="Consolas" panose="020B0609020204030204" pitchFamily="49" charset="0"/>
-              </a:rPr>
-              <a:t/>
-            </a:r>
-            <a:br>
-              <a:rPr lang="en-US" sz="1400" dirty="0">
-                <a:solidFill>
-                  <a:srgbClr val="CCCCCC"/>
-                </a:solidFill>
-                <a:latin typeface="Consolas" panose="020B0609020204030204" pitchFamily="49" charset="0"/>
-              </a:rPr>
-            </a:br>
-            <a:r>
-              <a:rPr lang="en-US" sz="1400" dirty="0">
-                <a:solidFill>
-                  <a:srgbClr val="C586C0"/>
-                </a:solidFill>
-                <a:latin typeface="Consolas" panose="020B0609020204030204" pitchFamily="49" charset="0"/>
-              </a:rPr>
-              <a:t>export</a:t>
-            </a:r>
-            <a:r>
-              <a:rPr lang="en-US" sz="1400" dirty="0">
-                <a:solidFill>
-                  <a:srgbClr val="CCCCCC"/>
-                </a:solidFill>
-                <a:latin typeface="Consolas" panose="020B0609020204030204" pitchFamily="49" charset="0"/>
-              </a:rPr>
-              <a:t> </a:t>
-            </a:r>
-            <a:r>
-              <a:rPr lang="en-US" sz="1400" dirty="0">
-                <a:solidFill>
-                  <a:srgbClr val="C586C0"/>
-                </a:solidFill>
-                <a:latin typeface="Consolas" panose="020B0609020204030204" pitchFamily="49" charset="0"/>
-              </a:rPr>
-              <a:t>default</a:t>
-            </a:r>
-            <a:r>
-              <a:rPr lang="en-US" sz="1400" dirty="0">
-                <a:solidFill>
-                  <a:srgbClr val="CCCCCC"/>
-                </a:solidFill>
-                <a:latin typeface="Consolas" panose="020B0609020204030204" pitchFamily="49" charset="0"/>
-              </a:rPr>
-              <a:t> </a:t>
-            </a:r>
-            <a:r>
-              <a:rPr lang="en-US" sz="1400" dirty="0">
-                <a:solidFill>
-                  <a:srgbClr val="DCDCAA"/>
-                </a:solidFill>
-                <a:latin typeface="Consolas" panose="020B0609020204030204" pitchFamily="49" charset="0"/>
-              </a:rPr>
-              <a:t>memo</a:t>
-            </a:r>
-            <a:r>
-              <a:rPr lang="en-US" sz="1400" dirty="0">
-                <a:solidFill>
-                  <a:srgbClr val="CCCCCC"/>
-                </a:solidFill>
-                <a:latin typeface="Consolas" panose="020B0609020204030204" pitchFamily="49" charset="0"/>
-              </a:rPr>
-              <a:t>(</a:t>
-            </a:r>
-            <a:r>
-              <a:rPr lang="en-US" sz="1400" dirty="0">
-                <a:solidFill>
-                  <a:srgbClr val="DCDCAA"/>
-                </a:solidFill>
-                <a:latin typeface="Consolas" panose="020B0609020204030204" pitchFamily="49" charset="0"/>
-              </a:rPr>
-              <a:t>Print</a:t>
-            </a:r>
-            <a:r>
-              <a:rPr lang="en-US" sz="1400" dirty="0">
-                <a:solidFill>
-                  <a:srgbClr val="CCCCCC"/>
-                </a:solidFill>
-                <a:latin typeface="Consolas" panose="020B0609020204030204" pitchFamily="49" charset="0"/>
-              </a:rPr>
-              <a:t>);</a:t>
-            </a:r>
-            <a:endParaRPr lang="en-US" sz="1400" b="0" dirty="0">
+            <a:endParaRPr lang="en-US" altLang="ja-JP" sz="800" b="0">
               <a:solidFill>
-                <a:srgbClr val="CCCCCC"/>
+                <a:srgbClr val="D4D4D4"/>
               </a:solidFill>
               <a:effectLst/>
               <a:latin typeface="Consolas" panose="020B0609020204030204" pitchFamily="49" charset="0"/>
@@ -4205,6 +5790,64 @@
           </a:bodyPr>
           <a:lstStyle/>
           <a:p>
+            <a:r>
+              <a:rPr lang="en-US">
+                <a:latin typeface="Tahoma" panose="020B0604030504040204" pitchFamily="34" charset="0"/>
+                <a:ea typeface="Tahoma" panose="020B0604030504040204" pitchFamily="34" charset="0"/>
+                <a:cs typeface="Tahoma" panose="020B0604030504040204" pitchFamily="34" charset="0"/>
+              </a:rPr>
+              <a:t>Vấn đề ta đang thấy </a:t>
+            </a:r>
+            <a:r>
+              <a:rPr lang="en-US">
+                <a:latin typeface="Tahoma" panose="020B0604030504040204" pitchFamily="34" charset="0"/>
+                <a:ea typeface="Tahoma" panose="020B0604030504040204" pitchFamily="34" charset="0"/>
+                <a:cs typeface="Tahoma" panose="020B0604030504040204" pitchFamily="34" charset="0"/>
+              </a:rPr>
+              <a:t>là </a:t>
+            </a:r>
+            <a:r>
+              <a:rPr lang="en-US">
+                <a:latin typeface="Tahoma" panose="020B0604030504040204" pitchFamily="34" charset="0"/>
+                <a:ea typeface="Tahoma" panose="020B0604030504040204" pitchFamily="34" charset="0"/>
+                <a:cs typeface="Tahoma" panose="020B0604030504040204" pitchFamily="34" charset="0"/>
+              </a:rPr>
+              <a:t>computeLetterCount được thực thi mỗi lần ta thực </a:t>
+            </a:r>
+            <a:r>
+              <a:rPr lang="en-US">
+                <a:latin typeface="Tahoma" panose="020B0604030504040204" pitchFamily="34" charset="0"/>
+                <a:ea typeface="Tahoma" panose="020B0604030504040204" pitchFamily="34" charset="0"/>
+                <a:cs typeface="Tahoma" panose="020B0604030504040204" pitchFamily="34" charset="0"/>
+              </a:rPr>
+              <a:t>hiện </a:t>
+            </a:r>
+            <a:r>
+              <a:rPr lang="en-US" smtClean="0">
+                <a:latin typeface="Tahoma" panose="020B0604030504040204" pitchFamily="34" charset="0"/>
+                <a:ea typeface="Tahoma" panose="020B0604030504040204" pitchFamily="34" charset="0"/>
+                <a:cs typeface="Tahoma" panose="020B0604030504040204" pitchFamily="34" charset="0"/>
+              </a:rPr>
+              <a:t>setCount</a:t>
+            </a:r>
+          </a:p>
+          <a:p>
+            <a:r>
+              <a:rPr lang="en-US" smtClean="0">
+                <a:latin typeface="Tahoma" panose="020B0604030504040204" pitchFamily="34" charset="0"/>
+                <a:ea typeface="Tahoma" panose="020B0604030504040204" pitchFamily="34" charset="0"/>
+                <a:cs typeface="Tahoma" panose="020B0604030504040204" pitchFamily="34" charset="0"/>
+              </a:rPr>
+              <a:t>Giá trị của word không thay đổi mỗi lần ta thực hiện setCount cho nên việc thực thi </a:t>
+            </a:r>
+            <a:r>
+              <a:rPr lang="en-US" altLang="ja-JP" smtClean="0">
+                <a:latin typeface="Tahoma" panose="020B0604030504040204" pitchFamily="34" charset="0"/>
+                <a:ea typeface="Tahoma" panose="020B0604030504040204" pitchFamily="34" charset="0"/>
+                <a:cs typeface="Tahoma" panose="020B0604030504040204" pitchFamily="34" charset="0"/>
+              </a:rPr>
+              <a:t>computeLetterCount là không cần thiết làm ảnh hưởng tới performance</a:t>
+            </a:r>
             <a:endParaRPr lang="en-US" sz="1800" dirty="0" smtClean="0">
               <a:latin typeface="Tahoma" panose="020B0604030504040204" pitchFamily="34" charset="0"/>
               <a:ea typeface="Tahoma" panose="020B0604030504040204" pitchFamily="34" charset="0"/>
@@ -4213,989 +5856,10 @@
           </a:p>
         </p:txBody>
       </p:sp>
-      <p:sp>
-        <p:nvSpPr>
-          <p:cNvPr id="5" name="Rectangle 4"/>
-          <p:cNvSpPr/>
-          <p:nvPr/>
-        </p:nvSpPr>
-        <p:spPr>
-          <a:xfrm>
-            <a:off x="2231136" y="2638044"/>
-            <a:ext cx="7729728" cy="2893100"/>
-          </a:xfrm>
-          <a:prstGeom prst="rect">
-            <a:avLst/>
-          </a:prstGeom>
-          <a:solidFill>
-            <a:schemeClr val="tx1"/>
-          </a:solidFill>
-        </p:spPr>
-        <p:txBody>
-          <a:bodyPr wrap="square">
-            <a:spAutoFit/>
-          </a:bodyPr>
-          <a:lstStyle/>
-          <a:p>
-            <a:r>
-              <a:rPr lang="en-US" sz="1400" dirty="0">
-                <a:solidFill>
-                  <a:srgbClr val="C586C0"/>
-                </a:solidFill>
-                <a:latin typeface="Consolas" panose="020B0609020204030204" pitchFamily="49" charset="0"/>
-              </a:rPr>
-              <a:t>import</a:t>
-            </a:r>
-            <a:r>
-              <a:rPr lang="en-US" sz="1400" dirty="0">
-                <a:solidFill>
-                  <a:srgbClr val="CCCCCC"/>
-                </a:solidFill>
-                <a:latin typeface="Consolas" panose="020B0609020204030204" pitchFamily="49" charset="0"/>
-              </a:rPr>
-              <a:t> { </a:t>
-            </a:r>
-            <a:r>
-              <a:rPr lang="en-US" sz="1400" dirty="0">
-                <a:solidFill>
-                  <a:srgbClr val="9CDCFE"/>
-                </a:solidFill>
-                <a:latin typeface="Consolas" panose="020B0609020204030204" pitchFamily="49" charset="0"/>
-              </a:rPr>
-              <a:t>useState</a:t>
-            </a:r>
-            <a:r>
-              <a:rPr lang="en-US" sz="1400" dirty="0">
-                <a:solidFill>
-                  <a:srgbClr val="CCCCCC"/>
-                </a:solidFill>
-                <a:latin typeface="Consolas" panose="020B0609020204030204" pitchFamily="49" charset="0"/>
-              </a:rPr>
-              <a:t> } </a:t>
-            </a:r>
-            <a:r>
-              <a:rPr lang="en-US" sz="1400" dirty="0">
-                <a:solidFill>
-                  <a:srgbClr val="C586C0"/>
-                </a:solidFill>
-                <a:latin typeface="Consolas" panose="020B0609020204030204" pitchFamily="49" charset="0"/>
-              </a:rPr>
-              <a:t>from</a:t>
-            </a:r>
-            <a:r>
-              <a:rPr lang="en-US" sz="1400" dirty="0">
-                <a:solidFill>
-                  <a:srgbClr val="CCCCCC"/>
-                </a:solidFill>
-                <a:latin typeface="Consolas" panose="020B0609020204030204" pitchFamily="49" charset="0"/>
-              </a:rPr>
-              <a:t> </a:t>
-            </a:r>
-            <a:r>
-              <a:rPr lang="en-US" sz="1400" dirty="0">
-                <a:solidFill>
-                  <a:srgbClr val="CE9178"/>
-                </a:solidFill>
-                <a:latin typeface="Consolas" panose="020B0609020204030204" pitchFamily="49" charset="0"/>
-              </a:rPr>
-              <a:t>"react"</a:t>
-            </a:r>
-            <a:r>
-              <a:rPr lang="en-US" sz="1400" dirty="0">
-                <a:solidFill>
-                  <a:srgbClr val="CCCCCC"/>
-                </a:solidFill>
-                <a:latin typeface="Consolas" panose="020B0609020204030204" pitchFamily="49" charset="0"/>
-              </a:rPr>
-              <a:t>;</a:t>
-            </a:r>
-          </a:p>
-          <a:p>
-            <a:r>
-              <a:rPr lang="en-US" sz="1400" dirty="0">
-                <a:solidFill>
-                  <a:srgbClr val="C586C0"/>
-                </a:solidFill>
-                <a:latin typeface="Consolas" panose="020B0609020204030204" pitchFamily="49" charset="0"/>
-              </a:rPr>
-              <a:t>import</a:t>
-            </a:r>
-            <a:r>
-              <a:rPr lang="en-US" sz="1400" dirty="0">
-                <a:solidFill>
-                  <a:srgbClr val="CCCCCC"/>
-                </a:solidFill>
-                <a:latin typeface="Consolas" panose="020B0609020204030204" pitchFamily="49" charset="0"/>
-              </a:rPr>
-              <a:t> </a:t>
-            </a:r>
-            <a:r>
-              <a:rPr lang="en-US" sz="1400" dirty="0">
-                <a:solidFill>
-                  <a:srgbClr val="9CDCFE"/>
-                </a:solidFill>
-                <a:latin typeface="Consolas" panose="020B0609020204030204" pitchFamily="49" charset="0"/>
-              </a:rPr>
-              <a:t>Print</a:t>
-            </a:r>
-            <a:r>
-              <a:rPr lang="en-US" sz="1400" dirty="0">
-                <a:solidFill>
-                  <a:srgbClr val="CCCCCC"/>
-                </a:solidFill>
-                <a:latin typeface="Consolas" panose="020B0609020204030204" pitchFamily="49" charset="0"/>
-              </a:rPr>
-              <a:t> </a:t>
-            </a:r>
-            <a:r>
-              <a:rPr lang="en-US" sz="1400" dirty="0">
-                <a:solidFill>
-                  <a:srgbClr val="C586C0"/>
-                </a:solidFill>
-                <a:latin typeface="Consolas" panose="020B0609020204030204" pitchFamily="49" charset="0"/>
-              </a:rPr>
-              <a:t>from</a:t>
-            </a:r>
-            <a:r>
-              <a:rPr lang="en-US" sz="1400" dirty="0">
-                <a:solidFill>
-                  <a:srgbClr val="CCCCCC"/>
-                </a:solidFill>
-                <a:latin typeface="Consolas" panose="020B0609020204030204" pitchFamily="49" charset="0"/>
-              </a:rPr>
-              <a:t> </a:t>
-            </a:r>
-            <a:r>
-              <a:rPr lang="en-US" sz="1400" dirty="0">
-                <a:solidFill>
-                  <a:srgbClr val="CE9178"/>
-                </a:solidFill>
-                <a:latin typeface="Consolas" panose="020B0609020204030204" pitchFamily="49" charset="0"/>
-              </a:rPr>
-              <a:t>"./Test"</a:t>
-            </a:r>
-            <a:r>
-              <a:rPr lang="en-US" sz="1400" dirty="0">
-                <a:solidFill>
-                  <a:srgbClr val="CCCCCC"/>
-                </a:solidFill>
-                <a:latin typeface="Consolas" panose="020B0609020204030204" pitchFamily="49" charset="0"/>
-              </a:rPr>
-              <a:t>;</a:t>
-            </a:r>
-          </a:p>
-          <a:p>
-            <a:r>
-              <a:rPr lang="en-US" sz="1400" dirty="0">
-                <a:solidFill>
-                  <a:srgbClr val="CCCCCC"/>
-                </a:solidFill>
-                <a:latin typeface="Consolas" panose="020B0609020204030204" pitchFamily="49" charset="0"/>
-              </a:rPr>
-              <a:t/>
-            </a:r>
-            <a:br>
-              <a:rPr lang="en-US" sz="1400" dirty="0">
-                <a:solidFill>
-                  <a:srgbClr val="CCCCCC"/>
-                </a:solidFill>
-                <a:latin typeface="Consolas" panose="020B0609020204030204" pitchFamily="49" charset="0"/>
-              </a:rPr>
-            </a:br>
-            <a:r>
-              <a:rPr lang="en-US" sz="1400" dirty="0">
-                <a:solidFill>
-                  <a:srgbClr val="569CD6"/>
-                </a:solidFill>
-                <a:latin typeface="Consolas" panose="020B0609020204030204" pitchFamily="49" charset="0"/>
-              </a:rPr>
-              <a:t>function</a:t>
-            </a:r>
-            <a:r>
-              <a:rPr lang="en-US" sz="1400" dirty="0">
-                <a:solidFill>
-                  <a:srgbClr val="CCCCCC"/>
-                </a:solidFill>
-                <a:latin typeface="Consolas" panose="020B0609020204030204" pitchFamily="49" charset="0"/>
-              </a:rPr>
-              <a:t> </a:t>
-            </a:r>
-            <a:r>
-              <a:rPr lang="en-US" sz="1400" dirty="0">
-                <a:solidFill>
-                  <a:srgbClr val="DCDCAA"/>
-                </a:solidFill>
-                <a:latin typeface="Consolas" panose="020B0609020204030204" pitchFamily="49" charset="0"/>
-              </a:rPr>
-              <a:t>App</a:t>
-            </a:r>
-            <a:r>
-              <a:rPr lang="en-US" sz="1400" dirty="0">
-                <a:solidFill>
-                  <a:srgbClr val="CCCCCC"/>
-                </a:solidFill>
-                <a:latin typeface="Consolas" panose="020B0609020204030204" pitchFamily="49" charset="0"/>
-              </a:rPr>
-              <a:t>() {</a:t>
-            </a:r>
-          </a:p>
-          <a:p>
-            <a:r>
-              <a:rPr lang="en-US" sz="1400" dirty="0">
-                <a:solidFill>
-                  <a:srgbClr val="CCCCCC"/>
-                </a:solidFill>
-                <a:latin typeface="Consolas" panose="020B0609020204030204" pitchFamily="49" charset="0"/>
-              </a:rPr>
-              <a:t>  </a:t>
-            </a:r>
-            <a:r>
-              <a:rPr lang="en-US" sz="1400" dirty="0">
-                <a:solidFill>
-                  <a:srgbClr val="569CD6"/>
-                </a:solidFill>
-                <a:latin typeface="Consolas" panose="020B0609020204030204" pitchFamily="49" charset="0"/>
-              </a:rPr>
-              <a:t>const</a:t>
-            </a:r>
-            <a:r>
-              <a:rPr lang="en-US" sz="1400" dirty="0">
-                <a:solidFill>
-                  <a:srgbClr val="CCCCCC"/>
-                </a:solidFill>
-                <a:latin typeface="Consolas" panose="020B0609020204030204" pitchFamily="49" charset="0"/>
-              </a:rPr>
-              <a:t> [</a:t>
-            </a:r>
-            <a:r>
-              <a:rPr lang="en-US" sz="1400" dirty="0">
-                <a:solidFill>
-                  <a:srgbClr val="4FC1FF"/>
-                </a:solidFill>
-                <a:latin typeface="Consolas" panose="020B0609020204030204" pitchFamily="49" charset="0"/>
-              </a:rPr>
-              <a:t>count</a:t>
-            </a:r>
-            <a:r>
-              <a:rPr lang="en-US" sz="1400" dirty="0">
-                <a:solidFill>
-                  <a:srgbClr val="CCCCCC"/>
-                </a:solidFill>
-                <a:latin typeface="Consolas" panose="020B0609020204030204" pitchFamily="49" charset="0"/>
-              </a:rPr>
-              <a:t>, </a:t>
-            </a:r>
-            <a:r>
-              <a:rPr lang="en-US" sz="1400" dirty="0">
-                <a:solidFill>
-                  <a:srgbClr val="DCDCAA"/>
-                </a:solidFill>
-                <a:latin typeface="Consolas" panose="020B0609020204030204" pitchFamily="49" charset="0"/>
-              </a:rPr>
-              <a:t>setCount</a:t>
-            </a:r>
-            <a:r>
-              <a:rPr lang="en-US" sz="1400" dirty="0">
-                <a:solidFill>
-                  <a:srgbClr val="CCCCCC"/>
-                </a:solidFill>
-                <a:latin typeface="Consolas" panose="020B0609020204030204" pitchFamily="49" charset="0"/>
-              </a:rPr>
-              <a:t>] </a:t>
-            </a:r>
-            <a:r>
-              <a:rPr lang="en-US" sz="1400" dirty="0">
-                <a:solidFill>
-                  <a:srgbClr val="D4D4D4"/>
-                </a:solidFill>
-                <a:latin typeface="Consolas" panose="020B0609020204030204" pitchFamily="49" charset="0"/>
-              </a:rPr>
-              <a:t>=</a:t>
-            </a:r>
-            <a:r>
-              <a:rPr lang="en-US" sz="1400" dirty="0">
-                <a:solidFill>
-                  <a:srgbClr val="CCCCCC"/>
-                </a:solidFill>
-                <a:latin typeface="Consolas" panose="020B0609020204030204" pitchFamily="49" charset="0"/>
-              </a:rPr>
-              <a:t> </a:t>
-            </a:r>
-            <a:r>
-              <a:rPr lang="en-US" sz="1400" dirty="0">
-                <a:solidFill>
-                  <a:srgbClr val="DCDCAA"/>
-                </a:solidFill>
-                <a:latin typeface="Consolas" panose="020B0609020204030204" pitchFamily="49" charset="0"/>
-              </a:rPr>
-              <a:t>useState</a:t>
-            </a:r>
-            <a:r>
-              <a:rPr lang="en-US" sz="1400" dirty="0">
-                <a:solidFill>
-                  <a:srgbClr val="CCCCCC"/>
-                </a:solidFill>
-                <a:latin typeface="Consolas" panose="020B0609020204030204" pitchFamily="49" charset="0"/>
-              </a:rPr>
-              <a:t>(</a:t>
-            </a:r>
-            <a:r>
-              <a:rPr lang="en-US" sz="1400" dirty="0">
-                <a:solidFill>
-                  <a:srgbClr val="B5CEA8"/>
-                </a:solidFill>
-                <a:latin typeface="Consolas" panose="020B0609020204030204" pitchFamily="49" charset="0"/>
-              </a:rPr>
-              <a:t>0</a:t>
-            </a:r>
-            <a:r>
-              <a:rPr lang="en-US" sz="1400" dirty="0">
-                <a:solidFill>
-                  <a:srgbClr val="CCCCCC"/>
-                </a:solidFill>
-                <a:latin typeface="Consolas" panose="020B0609020204030204" pitchFamily="49" charset="0"/>
-              </a:rPr>
-              <a:t>);</a:t>
-            </a:r>
-          </a:p>
-          <a:p>
-            <a:r>
-              <a:rPr lang="en-US" sz="1400" dirty="0">
-                <a:solidFill>
-                  <a:srgbClr val="CCCCCC"/>
-                </a:solidFill>
-                <a:latin typeface="Consolas" panose="020B0609020204030204" pitchFamily="49" charset="0"/>
-              </a:rPr>
-              <a:t>  </a:t>
-            </a:r>
-            <a:r>
-              <a:rPr lang="en-US" sz="1400" dirty="0">
-                <a:solidFill>
-                  <a:srgbClr val="569CD6"/>
-                </a:solidFill>
-                <a:latin typeface="Consolas" panose="020B0609020204030204" pitchFamily="49" charset="0"/>
-              </a:rPr>
-              <a:t>const</a:t>
-            </a:r>
-            <a:r>
-              <a:rPr lang="en-US" sz="1400" dirty="0">
-                <a:solidFill>
-                  <a:srgbClr val="CCCCCC"/>
-                </a:solidFill>
-                <a:latin typeface="Consolas" panose="020B0609020204030204" pitchFamily="49" charset="0"/>
-              </a:rPr>
-              <a:t> </a:t>
-            </a:r>
-            <a:r>
-              <a:rPr lang="en-US" sz="1400" dirty="0">
-                <a:solidFill>
-                  <a:srgbClr val="DCDCAA"/>
-                </a:solidFill>
-                <a:latin typeface="Consolas" panose="020B0609020204030204" pitchFamily="49" charset="0"/>
-              </a:rPr>
-              <a:t>handleClick</a:t>
-            </a:r>
-            <a:r>
-              <a:rPr lang="en-US" sz="1400" dirty="0">
-                <a:solidFill>
-                  <a:srgbClr val="CCCCCC"/>
-                </a:solidFill>
-                <a:latin typeface="Consolas" panose="020B0609020204030204" pitchFamily="49" charset="0"/>
-              </a:rPr>
-              <a:t> </a:t>
-            </a:r>
-            <a:r>
-              <a:rPr lang="en-US" sz="1400" dirty="0">
-                <a:solidFill>
-                  <a:srgbClr val="D4D4D4"/>
-                </a:solidFill>
-                <a:latin typeface="Consolas" panose="020B0609020204030204" pitchFamily="49" charset="0"/>
-              </a:rPr>
-              <a:t>=</a:t>
-            </a:r>
-            <a:r>
-              <a:rPr lang="en-US" sz="1400" dirty="0">
-                <a:solidFill>
-                  <a:srgbClr val="CCCCCC"/>
-                </a:solidFill>
-                <a:latin typeface="Consolas" panose="020B0609020204030204" pitchFamily="49" charset="0"/>
-              </a:rPr>
-              <a:t> () </a:t>
-            </a:r>
-            <a:r>
-              <a:rPr lang="en-US" sz="1400" dirty="0">
-                <a:solidFill>
-                  <a:srgbClr val="569CD6"/>
-                </a:solidFill>
-                <a:latin typeface="Consolas" panose="020B0609020204030204" pitchFamily="49" charset="0"/>
-              </a:rPr>
-              <a:t>=&gt;</a:t>
-            </a:r>
-            <a:r>
-              <a:rPr lang="en-US" sz="1400" dirty="0">
-                <a:solidFill>
-                  <a:srgbClr val="CCCCCC"/>
-                </a:solidFill>
-                <a:latin typeface="Consolas" panose="020B0609020204030204" pitchFamily="49" charset="0"/>
-              </a:rPr>
-              <a:t> </a:t>
-            </a:r>
-            <a:r>
-              <a:rPr lang="en-US" sz="1400" dirty="0">
-                <a:solidFill>
-                  <a:srgbClr val="DCDCAA"/>
-                </a:solidFill>
-                <a:latin typeface="Consolas" panose="020B0609020204030204" pitchFamily="49" charset="0"/>
-              </a:rPr>
-              <a:t>setCount</a:t>
-            </a:r>
-            <a:r>
-              <a:rPr lang="en-US" sz="1400" dirty="0">
-                <a:solidFill>
-                  <a:srgbClr val="CCCCCC"/>
-                </a:solidFill>
-                <a:latin typeface="Consolas" panose="020B0609020204030204" pitchFamily="49" charset="0"/>
-              </a:rPr>
-              <a:t>(</a:t>
-            </a:r>
-            <a:r>
-              <a:rPr lang="en-US" sz="1400" dirty="0">
-                <a:solidFill>
-                  <a:srgbClr val="9CDCFE"/>
-                </a:solidFill>
-                <a:latin typeface="Consolas" panose="020B0609020204030204" pitchFamily="49" charset="0"/>
-              </a:rPr>
-              <a:t>count</a:t>
-            </a:r>
-            <a:r>
-              <a:rPr lang="en-US" sz="1400" dirty="0">
-                <a:solidFill>
-                  <a:srgbClr val="CCCCCC"/>
-                </a:solidFill>
-                <a:latin typeface="Consolas" panose="020B0609020204030204" pitchFamily="49" charset="0"/>
-              </a:rPr>
-              <a:t> </a:t>
-            </a:r>
-            <a:r>
-              <a:rPr lang="en-US" sz="1400" dirty="0">
-                <a:solidFill>
-                  <a:srgbClr val="569CD6"/>
-                </a:solidFill>
-                <a:latin typeface="Consolas" panose="020B0609020204030204" pitchFamily="49" charset="0"/>
-              </a:rPr>
-              <a:t>=&gt;</a:t>
-            </a:r>
-            <a:r>
-              <a:rPr lang="en-US" sz="1400" dirty="0">
-                <a:solidFill>
-                  <a:srgbClr val="CCCCCC"/>
-                </a:solidFill>
-                <a:latin typeface="Consolas" panose="020B0609020204030204" pitchFamily="49" charset="0"/>
-              </a:rPr>
-              <a:t> </a:t>
-            </a:r>
-            <a:r>
-              <a:rPr lang="en-US" sz="1400" dirty="0">
-                <a:solidFill>
-                  <a:srgbClr val="9CDCFE"/>
-                </a:solidFill>
-                <a:latin typeface="Consolas" panose="020B0609020204030204" pitchFamily="49" charset="0"/>
-              </a:rPr>
-              <a:t>count</a:t>
-            </a:r>
-            <a:r>
-              <a:rPr lang="en-US" sz="1400" dirty="0">
-                <a:solidFill>
-                  <a:srgbClr val="CCCCCC"/>
-                </a:solidFill>
-                <a:latin typeface="Consolas" panose="020B0609020204030204" pitchFamily="49" charset="0"/>
-              </a:rPr>
-              <a:t> </a:t>
-            </a:r>
-            <a:r>
-              <a:rPr lang="en-US" sz="1400" dirty="0">
-                <a:solidFill>
-                  <a:srgbClr val="D4D4D4"/>
-                </a:solidFill>
-                <a:latin typeface="Consolas" panose="020B0609020204030204" pitchFamily="49" charset="0"/>
-              </a:rPr>
-              <a:t>+</a:t>
-            </a:r>
-            <a:r>
-              <a:rPr lang="en-US" sz="1400" dirty="0">
-                <a:solidFill>
-                  <a:srgbClr val="CCCCCC"/>
-                </a:solidFill>
-                <a:latin typeface="Consolas" panose="020B0609020204030204" pitchFamily="49" charset="0"/>
-              </a:rPr>
-              <a:t> </a:t>
-            </a:r>
-            <a:r>
-              <a:rPr lang="en-US" sz="1400" dirty="0">
-                <a:solidFill>
-                  <a:srgbClr val="B5CEA8"/>
-                </a:solidFill>
-                <a:latin typeface="Consolas" panose="020B0609020204030204" pitchFamily="49" charset="0"/>
-              </a:rPr>
-              <a:t>1</a:t>
-            </a:r>
-            <a:r>
-              <a:rPr lang="en-US" sz="1400" dirty="0">
-                <a:solidFill>
-                  <a:srgbClr val="CCCCCC"/>
-                </a:solidFill>
-                <a:latin typeface="Consolas" panose="020B0609020204030204" pitchFamily="49" charset="0"/>
-              </a:rPr>
-              <a:t>)</a:t>
-            </a:r>
-          </a:p>
-          <a:p>
-            <a:r>
-              <a:rPr lang="en-US" sz="1400" dirty="0">
-                <a:solidFill>
-                  <a:srgbClr val="CCCCCC"/>
-                </a:solidFill>
-                <a:latin typeface="Consolas" panose="020B0609020204030204" pitchFamily="49" charset="0"/>
-              </a:rPr>
-              <a:t>  </a:t>
-            </a:r>
-            <a:r>
-              <a:rPr lang="en-US" sz="1400" dirty="0">
-                <a:solidFill>
-                  <a:srgbClr val="C586C0"/>
-                </a:solidFill>
-                <a:latin typeface="Consolas" panose="020B0609020204030204" pitchFamily="49" charset="0"/>
-              </a:rPr>
-              <a:t>return</a:t>
-            </a:r>
-            <a:r>
-              <a:rPr lang="en-US" sz="1400" dirty="0">
-                <a:solidFill>
-                  <a:srgbClr val="CCCCCC"/>
-                </a:solidFill>
-                <a:latin typeface="Consolas" panose="020B0609020204030204" pitchFamily="49" charset="0"/>
-              </a:rPr>
-              <a:t> (</a:t>
-            </a:r>
-          </a:p>
-          <a:p>
-            <a:r>
-              <a:rPr lang="en-US" sz="1400" dirty="0">
-                <a:solidFill>
-                  <a:srgbClr val="CCCCCC"/>
-                </a:solidFill>
-                <a:latin typeface="Consolas" panose="020B0609020204030204" pitchFamily="49" charset="0"/>
-              </a:rPr>
-              <a:t>    </a:t>
-            </a:r>
-            <a:r>
-              <a:rPr lang="en-US" sz="1400" dirty="0">
-                <a:solidFill>
-                  <a:srgbClr val="808080"/>
-                </a:solidFill>
-                <a:latin typeface="Consolas" panose="020B0609020204030204" pitchFamily="49" charset="0"/>
-              </a:rPr>
-              <a:t>&lt;</a:t>
-            </a:r>
-            <a:r>
-              <a:rPr lang="en-US" sz="1400" dirty="0">
-                <a:solidFill>
-                  <a:srgbClr val="569CD6"/>
-                </a:solidFill>
-                <a:latin typeface="Consolas" panose="020B0609020204030204" pitchFamily="49" charset="0"/>
-              </a:rPr>
-              <a:t>div</a:t>
-            </a:r>
-            <a:r>
-              <a:rPr lang="en-US" sz="1400" dirty="0">
-                <a:solidFill>
-                  <a:srgbClr val="CCCCCC"/>
-                </a:solidFill>
-                <a:latin typeface="Consolas" panose="020B0609020204030204" pitchFamily="49" charset="0"/>
-              </a:rPr>
-              <a:t> </a:t>
-            </a:r>
-            <a:r>
-              <a:rPr lang="en-US" sz="1400" dirty="0">
-                <a:solidFill>
-                  <a:srgbClr val="9CDCFE"/>
-                </a:solidFill>
-                <a:latin typeface="Consolas" panose="020B0609020204030204" pitchFamily="49" charset="0"/>
-              </a:rPr>
-              <a:t>style</a:t>
-            </a:r>
-            <a:r>
-              <a:rPr lang="en-US" sz="1400" dirty="0">
-                <a:solidFill>
-                  <a:srgbClr val="D4D4D4"/>
-                </a:solidFill>
-                <a:latin typeface="Consolas" panose="020B0609020204030204" pitchFamily="49" charset="0"/>
-              </a:rPr>
-              <a:t>=</a:t>
-            </a:r>
-            <a:r>
-              <a:rPr lang="en-US" sz="1400" dirty="0">
-                <a:solidFill>
-                  <a:srgbClr val="569CD6"/>
-                </a:solidFill>
-                <a:latin typeface="Consolas" panose="020B0609020204030204" pitchFamily="49" charset="0"/>
-              </a:rPr>
-              <a:t>{</a:t>
-            </a:r>
-            <a:r>
-              <a:rPr lang="en-US" sz="1400" dirty="0">
-                <a:solidFill>
-                  <a:srgbClr val="D4D4D4"/>
-                </a:solidFill>
-                <a:latin typeface="Consolas" panose="020B0609020204030204" pitchFamily="49" charset="0"/>
-              </a:rPr>
-              <a:t>{ </a:t>
-            </a:r>
-            <a:r>
-              <a:rPr lang="en-US" sz="1400" dirty="0">
-                <a:solidFill>
-                  <a:srgbClr val="9CDCFE"/>
-                </a:solidFill>
-                <a:latin typeface="Consolas" panose="020B0609020204030204" pitchFamily="49" charset="0"/>
-              </a:rPr>
-              <a:t>padding</a:t>
-            </a:r>
-            <a:r>
-              <a:rPr lang="en-US" sz="1400" dirty="0">
-                <a:solidFill>
-                  <a:srgbClr val="D4D4D4"/>
-                </a:solidFill>
-                <a:latin typeface="Consolas" panose="020B0609020204030204" pitchFamily="49" charset="0"/>
-              </a:rPr>
-              <a:t>: </a:t>
-            </a:r>
-            <a:r>
-              <a:rPr lang="en-US" sz="1400" dirty="0">
-                <a:solidFill>
-                  <a:srgbClr val="B5CEA8"/>
-                </a:solidFill>
-                <a:latin typeface="Consolas" panose="020B0609020204030204" pitchFamily="49" charset="0"/>
-              </a:rPr>
-              <a:t>20</a:t>
-            </a:r>
-            <a:r>
-              <a:rPr lang="en-US" sz="1400" dirty="0">
-                <a:solidFill>
-                  <a:srgbClr val="D4D4D4"/>
-                </a:solidFill>
-                <a:latin typeface="Consolas" panose="020B0609020204030204" pitchFamily="49" charset="0"/>
-              </a:rPr>
-              <a:t> }</a:t>
-            </a:r>
-            <a:r>
-              <a:rPr lang="en-US" sz="1400" dirty="0">
-                <a:solidFill>
-                  <a:srgbClr val="569CD6"/>
-                </a:solidFill>
-                <a:latin typeface="Consolas" panose="020B0609020204030204" pitchFamily="49" charset="0"/>
-              </a:rPr>
-              <a:t>}</a:t>
-            </a:r>
-            <a:r>
-              <a:rPr lang="en-US" sz="1400" dirty="0">
-                <a:solidFill>
-                  <a:srgbClr val="808080"/>
-                </a:solidFill>
-                <a:latin typeface="Consolas" panose="020B0609020204030204" pitchFamily="49" charset="0"/>
-              </a:rPr>
-              <a:t>&gt;</a:t>
-            </a:r>
-            <a:endParaRPr lang="en-US" sz="1400" dirty="0">
-              <a:solidFill>
-                <a:srgbClr val="CCCCCC"/>
-              </a:solidFill>
-              <a:latin typeface="Consolas" panose="020B0609020204030204" pitchFamily="49" charset="0"/>
-            </a:endParaRPr>
-          </a:p>
-          <a:p>
-            <a:r>
-              <a:rPr lang="en-US" sz="1400" dirty="0">
-                <a:solidFill>
-                  <a:srgbClr val="CCCCCC"/>
-                </a:solidFill>
-                <a:latin typeface="Consolas" panose="020B0609020204030204" pitchFamily="49" charset="0"/>
-              </a:rPr>
-              <a:t>      </a:t>
-            </a:r>
-            <a:r>
-              <a:rPr lang="en-US" sz="1400" dirty="0">
-                <a:solidFill>
-                  <a:srgbClr val="808080"/>
-                </a:solidFill>
-                <a:latin typeface="Consolas" panose="020B0609020204030204" pitchFamily="49" charset="0"/>
-              </a:rPr>
-              <a:t>&lt;</a:t>
-            </a:r>
-            <a:r>
-              <a:rPr lang="en-US" sz="1400" dirty="0">
-                <a:solidFill>
-                  <a:srgbClr val="569CD6"/>
-                </a:solidFill>
-                <a:latin typeface="Consolas" panose="020B0609020204030204" pitchFamily="49" charset="0"/>
-              </a:rPr>
-              <a:t>h1</a:t>
-            </a:r>
-            <a:r>
-              <a:rPr lang="en-US" sz="1400" dirty="0">
-                <a:solidFill>
-                  <a:srgbClr val="808080"/>
-                </a:solidFill>
-                <a:latin typeface="Consolas" panose="020B0609020204030204" pitchFamily="49" charset="0"/>
-              </a:rPr>
-              <a:t>&gt;</a:t>
-            </a:r>
-            <a:r>
-              <a:rPr lang="en-US" sz="1400" dirty="0">
-                <a:solidFill>
-                  <a:srgbClr val="569CD6"/>
-                </a:solidFill>
-                <a:latin typeface="Consolas" panose="020B0609020204030204" pitchFamily="49" charset="0"/>
-              </a:rPr>
-              <a:t>{</a:t>
-            </a:r>
-            <a:r>
-              <a:rPr lang="en-US" sz="1400" dirty="0">
-                <a:solidFill>
-                  <a:srgbClr val="4FC1FF"/>
-                </a:solidFill>
-                <a:latin typeface="Consolas" panose="020B0609020204030204" pitchFamily="49" charset="0"/>
-              </a:rPr>
-              <a:t>count</a:t>
-            </a:r>
-            <a:r>
-              <a:rPr lang="en-US" sz="1400" dirty="0">
-                <a:solidFill>
-                  <a:srgbClr val="569CD6"/>
-                </a:solidFill>
-                <a:latin typeface="Consolas" panose="020B0609020204030204" pitchFamily="49" charset="0"/>
-              </a:rPr>
-              <a:t>}</a:t>
-            </a:r>
-            <a:r>
-              <a:rPr lang="en-US" sz="1400" dirty="0">
-                <a:solidFill>
-                  <a:srgbClr val="808080"/>
-                </a:solidFill>
-                <a:latin typeface="Consolas" panose="020B0609020204030204" pitchFamily="49" charset="0"/>
-              </a:rPr>
-              <a:t>&lt;/</a:t>
-            </a:r>
-            <a:r>
-              <a:rPr lang="en-US" sz="1400" dirty="0">
-                <a:solidFill>
-                  <a:srgbClr val="569CD6"/>
-                </a:solidFill>
-                <a:latin typeface="Consolas" panose="020B0609020204030204" pitchFamily="49" charset="0"/>
-              </a:rPr>
-              <a:t>h1</a:t>
-            </a:r>
-            <a:r>
-              <a:rPr lang="en-US" sz="1400" dirty="0">
-                <a:solidFill>
-                  <a:srgbClr val="808080"/>
-                </a:solidFill>
-                <a:latin typeface="Consolas" panose="020B0609020204030204" pitchFamily="49" charset="0"/>
-              </a:rPr>
-              <a:t>&gt;</a:t>
-            </a:r>
-            <a:endParaRPr lang="en-US" sz="1400" dirty="0">
-              <a:solidFill>
-                <a:srgbClr val="CCCCCC"/>
-              </a:solidFill>
-              <a:latin typeface="Consolas" panose="020B0609020204030204" pitchFamily="49" charset="0"/>
-            </a:endParaRPr>
-          </a:p>
-          <a:p>
-            <a:r>
-              <a:rPr lang="en-US" sz="1400" dirty="0">
-                <a:solidFill>
-                  <a:srgbClr val="CCCCCC"/>
-                </a:solidFill>
-                <a:latin typeface="Consolas" panose="020B0609020204030204" pitchFamily="49" charset="0"/>
-              </a:rPr>
-              <a:t>      </a:t>
-            </a:r>
-            <a:r>
-              <a:rPr lang="en-US" sz="1400" dirty="0">
-                <a:solidFill>
-                  <a:srgbClr val="808080"/>
-                </a:solidFill>
-                <a:latin typeface="Consolas" panose="020B0609020204030204" pitchFamily="49" charset="0"/>
-              </a:rPr>
-              <a:t>&lt;</a:t>
-            </a:r>
-            <a:r>
-              <a:rPr lang="en-US" sz="1400" dirty="0">
-                <a:solidFill>
-                  <a:srgbClr val="4EC9B0"/>
-                </a:solidFill>
-                <a:latin typeface="Consolas" panose="020B0609020204030204" pitchFamily="49" charset="0"/>
-              </a:rPr>
-              <a:t>Print</a:t>
-            </a:r>
-            <a:r>
-              <a:rPr lang="en-US" sz="1400" dirty="0">
-                <a:solidFill>
-                  <a:srgbClr val="CCCCCC"/>
-                </a:solidFill>
-                <a:latin typeface="Consolas" panose="020B0609020204030204" pitchFamily="49" charset="0"/>
-              </a:rPr>
-              <a:t> </a:t>
-            </a:r>
-            <a:r>
-              <a:rPr lang="en-US" sz="1400" dirty="0">
-                <a:solidFill>
-                  <a:srgbClr val="9CDCFE"/>
-                </a:solidFill>
-                <a:latin typeface="Consolas" panose="020B0609020204030204" pitchFamily="49" charset="0"/>
-              </a:rPr>
-              <a:t>onClick</a:t>
-            </a:r>
-            <a:r>
-              <a:rPr lang="en-US" sz="1400" dirty="0">
-                <a:solidFill>
-                  <a:srgbClr val="D4D4D4"/>
-                </a:solidFill>
-                <a:latin typeface="Consolas" panose="020B0609020204030204" pitchFamily="49" charset="0"/>
-              </a:rPr>
-              <a:t>=</a:t>
-            </a:r>
-            <a:r>
-              <a:rPr lang="en-US" sz="1400" dirty="0">
-                <a:solidFill>
-                  <a:srgbClr val="569CD6"/>
-                </a:solidFill>
-                <a:latin typeface="Consolas" panose="020B0609020204030204" pitchFamily="49" charset="0"/>
-              </a:rPr>
-              <a:t>{</a:t>
-            </a:r>
-            <a:r>
-              <a:rPr lang="en-US" sz="1400" dirty="0">
-                <a:solidFill>
-                  <a:srgbClr val="DCDCAA"/>
-                </a:solidFill>
-                <a:latin typeface="Consolas" panose="020B0609020204030204" pitchFamily="49" charset="0"/>
-              </a:rPr>
-              <a:t>handleClick</a:t>
-            </a:r>
-            <a:r>
-              <a:rPr lang="en-US" sz="1400" dirty="0">
-                <a:solidFill>
-                  <a:srgbClr val="569CD6"/>
-                </a:solidFill>
-                <a:latin typeface="Consolas" panose="020B0609020204030204" pitchFamily="49" charset="0"/>
-              </a:rPr>
-              <a:t>}</a:t>
-            </a:r>
-            <a:r>
-              <a:rPr lang="en-US" sz="1400" dirty="0">
-                <a:solidFill>
-                  <a:srgbClr val="CCCCCC"/>
-                </a:solidFill>
-                <a:latin typeface="Consolas" panose="020B0609020204030204" pitchFamily="49" charset="0"/>
-              </a:rPr>
-              <a:t> </a:t>
-            </a:r>
-            <a:r>
-              <a:rPr lang="en-US" sz="1400" dirty="0">
-                <a:solidFill>
-                  <a:srgbClr val="808080"/>
-                </a:solidFill>
-                <a:latin typeface="Consolas" panose="020B0609020204030204" pitchFamily="49" charset="0"/>
-              </a:rPr>
-              <a:t>/&gt;</a:t>
-            </a:r>
-            <a:endParaRPr lang="en-US" sz="1400" dirty="0">
-              <a:solidFill>
-                <a:srgbClr val="CCCCCC"/>
-              </a:solidFill>
-              <a:latin typeface="Consolas" panose="020B0609020204030204" pitchFamily="49" charset="0"/>
-            </a:endParaRPr>
-          </a:p>
-          <a:p>
-            <a:r>
-              <a:rPr lang="en-US" sz="1400" dirty="0">
-                <a:solidFill>
-                  <a:srgbClr val="CCCCCC"/>
-                </a:solidFill>
-                <a:latin typeface="Consolas" panose="020B0609020204030204" pitchFamily="49" charset="0"/>
-              </a:rPr>
-              <a:t>    </a:t>
-            </a:r>
-            <a:r>
-              <a:rPr lang="en-US" sz="1400" dirty="0">
-                <a:solidFill>
-                  <a:srgbClr val="808080"/>
-                </a:solidFill>
-                <a:latin typeface="Consolas" panose="020B0609020204030204" pitchFamily="49" charset="0"/>
-              </a:rPr>
-              <a:t>&lt;/</a:t>
-            </a:r>
-            <a:r>
-              <a:rPr lang="en-US" sz="1400" dirty="0">
-                <a:solidFill>
-                  <a:srgbClr val="569CD6"/>
-                </a:solidFill>
-                <a:latin typeface="Consolas" panose="020B0609020204030204" pitchFamily="49" charset="0"/>
-              </a:rPr>
-              <a:t>div</a:t>
-            </a:r>
-            <a:r>
-              <a:rPr lang="en-US" sz="1400" dirty="0">
-                <a:solidFill>
-                  <a:srgbClr val="808080"/>
-                </a:solidFill>
-                <a:latin typeface="Consolas" panose="020B0609020204030204" pitchFamily="49" charset="0"/>
-              </a:rPr>
-              <a:t>&gt;</a:t>
-            </a:r>
-            <a:endParaRPr lang="en-US" sz="1400" dirty="0">
-              <a:solidFill>
-                <a:srgbClr val="CCCCCC"/>
-              </a:solidFill>
-              <a:latin typeface="Consolas" panose="020B0609020204030204" pitchFamily="49" charset="0"/>
-            </a:endParaRPr>
-          </a:p>
-          <a:p>
-            <a:r>
-              <a:rPr lang="en-US" sz="1400" dirty="0">
-                <a:solidFill>
-                  <a:srgbClr val="CCCCCC"/>
-                </a:solidFill>
-                <a:latin typeface="Consolas" panose="020B0609020204030204" pitchFamily="49" charset="0"/>
-              </a:rPr>
-              <a:t>  );</a:t>
-            </a:r>
-          </a:p>
-          <a:p>
-            <a:r>
-              <a:rPr lang="en-US" sz="1400" dirty="0">
-                <a:solidFill>
-                  <a:srgbClr val="CCCCCC"/>
-                </a:solidFill>
-                <a:latin typeface="Consolas" panose="020B0609020204030204" pitchFamily="49" charset="0"/>
-              </a:rPr>
-              <a:t>}</a:t>
-            </a:r>
-            <a:endParaRPr lang="en-US" sz="1400" b="0" dirty="0">
-              <a:solidFill>
-                <a:srgbClr val="CCCCCC"/>
-              </a:solidFill>
-              <a:effectLst/>
-              <a:latin typeface="Consolas" panose="020B0609020204030204" pitchFamily="49" charset="0"/>
-            </a:endParaRPr>
-          </a:p>
-        </p:txBody>
-      </p:sp>
     </p:spTree>
     <p:extLst>
       <p:ext uri="{BB962C8B-B14F-4D97-AF65-F5344CB8AC3E}">
-        <p14:creationId xmlns:p14="http://schemas.microsoft.com/office/powerpoint/2010/main" val="806534076"/>
+        <p14:creationId xmlns:p14="http://schemas.microsoft.com/office/powerpoint/2010/main" val="654487765"/>
       </p:ext>
     </p:extLst>
   </p:cSld>
@@ -5245,7 +5909,7 @@
                 <a:ea typeface="Tahoma" panose="020B0604030504040204" pitchFamily="34" charset="0"/>
                 <a:cs typeface="Tahoma" panose="020B0604030504040204" pitchFamily="34" charset="0"/>
               </a:rPr>
-              <a:t>Ví dụ</a:t>
+              <a:t>usememo là gì?</a:t>
             </a:r>
             <a:endParaRPr lang="en-US" dirty="0">
               <a:latin typeface="Tahoma" panose="020B0604030504040204" pitchFamily="34" charset="0"/>
@@ -5278,24 +5942,152 @@
           <a:lstStyle/>
           <a:p>
             <a:r>
-              <a:rPr lang="en-US" sz="1800" dirty="0" smtClean="0">
+              <a:rPr lang="en-US" smtClean="0">
                 <a:latin typeface="Tahoma" panose="020B0604030504040204" pitchFamily="34" charset="0"/>
                 <a:ea typeface="Tahoma" panose="020B0604030504040204" pitchFamily="34" charset="0"/>
                 <a:cs typeface="Tahoma" panose="020B0604030504040204" pitchFamily="34" charset="0"/>
               </a:rPr>
-              <a:t>Sau khi thực hiện click 5 lần thì nó lại in 5 lần log =&gt; component Print re-render 5 lần mặc dù đã sử dụng memo</a:t>
-            </a:r>
-          </a:p>
-          <a:p>
+              <a:t>Cũng tương tự như HOC memo, cũng có chức năng là ghi nhớ.</a:t>
+            </a:r>
+          </a:p>
+          <a:p>
+            <a:r>
+              <a:rPr lang="vi-VN" smtClean="0">
+                <a:latin typeface="Tahoma" panose="020B0604030504040204" pitchFamily="34" charset="0"/>
+                <a:ea typeface="Tahoma" panose="020B0604030504040204" pitchFamily="34" charset="0"/>
+                <a:cs typeface="Tahoma" panose="020B0604030504040204" pitchFamily="34" charset="0"/>
+              </a:rPr>
+              <a:t>useMemo</a:t>
+            </a:r>
+            <a:r>
+              <a:rPr lang="en-US" smtClean="0">
+                <a:latin typeface="Tahoma" panose="020B0604030504040204" pitchFamily="34" charset="0"/>
+                <a:ea typeface="Tahoma" panose="020B0604030504040204" pitchFamily="34" charset="0"/>
+                <a:cs typeface="Tahoma" panose="020B0604030504040204" pitchFamily="34" charset="0"/>
+              </a:rPr>
+              <a:t> </a:t>
+            </a:r>
+            <a:r>
+              <a:rPr lang="vi-VN" dirty="0" smtClean="0">
+                <a:latin typeface="Tahoma" panose="020B0604030504040204" pitchFamily="34" charset="0"/>
+                <a:ea typeface="Tahoma" panose="020B0604030504040204" pitchFamily="34" charset="0"/>
+                <a:cs typeface="Tahoma" panose="020B0604030504040204" pitchFamily="34" charset="0"/>
+              </a:rPr>
+              <a:t>là </a:t>
+            </a:r>
+            <a:r>
+              <a:rPr lang="vi-VN" dirty="0">
+                <a:latin typeface="Tahoma" panose="020B0604030504040204" pitchFamily="34" charset="0"/>
+                <a:ea typeface="Tahoma" panose="020B0604030504040204" pitchFamily="34" charset="0"/>
+                <a:cs typeface="Tahoma" panose="020B0604030504040204" pitchFamily="34" charset="0"/>
+              </a:rPr>
+              <a:t>một React Hook cho phép bạn lưu trữ kết quả tính toán giữa các lần </a:t>
+            </a:r>
             <a:r>
               <a:rPr lang="en-US" dirty="0" smtClean="0">
                 <a:latin typeface="Tahoma" panose="020B0604030504040204" pitchFamily="34" charset="0"/>
                 <a:ea typeface="Tahoma" panose="020B0604030504040204" pitchFamily="34" charset="0"/>
                 <a:cs typeface="Tahoma" panose="020B0604030504040204" pitchFamily="34" charset="0"/>
               </a:rPr>
-              <a:t>=&gt; Why???</a:t>
-            </a:r>
-            <a:endParaRPr lang="en-US" sz="1800" dirty="0" smtClean="0">
+              <a:t>re-renders</a:t>
+            </a:r>
+            <a:r>
+              <a:rPr lang="vi-VN" dirty="0" smtClean="0">
+                <a:latin typeface="Tahoma" panose="020B0604030504040204" pitchFamily="34" charset="0"/>
+                <a:ea typeface="Tahoma" panose="020B0604030504040204" pitchFamily="34" charset="0"/>
+                <a:cs typeface="Tahoma" panose="020B0604030504040204" pitchFamily="34" charset="0"/>
+              </a:rPr>
+              <a:t>.</a:t>
+            </a:r>
+            <a:endParaRPr lang="en-US" dirty="0" smtClean="0">
+              <a:latin typeface="Tahoma" panose="020B0604030504040204" pitchFamily="34" charset="0"/>
+              <a:ea typeface="Tahoma" panose="020B0604030504040204" pitchFamily="34" charset="0"/>
+              <a:cs typeface="Tahoma" panose="020B0604030504040204" pitchFamily="34" charset="0"/>
+            </a:endParaRPr>
+          </a:p>
+          <a:p>
+            <a:endParaRPr lang="en-US" dirty="0">
+              <a:latin typeface="Tahoma" panose="020B0604030504040204" pitchFamily="34" charset="0"/>
+              <a:ea typeface="Tahoma" panose="020B0604030504040204" pitchFamily="34" charset="0"/>
+              <a:cs typeface="Tahoma" panose="020B0604030504040204" pitchFamily="34" charset="0"/>
+            </a:endParaRPr>
+          </a:p>
+          <a:p>
+            <a:endParaRPr lang="en-US" dirty="0" smtClean="0">
+              <a:latin typeface="Tahoma" panose="020B0604030504040204" pitchFamily="34" charset="0"/>
+              <a:ea typeface="Tahoma" panose="020B0604030504040204" pitchFamily="34" charset="0"/>
+              <a:cs typeface="Tahoma" panose="020B0604030504040204" pitchFamily="34" charset="0"/>
+            </a:endParaRPr>
+          </a:p>
+          <a:p>
+            <a:endParaRPr lang="en-US" dirty="0">
+              <a:latin typeface="Tahoma" panose="020B0604030504040204" pitchFamily="34" charset="0"/>
+              <a:ea typeface="Tahoma" panose="020B0604030504040204" pitchFamily="34" charset="0"/>
+              <a:cs typeface="Tahoma" panose="020B0604030504040204" pitchFamily="34" charset="0"/>
+            </a:endParaRPr>
+          </a:p>
+          <a:p>
+            <a:r>
+              <a:rPr lang="en-US" dirty="0" smtClean="0">
+                <a:latin typeface="Tahoma" panose="020B0604030504040204" pitchFamily="34" charset="0"/>
+                <a:ea typeface="Tahoma" panose="020B0604030504040204" pitchFamily="34" charset="0"/>
+                <a:cs typeface="Tahoma" panose="020B0604030504040204" pitchFamily="34" charset="0"/>
+              </a:rPr>
+              <a:t>Nó sẽ thực hiện tính toán lại </a:t>
+            </a:r>
+            <a:r>
+              <a:rPr lang="en-US" dirty="0">
+                <a:latin typeface="Tahoma" panose="020B0604030504040204" pitchFamily="34" charset="0"/>
+                <a:ea typeface="Tahoma" panose="020B0604030504040204" pitchFamily="34" charset="0"/>
+                <a:cs typeface="Tahoma" panose="020B0604030504040204" pitchFamily="34" charset="0"/>
+              </a:rPr>
+              <a:t>nếu </a:t>
+            </a:r>
+            <a:r>
+              <a:rPr lang="en-US" dirty="0" smtClean="0">
+                <a:latin typeface="Tahoma" panose="020B0604030504040204" pitchFamily="34" charset="0"/>
+                <a:ea typeface="Tahoma" panose="020B0604030504040204" pitchFamily="34" charset="0"/>
+                <a:cs typeface="Tahoma" panose="020B0604030504040204" pitchFamily="34" charset="0"/>
+              </a:rPr>
+              <a:t>dependencies có thay đổi.</a:t>
+            </a:r>
+          </a:p>
+          <a:p>
+            <a:r>
+              <a:rPr lang="en-US" dirty="0">
+                <a:latin typeface="Tahoma" panose="020B0604030504040204" pitchFamily="34" charset="0"/>
+                <a:ea typeface="Tahoma" panose="020B0604030504040204" pitchFamily="34" charset="0"/>
+                <a:cs typeface="Tahoma" panose="020B0604030504040204" pitchFamily="34" charset="0"/>
+              </a:rPr>
+              <a:t>Nếu </a:t>
+            </a:r>
+            <a:r>
+              <a:rPr lang="en-US" dirty="0" smtClean="0">
+                <a:latin typeface="Tahoma" panose="020B0604030504040204" pitchFamily="34" charset="0"/>
+                <a:ea typeface="Tahoma" panose="020B0604030504040204" pitchFamily="34" charset="0"/>
+                <a:cs typeface="Tahoma" panose="020B0604030504040204" pitchFamily="34" charset="0"/>
+              </a:rPr>
+              <a:t>dependencies để empty </a:t>
+            </a:r>
+            <a:r>
+              <a:rPr lang="en-US" dirty="0">
+                <a:latin typeface="Tahoma" panose="020B0604030504040204" pitchFamily="34" charset="0"/>
+                <a:ea typeface="Tahoma" panose="020B0604030504040204" pitchFamily="34" charset="0"/>
+                <a:cs typeface="Tahoma" panose="020B0604030504040204" pitchFamily="34" charset="0"/>
+              </a:rPr>
+              <a:t>thì </a:t>
+            </a:r>
+            <a:r>
+              <a:rPr lang="en-US" dirty="0" smtClean="0">
+                <a:latin typeface="Tahoma" panose="020B0604030504040204" pitchFamily="34" charset="0"/>
+                <a:ea typeface="Tahoma" panose="020B0604030504040204" pitchFamily="34" charset="0"/>
+                <a:cs typeface="Tahoma" panose="020B0604030504040204" pitchFamily="34" charset="0"/>
+              </a:rPr>
+              <a:t>nó chỉ tính toán đúng 1 lần.</a:t>
+            </a:r>
+          </a:p>
+          <a:p>
+            <a:endParaRPr lang="en-US" dirty="0">
               <a:latin typeface="Tahoma" panose="020B0604030504040204" pitchFamily="34" charset="0"/>
               <a:ea typeface="Tahoma" panose="020B0604030504040204" pitchFamily="34" charset="0"/>
               <a:cs typeface="Tahoma" panose="020B0604030504040204" pitchFamily="34" charset="0"/>
@@ -5319,8 +6111,8 @@
         </p:blipFill>
         <p:spPr>
           <a:xfrm>
-            <a:off x="4338637" y="3775543"/>
-            <a:ext cx="3514725" cy="2200275"/>
+            <a:off x="3038475" y="3855547"/>
+            <a:ext cx="6115050" cy="742950"/>
           </a:xfrm>
           <a:prstGeom prst="rect">
             <a:avLst/>
@@ -5330,7 +6122,7 @@
     </p:spTree>
     <p:extLst>
       <p:ext uri="{BB962C8B-B14F-4D97-AF65-F5344CB8AC3E}">
-        <p14:creationId xmlns:p14="http://schemas.microsoft.com/office/powerpoint/2010/main" val="4263833505"/>
+        <p14:creationId xmlns:p14="http://schemas.microsoft.com/office/powerpoint/2010/main" val="1566690885"/>
       </p:ext>
     </p:extLst>
   </p:cSld>
@@ -5412,129 +6204,2344 @@
           </a:bodyPr>
           <a:lstStyle/>
           <a:p>
-            <a:r>
-              <a:rPr lang="en-US" sz="1800" dirty="0" smtClean="0">
-                <a:latin typeface="Tahoma" panose="020B0604030504040204" pitchFamily="34" charset="0"/>
-                <a:ea typeface="Tahoma" panose="020B0604030504040204" pitchFamily="34" charset="0"/>
-                <a:cs typeface="Tahoma" panose="020B0604030504040204" pitchFamily="34" charset="0"/>
-              </a:rPr>
-              <a:t>Khi re-render memo sẽ kiểm tra props trước và sau bằng toán tử ===</a:t>
-            </a:r>
-          </a:p>
-          <a:p>
-            <a:r>
-              <a:rPr lang="en-US" dirty="0" smtClean="0">
-                <a:latin typeface="Tahoma" panose="020B0604030504040204" pitchFamily="34" charset="0"/>
-                <a:ea typeface="Tahoma" panose="020B0604030504040204" pitchFamily="34" charset="0"/>
-                <a:cs typeface="Tahoma" panose="020B0604030504040204" pitchFamily="34" charset="0"/>
-              </a:rPr>
-              <a:t>Hãy để ý, mỗi lần re-render function </a:t>
-            </a:r>
-            <a:r>
-              <a:rPr lang="en-US" b="1" dirty="0" smtClean="0">
-                <a:solidFill>
-                  <a:srgbClr val="FF0000"/>
-                </a:solidFill>
-                <a:latin typeface="Consolas" panose="020B0609020204030204" pitchFamily="49" charset="0"/>
-              </a:rPr>
-              <a:t>handleClick</a:t>
-            </a:r>
-            <a:r>
-              <a:rPr lang="en-US" dirty="0" smtClean="0">
-                <a:latin typeface="Tahoma" panose="020B0604030504040204" pitchFamily="34" charset="0"/>
-                <a:ea typeface="Tahoma" panose="020B0604030504040204" pitchFamily="34" charset="0"/>
-                <a:cs typeface="Tahoma" panose="020B0604030504040204" pitchFamily="34" charset="0"/>
-              </a:rPr>
-              <a:t> sẽ được khởi tạo lại và được lưu vào một vùng nhớ mới =&gt; khi so sánh === nó sẽ khác nhau</a:t>
-            </a:r>
-          </a:p>
-          <a:p>
-            <a:r>
-              <a:rPr lang="en-US" sz="1800" b="1" dirty="0" smtClean="0">
-                <a:solidFill>
-                  <a:srgbClr val="FF0000"/>
-                </a:solidFill>
-                <a:latin typeface="Tahoma" panose="020B0604030504040204" pitchFamily="34" charset="0"/>
-                <a:ea typeface="Tahoma" panose="020B0604030504040204" pitchFamily="34" charset="0"/>
-                <a:cs typeface="Tahoma" panose="020B0604030504040204" pitchFamily="34" charset="0"/>
-              </a:rPr>
-              <a:t>=&gt; memo cho </a:t>
-            </a:r>
-            <a:r>
-              <a:rPr lang="en-US" b="1" dirty="0">
-                <a:solidFill>
-                  <a:srgbClr val="FF0000"/>
-                </a:solidFill>
-                <a:latin typeface="Tahoma" panose="020B0604030504040204" pitchFamily="34" charset="0"/>
-                <a:ea typeface="Tahoma" panose="020B0604030504040204" pitchFamily="34" charset="0"/>
-                <a:cs typeface="Tahoma" panose="020B0604030504040204" pitchFamily="34" charset="0"/>
-              </a:rPr>
-              <a:t>phép </a:t>
-            </a:r>
-            <a:r>
-              <a:rPr lang="en-US" b="1" dirty="0" smtClean="0">
-                <a:solidFill>
-                  <a:srgbClr val="FF0000"/>
-                </a:solidFill>
-                <a:latin typeface="Tahoma" panose="020B0604030504040204" pitchFamily="34" charset="0"/>
-                <a:ea typeface="Tahoma" panose="020B0604030504040204" pitchFamily="34" charset="0"/>
-                <a:cs typeface="Tahoma" panose="020B0604030504040204" pitchFamily="34" charset="0"/>
-              </a:rPr>
-              <a:t>component Print </a:t>
-            </a:r>
-            <a:r>
-              <a:rPr lang="en-US" sz="1800" b="1" dirty="0" smtClean="0">
-                <a:solidFill>
-                  <a:srgbClr val="FF0000"/>
-                </a:solidFill>
-                <a:latin typeface="Tahoma" panose="020B0604030504040204" pitchFamily="34" charset="0"/>
-                <a:ea typeface="Tahoma" panose="020B0604030504040204" pitchFamily="34" charset="0"/>
-                <a:cs typeface="Tahoma" panose="020B0604030504040204" pitchFamily="34" charset="0"/>
-              </a:rPr>
-              <a:t>re-render</a:t>
-            </a:r>
-          </a:p>
-          <a:p>
-            <a:r>
-              <a:rPr lang="en-US" b="1" dirty="0" smtClean="0">
-                <a:solidFill>
-                  <a:srgbClr val="FF0000"/>
-                </a:solidFill>
-                <a:latin typeface="Tahoma" panose="020B0604030504040204" pitchFamily="34" charset="0"/>
-                <a:ea typeface="Tahoma" panose="020B0604030504040204" pitchFamily="34" charset="0"/>
-                <a:cs typeface="Tahoma" panose="020B0604030504040204" pitchFamily="34" charset="0"/>
-              </a:rPr>
-              <a:t>=&gt; Thế làm sao để giải quyết vấn đề này?</a:t>
-            </a:r>
             <a:endParaRPr lang="en-US" sz="1800" dirty="0" smtClean="0">
               <a:latin typeface="Tahoma" panose="020B0604030504040204" pitchFamily="34" charset="0"/>
               <a:ea typeface="Tahoma" panose="020B0604030504040204" pitchFamily="34" charset="0"/>
               <a:cs typeface="Tahoma" panose="020B0604030504040204" pitchFamily="34" charset="0"/>
             </a:endParaRPr>
           </a:p>
-          <a:p>
-            <a:endParaRPr lang="en-US" dirty="0">
-              <a:latin typeface="Tahoma" panose="020B0604030504040204" pitchFamily="34" charset="0"/>
-              <a:ea typeface="Tahoma" panose="020B0604030504040204" pitchFamily="34" charset="0"/>
-              <a:cs typeface="Tahoma" panose="020B0604030504040204" pitchFamily="34" charset="0"/>
+        </p:txBody>
+      </p:sp>
+      <p:sp>
+        <p:nvSpPr>
+          <p:cNvPr id="5" name="Rectangle 4"/>
+          <p:cNvSpPr/>
+          <p:nvPr/>
+        </p:nvSpPr>
+        <p:spPr>
+          <a:xfrm>
+            <a:off x="2231136" y="2441843"/>
+            <a:ext cx="7729728" cy="4278094"/>
+          </a:xfrm>
+          <a:prstGeom prst="rect">
+            <a:avLst/>
+          </a:prstGeom>
+          <a:solidFill>
+            <a:schemeClr val="tx1"/>
+          </a:solidFill>
+        </p:spPr>
+        <p:txBody>
+          <a:bodyPr wrap="square">
+            <a:spAutoFit/>
+          </a:bodyPr>
+          <a:lstStyle/>
+          <a:p>
+            <a:r>
+              <a:rPr lang="en-US" altLang="ja-JP" sz="800">
+                <a:solidFill>
+                  <a:srgbClr val="569CD6"/>
+                </a:solidFill>
+                <a:latin typeface="Consolas" panose="020B0609020204030204" pitchFamily="49" charset="0"/>
+              </a:rPr>
+              <a:t>function</a:t>
+            </a:r>
+            <a:r>
+              <a:rPr lang="en-US" altLang="ja-JP" sz="800">
+                <a:solidFill>
+                  <a:srgbClr val="D4D4D4"/>
+                </a:solidFill>
+                <a:latin typeface="Consolas" panose="020B0609020204030204" pitchFamily="49" charset="0"/>
+              </a:rPr>
+              <a:t> </a:t>
+            </a:r>
+            <a:r>
+              <a:rPr lang="en-US" altLang="ja-JP" sz="800">
+                <a:solidFill>
+                  <a:srgbClr val="DCDCAA"/>
+                </a:solidFill>
+                <a:latin typeface="Consolas" panose="020B0609020204030204" pitchFamily="49" charset="0"/>
+              </a:rPr>
+              <a:t>App</a:t>
+            </a:r>
+            <a:r>
+              <a:rPr lang="en-US" altLang="ja-JP" sz="800">
+                <a:solidFill>
+                  <a:srgbClr val="D4D4D4"/>
+                </a:solidFill>
+                <a:latin typeface="Consolas" panose="020B0609020204030204" pitchFamily="49" charset="0"/>
+              </a:rPr>
+              <a:t>() {</a:t>
+            </a:r>
+          </a:p>
+          <a:p>
+            <a:r>
+              <a:rPr lang="en-US" altLang="ja-JP" sz="800">
+                <a:solidFill>
+                  <a:srgbClr val="D4D4D4"/>
+                </a:solidFill>
+                <a:latin typeface="Consolas" panose="020B0609020204030204" pitchFamily="49" charset="0"/>
+              </a:rPr>
+              <a:t>  </a:t>
+            </a:r>
+            <a:r>
+              <a:rPr lang="en-US" altLang="ja-JP" sz="800">
+                <a:solidFill>
+                  <a:srgbClr val="569CD6"/>
+                </a:solidFill>
+                <a:latin typeface="Consolas" panose="020B0609020204030204" pitchFamily="49" charset="0"/>
+              </a:rPr>
+              <a:t>const</a:t>
+            </a:r>
+            <a:r>
+              <a:rPr lang="en-US" altLang="ja-JP" sz="800">
+                <a:solidFill>
+                  <a:srgbClr val="D4D4D4"/>
+                </a:solidFill>
+                <a:latin typeface="Consolas" panose="020B0609020204030204" pitchFamily="49" charset="0"/>
+              </a:rPr>
+              <a:t> [</a:t>
+            </a:r>
+            <a:r>
+              <a:rPr lang="en-US" altLang="ja-JP" sz="800">
+                <a:solidFill>
+                  <a:srgbClr val="4FC1FF"/>
+                </a:solidFill>
+                <a:latin typeface="Consolas" panose="020B0609020204030204" pitchFamily="49" charset="0"/>
+              </a:rPr>
+              <a:t>count</a:t>
+            </a:r>
+            <a:r>
+              <a:rPr lang="en-US" altLang="ja-JP" sz="800">
+                <a:solidFill>
+                  <a:srgbClr val="D4D4D4"/>
+                </a:solidFill>
+                <a:latin typeface="Consolas" panose="020B0609020204030204" pitchFamily="49" charset="0"/>
+              </a:rPr>
+              <a:t>, </a:t>
+            </a:r>
+            <a:r>
+              <a:rPr lang="en-US" altLang="ja-JP" sz="800">
+                <a:solidFill>
+                  <a:srgbClr val="DCDCAA"/>
+                </a:solidFill>
+                <a:latin typeface="Consolas" panose="020B0609020204030204" pitchFamily="49" charset="0"/>
+              </a:rPr>
+              <a:t>setCount</a:t>
+            </a:r>
+            <a:r>
+              <a:rPr lang="en-US" altLang="ja-JP" sz="800">
+                <a:solidFill>
+                  <a:srgbClr val="D4D4D4"/>
+                </a:solidFill>
+                <a:latin typeface="Consolas" panose="020B0609020204030204" pitchFamily="49" charset="0"/>
+              </a:rPr>
+              <a:t>] = </a:t>
+            </a:r>
+            <a:r>
+              <a:rPr lang="en-US" altLang="ja-JP" sz="800">
+                <a:solidFill>
+                  <a:srgbClr val="DCDCAA"/>
+                </a:solidFill>
+                <a:latin typeface="Consolas" panose="020B0609020204030204" pitchFamily="49" charset="0"/>
+              </a:rPr>
+              <a:t>useState</a:t>
+            </a:r>
+            <a:r>
+              <a:rPr lang="en-US" altLang="ja-JP" sz="800">
+                <a:solidFill>
+                  <a:srgbClr val="D4D4D4"/>
+                </a:solidFill>
+                <a:latin typeface="Consolas" panose="020B0609020204030204" pitchFamily="49" charset="0"/>
+              </a:rPr>
+              <a:t>(</a:t>
+            </a:r>
+            <a:r>
+              <a:rPr lang="en-US" altLang="ja-JP" sz="800">
+                <a:solidFill>
+                  <a:srgbClr val="B5CEA8"/>
+                </a:solidFill>
+                <a:latin typeface="Consolas" panose="020B0609020204030204" pitchFamily="49" charset="0"/>
+              </a:rPr>
+              <a:t>0</a:t>
+            </a:r>
+            <a:r>
+              <a:rPr lang="en-US" altLang="ja-JP" sz="800">
+                <a:solidFill>
+                  <a:srgbClr val="D4D4D4"/>
+                </a:solidFill>
+                <a:latin typeface="Consolas" panose="020B0609020204030204" pitchFamily="49" charset="0"/>
+              </a:rPr>
+              <a:t>);</a:t>
+            </a:r>
+          </a:p>
+          <a:p>
+            <a:r>
+              <a:rPr lang="en-US" altLang="ja-JP" sz="800">
+                <a:solidFill>
+                  <a:srgbClr val="D4D4D4"/>
+                </a:solidFill>
+                <a:latin typeface="Consolas" panose="020B0609020204030204" pitchFamily="49" charset="0"/>
+              </a:rPr>
+              <a:t>  </a:t>
+            </a:r>
+            <a:r>
+              <a:rPr lang="en-US" altLang="ja-JP" sz="800">
+                <a:solidFill>
+                  <a:srgbClr val="569CD6"/>
+                </a:solidFill>
+                <a:latin typeface="Consolas" panose="020B0609020204030204" pitchFamily="49" charset="0"/>
+              </a:rPr>
+              <a:t>const</a:t>
+            </a:r>
+            <a:r>
+              <a:rPr lang="en-US" altLang="ja-JP" sz="800">
+                <a:solidFill>
+                  <a:srgbClr val="D4D4D4"/>
+                </a:solidFill>
+                <a:latin typeface="Consolas" panose="020B0609020204030204" pitchFamily="49" charset="0"/>
+              </a:rPr>
+              <a:t> [</a:t>
+            </a:r>
+            <a:r>
+              <a:rPr lang="en-US" altLang="ja-JP" sz="800">
+                <a:solidFill>
+                  <a:srgbClr val="4FC1FF"/>
+                </a:solidFill>
+                <a:latin typeface="Consolas" panose="020B0609020204030204" pitchFamily="49" charset="0"/>
+              </a:rPr>
+              <a:t>wordIndex</a:t>
+            </a:r>
+            <a:r>
+              <a:rPr lang="en-US" altLang="ja-JP" sz="800">
+                <a:solidFill>
+                  <a:srgbClr val="D4D4D4"/>
+                </a:solidFill>
+                <a:latin typeface="Consolas" panose="020B0609020204030204" pitchFamily="49" charset="0"/>
+              </a:rPr>
+              <a:t>, </a:t>
+            </a:r>
+            <a:r>
+              <a:rPr lang="en-US" altLang="ja-JP" sz="800">
+                <a:solidFill>
+                  <a:srgbClr val="DCDCAA"/>
+                </a:solidFill>
+                <a:latin typeface="Consolas" panose="020B0609020204030204" pitchFamily="49" charset="0"/>
+              </a:rPr>
+              <a:t>setWordIndex</a:t>
+            </a:r>
+            <a:r>
+              <a:rPr lang="en-US" altLang="ja-JP" sz="800">
+                <a:solidFill>
+                  <a:srgbClr val="D4D4D4"/>
+                </a:solidFill>
+                <a:latin typeface="Consolas" panose="020B0609020204030204" pitchFamily="49" charset="0"/>
+              </a:rPr>
+              <a:t>] = </a:t>
+            </a:r>
+            <a:r>
+              <a:rPr lang="en-US" altLang="ja-JP" sz="800">
+                <a:solidFill>
+                  <a:srgbClr val="DCDCAA"/>
+                </a:solidFill>
+                <a:latin typeface="Consolas" panose="020B0609020204030204" pitchFamily="49" charset="0"/>
+              </a:rPr>
+              <a:t>useState</a:t>
+            </a:r>
+            <a:r>
+              <a:rPr lang="en-US" altLang="ja-JP" sz="800">
+                <a:solidFill>
+                  <a:srgbClr val="D4D4D4"/>
+                </a:solidFill>
+                <a:latin typeface="Consolas" panose="020B0609020204030204" pitchFamily="49" charset="0"/>
+              </a:rPr>
+              <a:t>(</a:t>
+            </a:r>
+            <a:r>
+              <a:rPr lang="en-US" altLang="ja-JP" sz="800">
+                <a:solidFill>
+                  <a:srgbClr val="B5CEA8"/>
+                </a:solidFill>
+                <a:latin typeface="Consolas" panose="020B0609020204030204" pitchFamily="49" charset="0"/>
+              </a:rPr>
+              <a:t>0</a:t>
+            </a:r>
+            <a:r>
+              <a:rPr lang="en-US" altLang="ja-JP" sz="800" smtClean="0">
+                <a:solidFill>
+                  <a:srgbClr val="D4D4D4"/>
+                </a:solidFill>
+                <a:latin typeface="Consolas" panose="020B0609020204030204" pitchFamily="49" charset="0"/>
+              </a:rPr>
+              <a:t>);</a:t>
+            </a:r>
+          </a:p>
+          <a:p>
+            <a:r>
+              <a:rPr lang="en-US" altLang="ja-JP" sz="800">
+                <a:solidFill>
+                  <a:srgbClr val="D4D4D4"/>
+                </a:solidFill>
+                <a:latin typeface="Consolas" panose="020B0609020204030204" pitchFamily="49" charset="0"/>
+              </a:rPr>
+              <a:t/>
+            </a:r>
+            <a:br>
+              <a:rPr lang="en-US" altLang="ja-JP" sz="800">
+                <a:solidFill>
+                  <a:srgbClr val="D4D4D4"/>
+                </a:solidFill>
+                <a:latin typeface="Consolas" panose="020B0609020204030204" pitchFamily="49" charset="0"/>
+              </a:rPr>
+            </a:br>
+            <a:r>
+              <a:rPr lang="en-US" altLang="ja-JP" sz="800">
+                <a:solidFill>
+                  <a:srgbClr val="D4D4D4"/>
+                </a:solidFill>
+                <a:latin typeface="Consolas" panose="020B0609020204030204" pitchFamily="49" charset="0"/>
+              </a:rPr>
+              <a:t>  </a:t>
+            </a:r>
+            <a:r>
+              <a:rPr lang="en-US" altLang="ja-JP" sz="800">
+                <a:solidFill>
+                  <a:srgbClr val="569CD6"/>
+                </a:solidFill>
+                <a:latin typeface="Consolas" panose="020B0609020204030204" pitchFamily="49" charset="0"/>
+              </a:rPr>
+              <a:t>const</a:t>
+            </a:r>
+            <a:r>
+              <a:rPr lang="en-US" altLang="ja-JP" sz="800">
+                <a:solidFill>
+                  <a:srgbClr val="D4D4D4"/>
+                </a:solidFill>
+                <a:latin typeface="Consolas" panose="020B0609020204030204" pitchFamily="49" charset="0"/>
+              </a:rPr>
+              <a:t> </a:t>
+            </a:r>
+            <a:r>
+              <a:rPr lang="en-US" altLang="ja-JP" sz="800">
+                <a:solidFill>
+                  <a:srgbClr val="4FC1FF"/>
+                </a:solidFill>
+                <a:latin typeface="Consolas" panose="020B0609020204030204" pitchFamily="49" charset="0"/>
+              </a:rPr>
+              <a:t>words</a:t>
+            </a:r>
+            <a:r>
+              <a:rPr lang="en-US" altLang="ja-JP" sz="800">
+                <a:solidFill>
+                  <a:srgbClr val="D4D4D4"/>
+                </a:solidFill>
+                <a:latin typeface="Consolas" panose="020B0609020204030204" pitchFamily="49" charset="0"/>
+              </a:rPr>
+              <a:t> = [</a:t>
+            </a:r>
+            <a:r>
+              <a:rPr lang="en-US" altLang="ja-JP" sz="800">
+                <a:solidFill>
+                  <a:srgbClr val="CE9178"/>
+                </a:solidFill>
+                <a:latin typeface="Consolas" panose="020B0609020204030204" pitchFamily="49" charset="0"/>
+              </a:rPr>
+              <a:t>"hey"</a:t>
+            </a:r>
+            <a:r>
+              <a:rPr lang="en-US" altLang="ja-JP" sz="800">
+                <a:solidFill>
+                  <a:srgbClr val="D4D4D4"/>
+                </a:solidFill>
+                <a:latin typeface="Consolas" panose="020B0609020204030204" pitchFamily="49" charset="0"/>
+              </a:rPr>
+              <a:t>, </a:t>
+            </a:r>
+            <a:r>
+              <a:rPr lang="en-US" altLang="ja-JP" sz="800">
+                <a:solidFill>
+                  <a:srgbClr val="CE9178"/>
+                </a:solidFill>
+                <a:latin typeface="Consolas" panose="020B0609020204030204" pitchFamily="49" charset="0"/>
+              </a:rPr>
+              <a:t>"this"</a:t>
+            </a:r>
+            <a:r>
+              <a:rPr lang="en-US" altLang="ja-JP" sz="800">
+                <a:solidFill>
+                  <a:srgbClr val="D4D4D4"/>
+                </a:solidFill>
+                <a:latin typeface="Consolas" panose="020B0609020204030204" pitchFamily="49" charset="0"/>
+              </a:rPr>
+              <a:t>, </a:t>
+            </a:r>
+            <a:r>
+              <a:rPr lang="en-US" altLang="ja-JP" sz="800">
+                <a:solidFill>
+                  <a:srgbClr val="CE9178"/>
+                </a:solidFill>
+                <a:latin typeface="Consolas" panose="020B0609020204030204" pitchFamily="49" charset="0"/>
+              </a:rPr>
+              <a:t>"is"</a:t>
+            </a:r>
+            <a:r>
+              <a:rPr lang="en-US" altLang="ja-JP" sz="800">
+                <a:solidFill>
+                  <a:srgbClr val="D4D4D4"/>
+                </a:solidFill>
+                <a:latin typeface="Consolas" panose="020B0609020204030204" pitchFamily="49" charset="0"/>
+              </a:rPr>
+              <a:t>, </a:t>
+            </a:r>
+            <a:r>
+              <a:rPr lang="en-US" altLang="ja-JP" sz="800">
+                <a:solidFill>
+                  <a:srgbClr val="CE9178"/>
+                </a:solidFill>
+                <a:latin typeface="Consolas" panose="020B0609020204030204" pitchFamily="49" charset="0"/>
+              </a:rPr>
+              <a:t>"cool"</a:t>
+            </a:r>
+            <a:r>
+              <a:rPr lang="en-US" altLang="ja-JP" sz="800">
+                <a:solidFill>
+                  <a:srgbClr val="D4D4D4"/>
+                </a:solidFill>
+                <a:latin typeface="Consolas" panose="020B0609020204030204" pitchFamily="49" charset="0"/>
+              </a:rPr>
+              <a:t>];</a:t>
+            </a:r>
+          </a:p>
+          <a:p>
+            <a:r>
+              <a:rPr lang="en-US" altLang="ja-JP" sz="800">
+                <a:solidFill>
+                  <a:srgbClr val="D4D4D4"/>
+                </a:solidFill>
+                <a:latin typeface="Consolas" panose="020B0609020204030204" pitchFamily="49" charset="0"/>
+              </a:rPr>
+              <a:t>  </a:t>
+            </a:r>
+            <a:r>
+              <a:rPr lang="en-US" altLang="ja-JP" sz="800">
+                <a:solidFill>
+                  <a:srgbClr val="569CD6"/>
+                </a:solidFill>
+                <a:latin typeface="Consolas" panose="020B0609020204030204" pitchFamily="49" charset="0"/>
+              </a:rPr>
+              <a:t>const</a:t>
+            </a:r>
+            <a:r>
+              <a:rPr lang="en-US" altLang="ja-JP" sz="800">
+                <a:solidFill>
+                  <a:srgbClr val="D4D4D4"/>
+                </a:solidFill>
+                <a:latin typeface="Consolas" panose="020B0609020204030204" pitchFamily="49" charset="0"/>
+              </a:rPr>
+              <a:t> </a:t>
+            </a:r>
+            <a:r>
+              <a:rPr lang="en-US" altLang="ja-JP" sz="800">
+                <a:solidFill>
+                  <a:srgbClr val="4FC1FF"/>
+                </a:solidFill>
+                <a:latin typeface="Consolas" panose="020B0609020204030204" pitchFamily="49" charset="0"/>
+              </a:rPr>
+              <a:t>word</a:t>
+            </a:r>
+            <a:r>
+              <a:rPr lang="en-US" altLang="ja-JP" sz="800">
+                <a:solidFill>
+                  <a:srgbClr val="D4D4D4"/>
+                </a:solidFill>
+                <a:latin typeface="Consolas" panose="020B0609020204030204" pitchFamily="49" charset="0"/>
+              </a:rPr>
+              <a:t> =</a:t>
+            </a:r>
+            <a:r>
+              <a:rPr lang="en-US" altLang="ja-JP" sz="800">
+                <a:solidFill>
+                  <a:srgbClr val="9CDCFE"/>
+                </a:solidFill>
+                <a:latin typeface="Consolas" panose="020B0609020204030204" pitchFamily="49" charset="0"/>
+              </a:rPr>
+              <a:t> </a:t>
+            </a:r>
+            <a:r>
+              <a:rPr lang="en-US" altLang="ja-JP" sz="800">
+                <a:solidFill>
+                  <a:srgbClr val="4FC1FF"/>
+                </a:solidFill>
+                <a:latin typeface="Consolas" panose="020B0609020204030204" pitchFamily="49" charset="0"/>
+              </a:rPr>
+              <a:t>words</a:t>
+            </a:r>
+            <a:r>
+              <a:rPr lang="en-US" altLang="ja-JP" sz="800">
+                <a:solidFill>
+                  <a:srgbClr val="D4D4D4"/>
+                </a:solidFill>
+                <a:latin typeface="Consolas" panose="020B0609020204030204" pitchFamily="49" charset="0"/>
+              </a:rPr>
+              <a:t>[</a:t>
+            </a:r>
+            <a:r>
+              <a:rPr lang="en-US" altLang="ja-JP" sz="800">
+                <a:solidFill>
+                  <a:srgbClr val="4FC1FF"/>
+                </a:solidFill>
+                <a:latin typeface="Consolas" panose="020B0609020204030204" pitchFamily="49" charset="0"/>
+              </a:rPr>
+              <a:t>wordIndex</a:t>
+            </a:r>
+            <a:r>
+              <a:rPr lang="en-US" altLang="ja-JP" sz="800">
+                <a:solidFill>
+                  <a:srgbClr val="D4D4D4"/>
+                </a:solidFill>
+                <a:latin typeface="Consolas" panose="020B0609020204030204" pitchFamily="49" charset="0"/>
+              </a:rPr>
+              <a:t>];</a:t>
+            </a:r>
+          </a:p>
+          <a:p>
+            <a:r>
+              <a:rPr lang="en-US" altLang="ja-JP" sz="800">
+                <a:solidFill>
+                  <a:srgbClr val="D4D4D4"/>
+                </a:solidFill>
+                <a:latin typeface="Consolas" panose="020B0609020204030204" pitchFamily="49" charset="0"/>
+              </a:rPr>
+              <a:t/>
+            </a:r>
+            <a:br>
+              <a:rPr lang="en-US" altLang="ja-JP" sz="800">
+                <a:solidFill>
+                  <a:srgbClr val="D4D4D4"/>
+                </a:solidFill>
+                <a:latin typeface="Consolas" panose="020B0609020204030204" pitchFamily="49" charset="0"/>
+              </a:rPr>
+            </a:br>
+            <a:r>
+              <a:rPr lang="en-US" altLang="ja-JP" sz="800">
+                <a:solidFill>
+                  <a:srgbClr val="D4D4D4"/>
+                </a:solidFill>
+                <a:latin typeface="Consolas" panose="020B0609020204030204" pitchFamily="49" charset="0"/>
+              </a:rPr>
+              <a:t>  </a:t>
+            </a:r>
+            <a:r>
+              <a:rPr lang="en-US" altLang="ja-JP" sz="800">
+                <a:solidFill>
+                  <a:srgbClr val="569CD6"/>
+                </a:solidFill>
+                <a:latin typeface="Consolas" panose="020B0609020204030204" pitchFamily="49" charset="0"/>
+              </a:rPr>
+              <a:t>const</a:t>
+            </a:r>
+            <a:r>
+              <a:rPr lang="en-US" altLang="ja-JP" sz="800">
+                <a:solidFill>
+                  <a:srgbClr val="D4D4D4"/>
+                </a:solidFill>
+                <a:latin typeface="Consolas" panose="020B0609020204030204" pitchFamily="49" charset="0"/>
+              </a:rPr>
+              <a:t> </a:t>
+            </a:r>
+            <a:r>
+              <a:rPr lang="en-US" altLang="ja-JP" sz="800">
+                <a:solidFill>
+                  <a:srgbClr val="DCDCAA"/>
+                </a:solidFill>
+                <a:latin typeface="Consolas" panose="020B0609020204030204" pitchFamily="49" charset="0"/>
+              </a:rPr>
+              <a:t>computeLetterCount</a:t>
+            </a:r>
+            <a:r>
+              <a:rPr lang="en-US" altLang="ja-JP" sz="800">
+                <a:solidFill>
+                  <a:srgbClr val="D4D4D4"/>
+                </a:solidFill>
+                <a:latin typeface="Consolas" panose="020B0609020204030204" pitchFamily="49" charset="0"/>
+              </a:rPr>
+              <a:t> = (</a:t>
+            </a:r>
+            <a:r>
+              <a:rPr lang="en-US" altLang="ja-JP" sz="800">
+                <a:solidFill>
+                  <a:srgbClr val="9CDCFE"/>
+                </a:solidFill>
+                <a:latin typeface="Consolas" panose="020B0609020204030204" pitchFamily="49" charset="0"/>
+              </a:rPr>
+              <a:t>word</a:t>
+            </a:r>
+            <a:r>
+              <a:rPr lang="en-US" altLang="ja-JP" sz="800">
+                <a:solidFill>
+                  <a:srgbClr val="D4D4D4"/>
+                </a:solidFill>
+                <a:latin typeface="Consolas" panose="020B0609020204030204" pitchFamily="49" charset="0"/>
+              </a:rPr>
+              <a:t>) </a:t>
+            </a:r>
+            <a:r>
+              <a:rPr lang="en-US" altLang="ja-JP" sz="800">
+                <a:solidFill>
+                  <a:srgbClr val="569CD6"/>
+                </a:solidFill>
+                <a:latin typeface="Consolas" panose="020B0609020204030204" pitchFamily="49" charset="0"/>
+              </a:rPr>
+              <a:t>=&gt;</a:t>
+            </a:r>
+            <a:r>
+              <a:rPr lang="en-US" altLang="ja-JP" sz="800">
+                <a:solidFill>
+                  <a:srgbClr val="D4D4D4"/>
+                </a:solidFill>
+                <a:latin typeface="Consolas" panose="020B0609020204030204" pitchFamily="49" charset="0"/>
+              </a:rPr>
+              <a:t> {</a:t>
+            </a:r>
+          </a:p>
+          <a:p>
+            <a:r>
+              <a:rPr lang="en-US" altLang="ja-JP" sz="800">
+                <a:solidFill>
+                  <a:srgbClr val="D4D4D4"/>
+                </a:solidFill>
+                <a:latin typeface="Consolas" panose="020B0609020204030204" pitchFamily="49" charset="0"/>
+              </a:rPr>
+              <a:t>    </a:t>
+            </a:r>
+            <a:r>
+              <a:rPr lang="en-US" altLang="ja-JP" sz="800">
+                <a:solidFill>
+                  <a:srgbClr val="569CD6"/>
+                </a:solidFill>
+                <a:latin typeface="Consolas" panose="020B0609020204030204" pitchFamily="49" charset="0"/>
+              </a:rPr>
+              <a:t>let</a:t>
+            </a:r>
+            <a:r>
+              <a:rPr lang="en-US" altLang="ja-JP" sz="800">
+                <a:solidFill>
+                  <a:srgbClr val="D4D4D4"/>
+                </a:solidFill>
+                <a:latin typeface="Consolas" panose="020B0609020204030204" pitchFamily="49" charset="0"/>
+              </a:rPr>
+              <a:t> </a:t>
+            </a:r>
+            <a:r>
+              <a:rPr lang="en-US" altLang="ja-JP" sz="800">
+                <a:solidFill>
+                  <a:srgbClr val="9CDCFE"/>
+                </a:solidFill>
+                <a:latin typeface="Consolas" panose="020B0609020204030204" pitchFamily="49" charset="0"/>
+              </a:rPr>
+              <a:t>i</a:t>
+            </a:r>
+            <a:r>
+              <a:rPr lang="en-US" altLang="ja-JP" sz="800">
+                <a:solidFill>
+                  <a:srgbClr val="D4D4D4"/>
+                </a:solidFill>
+                <a:latin typeface="Consolas" panose="020B0609020204030204" pitchFamily="49" charset="0"/>
+              </a:rPr>
+              <a:t> = </a:t>
+            </a:r>
+            <a:r>
+              <a:rPr lang="en-US" altLang="ja-JP" sz="800">
+                <a:solidFill>
+                  <a:srgbClr val="B5CEA8"/>
+                </a:solidFill>
+                <a:latin typeface="Consolas" panose="020B0609020204030204" pitchFamily="49" charset="0"/>
+              </a:rPr>
+              <a:t>0</a:t>
+            </a:r>
+            <a:r>
+              <a:rPr lang="en-US" altLang="ja-JP" sz="800">
+                <a:solidFill>
+                  <a:srgbClr val="D4D4D4"/>
+                </a:solidFill>
+                <a:latin typeface="Consolas" panose="020B0609020204030204" pitchFamily="49" charset="0"/>
+              </a:rPr>
+              <a:t>;</a:t>
+            </a:r>
+          </a:p>
+          <a:p>
+            <a:r>
+              <a:rPr lang="en-US" altLang="ja-JP" sz="800">
+                <a:solidFill>
+                  <a:srgbClr val="D4D4D4"/>
+                </a:solidFill>
+                <a:latin typeface="Consolas" panose="020B0609020204030204" pitchFamily="49" charset="0"/>
+              </a:rPr>
+              <a:t>    </a:t>
+            </a:r>
+            <a:r>
+              <a:rPr lang="en-US" altLang="ja-JP" sz="800">
+                <a:solidFill>
+                  <a:srgbClr val="C586C0"/>
+                </a:solidFill>
+                <a:latin typeface="Consolas" panose="020B0609020204030204" pitchFamily="49" charset="0"/>
+              </a:rPr>
+              <a:t>while</a:t>
+            </a:r>
+            <a:r>
+              <a:rPr lang="en-US" altLang="ja-JP" sz="800">
+                <a:solidFill>
+                  <a:srgbClr val="D4D4D4"/>
+                </a:solidFill>
+                <a:latin typeface="Consolas" panose="020B0609020204030204" pitchFamily="49" charset="0"/>
+              </a:rPr>
+              <a:t> (</a:t>
+            </a:r>
+            <a:r>
+              <a:rPr lang="en-US" altLang="ja-JP" sz="800">
+                <a:solidFill>
+                  <a:srgbClr val="9CDCFE"/>
+                </a:solidFill>
+                <a:latin typeface="Consolas" panose="020B0609020204030204" pitchFamily="49" charset="0"/>
+              </a:rPr>
+              <a:t>i</a:t>
+            </a:r>
+            <a:r>
+              <a:rPr lang="en-US" altLang="ja-JP" sz="800">
+                <a:solidFill>
+                  <a:srgbClr val="D4D4D4"/>
+                </a:solidFill>
+                <a:latin typeface="Consolas" panose="020B0609020204030204" pitchFamily="49" charset="0"/>
+              </a:rPr>
+              <a:t> &lt; </a:t>
+            </a:r>
+            <a:r>
+              <a:rPr lang="en-US" altLang="ja-JP" sz="800">
+                <a:solidFill>
+                  <a:srgbClr val="B5CEA8"/>
+                </a:solidFill>
+                <a:latin typeface="Consolas" panose="020B0609020204030204" pitchFamily="49" charset="0"/>
+              </a:rPr>
+              <a:t>1000000000</a:t>
+            </a:r>
+            <a:r>
+              <a:rPr lang="en-US" altLang="ja-JP" sz="800">
+                <a:solidFill>
+                  <a:srgbClr val="D4D4D4"/>
+                </a:solidFill>
+                <a:latin typeface="Consolas" panose="020B0609020204030204" pitchFamily="49" charset="0"/>
+              </a:rPr>
+              <a:t>) </a:t>
+            </a:r>
+            <a:r>
+              <a:rPr lang="en-US" altLang="ja-JP" sz="800">
+                <a:solidFill>
+                  <a:srgbClr val="9CDCFE"/>
+                </a:solidFill>
+                <a:latin typeface="Consolas" panose="020B0609020204030204" pitchFamily="49" charset="0"/>
+              </a:rPr>
+              <a:t>i</a:t>
+            </a:r>
+            <a:r>
+              <a:rPr lang="en-US" altLang="ja-JP" sz="800">
+                <a:solidFill>
+                  <a:srgbClr val="D4D4D4"/>
+                </a:solidFill>
+                <a:latin typeface="Consolas" panose="020B0609020204030204" pitchFamily="49" charset="0"/>
+              </a:rPr>
+              <a:t>++;</a:t>
+            </a:r>
+          </a:p>
+          <a:p>
+            <a:r>
+              <a:rPr lang="en-US" altLang="ja-JP" sz="800">
+                <a:solidFill>
+                  <a:srgbClr val="D4D4D4"/>
+                </a:solidFill>
+                <a:latin typeface="Consolas" panose="020B0609020204030204" pitchFamily="49" charset="0"/>
+              </a:rPr>
+              <a:t>    </a:t>
+            </a:r>
+            <a:r>
+              <a:rPr lang="en-US" altLang="ja-JP" sz="800">
+                <a:solidFill>
+                  <a:srgbClr val="C586C0"/>
+                </a:solidFill>
+                <a:latin typeface="Consolas" panose="020B0609020204030204" pitchFamily="49" charset="0"/>
+              </a:rPr>
+              <a:t>return</a:t>
+            </a:r>
+            <a:r>
+              <a:rPr lang="en-US" altLang="ja-JP" sz="800">
+                <a:solidFill>
+                  <a:srgbClr val="9CDCFE"/>
+                </a:solidFill>
+                <a:latin typeface="Consolas" panose="020B0609020204030204" pitchFamily="49" charset="0"/>
+              </a:rPr>
+              <a:t> word</a:t>
+            </a:r>
+            <a:r>
+              <a:rPr lang="en-US" altLang="ja-JP" sz="800">
+                <a:solidFill>
+                  <a:srgbClr val="D4D4D4"/>
+                </a:solidFill>
+                <a:latin typeface="Consolas" panose="020B0609020204030204" pitchFamily="49" charset="0"/>
+              </a:rPr>
+              <a:t>.</a:t>
+            </a:r>
+            <a:r>
+              <a:rPr lang="en-US" altLang="ja-JP" sz="800">
+                <a:solidFill>
+                  <a:srgbClr val="9CDCFE"/>
+                </a:solidFill>
+                <a:latin typeface="Consolas" panose="020B0609020204030204" pitchFamily="49" charset="0"/>
+              </a:rPr>
+              <a:t>length</a:t>
+            </a:r>
+            <a:r>
+              <a:rPr lang="en-US" altLang="ja-JP" sz="800">
+                <a:solidFill>
+                  <a:srgbClr val="D4D4D4"/>
+                </a:solidFill>
+                <a:latin typeface="Consolas" panose="020B0609020204030204" pitchFamily="49" charset="0"/>
+              </a:rPr>
+              <a:t>;</a:t>
+            </a:r>
+          </a:p>
+          <a:p>
+            <a:r>
+              <a:rPr lang="en-US" altLang="ja-JP" sz="800">
+                <a:solidFill>
+                  <a:srgbClr val="D4D4D4"/>
+                </a:solidFill>
+                <a:latin typeface="Consolas" panose="020B0609020204030204" pitchFamily="49" charset="0"/>
+              </a:rPr>
+              <a:t> </a:t>
+            </a:r>
+            <a:r>
+              <a:rPr lang="en-US" altLang="ja-JP" sz="800">
+                <a:solidFill>
+                  <a:srgbClr val="D4D4D4"/>
+                </a:solidFill>
+                <a:latin typeface="Consolas" panose="020B0609020204030204" pitchFamily="49" charset="0"/>
+              </a:rPr>
+              <a:t> </a:t>
+            </a:r>
+            <a:r>
+              <a:rPr lang="en-US" altLang="ja-JP" sz="800" smtClean="0">
+                <a:solidFill>
+                  <a:srgbClr val="D4D4D4"/>
+                </a:solidFill>
+                <a:latin typeface="Consolas" panose="020B0609020204030204" pitchFamily="49" charset="0"/>
+              </a:rPr>
+              <a:t>};</a:t>
+            </a:r>
+          </a:p>
+          <a:p>
+            <a:r>
+              <a:rPr lang="en-US" altLang="ja-JP" sz="800">
+                <a:solidFill>
+                  <a:srgbClr val="D4D4D4"/>
+                </a:solidFill>
+                <a:latin typeface="Consolas" panose="020B0609020204030204" pitchFamily="49" charset="0"/>
+              </a:rPr>
+              <a:t/>
+            </a:r>
+            <a:br>
+              <a:rPr lang="en-US" altLang="ja-JP" sz="800">
+                <a:solidFill>
+                  <a:srgbClr val="D4D4D4"/>
+                </a:solidFill>
+                <a:latin typeface="Consolas" panose="020B0609020204030204" pitchFamily="49" charset="0"/>
+              </a:rPr>
+            </a:br>
+            <a:r>
+              <a:rPr lang="en-US" altLang="ja-JP" sz="800">
+                <a:solidFill>
+                  <a:srgbClr val="D4D4D4"/>
+                </a:solidFill>
+                <a:latin typeface="Consolas" panose="020B0609020204030204" pitchFamily="49" charset="0"/>
+              </a:rPr>
+              <a:t>  </a:t>
+            </a:r>
+            <a:r>
+              <a:rPr lang="en-US" altLang="ja-JP" sz="800">
+                <a:solidFill>
+                  <a:srgbClr val="569CD6"/>
+                </a:solidFill>
+                <a:latin typeface="Consolas" panose="020B0609020204030204" pitchFamily="49" charset="0"/>
+              </a:rPr>
+              <a:t>const</a:t>
+            </a:r>
+            <a:r>
+              <a:rPr lang="en-US" altLang="ja-JP" sz="800">
+                <a:solidFill>
+                  <a:srgbClr val="D4D4D4"/>
+                </a:solidFill>
+                <a:latin typeface="Consolas" panose="020B0609020204030204" pitchFamily="49" charset="0"/>
+              </a:rPr>
+              <a:t> </a:t>
+            </a:r>
+            <a:r>
+              <a:rPr lang="en-US" altLang="ja-JP" sz="800">
+                <a:solidFill>
+                  <a:srgbClr val="4FC1FF"/>
+                </a:solidFill>
+                <a:latin typeface="Consolas" panose="020B0609020204030204" pitchFamily="49" charset="0"/>
+              </a:rPr>
+              <a:t>letterCount</a:t>
+            </a:r>
+            <a:r>
+              <a:rPr lang="en-US" altLang="ja-JP" sz="800">
+                <a:solidFill>
+                  <a:srgbClr val="D4D4D4"/>
+                </a:solidFill>
+                <a:latin typeface="Consolas" panose="020B0609020204030204" pitchFamily="49" charset="0"/>
+              </a:rPr>
+              <a:t> </a:t>
+            </a:r>
+            <a:r>
+              <a:rPr lang="en-US" altLang="ja-JP" sz="800">
+                <a:solidFill>
+                  <a:srgbClr val="D4D4D4"/>
+                </a:solidFill>
+                <a:latin typeface="Consolas" panose="020B0609020204030204" pitchFamily="49" charset="0"/>
+              </a:rPr>
+              <a:t>= </a:t>
+            </a:r>
+            <a:r>
+              <a:rPr lang="en-US" altLang="ja-JP" sz="800">
+                <a:solidFill>
+                  <a:srgbClr val="DCDCAA"/>
+                </a:solidFill>
+                <a:latin typeface="Consolas" panose="020B0609020204030204" pitchFamily="49" charset="0"/>
+              </a:rPr>
+              <a:t>useMemo(() =&gt; computeLetterCount(word), [word]);</a:t>
+            </a:r>
+            <a:endParaRPr lang="en-US" altLang="ja-JP" sz="800" smtClean="0">
+              <a:solidFill>
+                <a:srgbClr val="D4D4D4"/>
+              </a:solidFill>
+              <a:latin typeface="Consolas" panose="020B0609020204030204" pitchFamily="49" charset="0"/>
             </a:endParaRPr>
           </a:p>
           <a:p>
             <a:r>
-              <a:rPr lang="en-US" sz="1800" dirty="0" smtClean="0">
-                <a:latin typeface="Tahoma" panose="020B0604030504040204" pitchFamily="34" charset="0"/>
-                <a:ea typeface="Tahoma" panose="020B0604030504040204" pitchFamily="34" charset="0"/>
-                <a:cs typeface="Tahoma" panose="020B0604030504040204" pitchFamily="34" charset="0"/>
-              </a:rPr>
-              <a:t>Note: == chỉ so sánh giá trị, === so sánh giá trị, kiểu dữ liệu, địa chỉ ô nhớ</a:t>
-            </a:r>
+              <a:rPr lang="en-US" altLang="ja-JP" sz="800">
+                <a:solidFill>
+                  <a:srgbClr val="D4D4D4"/>
+                </a:solidFill>
+                <a:latin typeface="Consolas" panose="020B0609020204030204" pitchFamily="49" charset="0"/>
+              </a:rPr>
+              <a:t/>
+            </a:r>
+            <a:br>
+              <a:rPr lang="en-US" altLang="ja-JP" sz="800">
+                <a:solidFill>
+                  <a:srgbClr val="D4D4D4"/>
+                </a:solidFill>
+                <a:latin typeface="Consolas" panose="020B0609020204030204" pitchFamily="49" charset="0"/>
+              </a:rPr>
+            </a:br>
+            <a:r>
+              <a:rPr lang="en-US" altLang="ja-JP" sz="800">
+                <a:solidFill>
+                  <a:srgbClr val="D4D4D4"/>
+                </a:solidFill>
+                <a:latin typeface="Consolas" panose="020B0609020204030204" pitchFamily="49" charset="0"/>
+              </a:rPr>
+              <a:t>  </a:t>
+            </a:r>
+            <a:r>
+              <a:rPr lang="en-US" altLang="ja-JP" sz="800">
+                <a:solidFill>
+                  <a:srgbClr val="C586C0"/>
+                </a:solidFill>
+                <a:latin typeface="Consolas" panose="020B0609020204030204" pitchFamily="49" charset="0"/>
+              </a:rPr>
+              <a:t>return</a:t>
+            </a:r>
+            <a:r>
+              <a:rPr lang="en-US" altLang="ja-JP" sz="800">
+                <a:solidFill>
+                  <a:srgbClr val="D4D4D4"/>
+                </a:solidFill>
+                <a:latin typeface="Consolas" panose="020B0609020204030204" pitchFamily="49" charset="0"/>
+              </a:rPr>
+              <a:t> (</a:t>
+            </a:r>
+          </a:p>
+          <a:p>
+            <a:r>
+              <a:rPr lang="en-US" altLang="ja-JP" sz="800">
+                <a:solidFill>
+                  <a:srgbClr val="D4D4D4"/>
+                </a:solidFill>
+                <a:latin typeface="Consolas" panose="020B0609020204030204" pitchFamily="49" charset="0"/>
+              </a:rPr>
+              <a:t>    </a:t>
+            </a:r>
+            <a:r>
+              <a:rPr lang="en-US" altLang="ja-JP" sz="800">
+                <a:solidFill>
+                  <a:srgbClr val="808080"/>
+                </a:solidFill>
+                <a:latin typeface="Consolas" panose="020B0609020204030204" pitchFamily="49" charset="0"/>
+              </a:rPr>
+              <a:t>&lt;</a:t>
+            </a:r>
+            <a:r>
+              <a:rPr lang="en-US" altLang="ja-JP" sz="800">
+                <a:solidFill>
+                  <a:srgbClr val="569CD6"/>
+                </a:solidFill>
+                <a:latin typeface="Consolas" panose="020B0609020204030204" pitchFamily="49" charset="0"/>
+              </a:rPr>
+              <a:t>div</a:t>
+            </a:r>
+            <a:r>
+              <a:rPr lang="en-US" altLang="ja-JP" sz="800">
+                <a:solidFill>
+                  <a:srgbClr val="D4D4D4"/>
+                </a:solidFill>
+                <a:latin typeface="Consolas" panose="020B0609020204030204" pitchFamily="49" charset="0"/>
+              </a:rPr>
+              <a:t> </a:t>
+            </a:r>
+            <a:r>
+              <a:rPr lang="en-US" altLang="ja-JP" sz="800">
+                <a:solidFill>
+                  <a:srgbClr val="9CDCFE"/>
+                </a:solidFill>
+                <a:latin typeface="Consolas" panose="020B0609020204030204" pitchFamily="49" charset="0"/>
+              </a:rPr>
+              <a:t>style</a:t>
+            </a:r>
+            <a:r>
+              <a:rPr lang="en-US" altLang="ja-JP" sz="800">
+                <a:solidFill>
+                  <a:srgbClr val="D4D4D4"/>
+                </a:solidFill>
+                <a:latin typeface="Consolas" panose="020B0609020204030204" pitchFamily="49" charset="0"/>
+              </a:rPr>
+              <a:t>=</a:t>
+            </a:r>
+            <a:r>
+              <a:rPr lang="en-US" altLang="ja-JP" sz="800">
+                <a:solidFill>
+                  <a:srgbClr val="569CD6"/>
+                </a:solidFill>
+                <a:latin typeface="Consolas" panose="020B0609020204030204" pitchFamily="49" charset="0"/>
+              </a:rPr>
+              <a:t>{</a:t>
+            </a:r>
+            <a:r>
+              <a:rPr lang="en-US" altLang="ja-JP" sz="800">
+                <a:solidFill>
+                  <a:srgbClr val="D4D4D4"/>
+                </a:solidFill>
+                <a:latin typeface="Consolas" panose="020B0609020204030204" pitchFamily="49" charset="0"/>
+              </a:rPr>
+              <a:t>{ </a:t>
+            </a:r>
+            <a:r>
+              <a:rPr lang="en-US" altLang="ja-JP" sz="800">
+                <a:solidFill>
+                  <a:srgbClr val="9CDCFE"/>
+                </a:solidFill>
+                <a:latin typeface="Consolas" panose="020B0609020204030204" pitchFamily="49" charset="0"/>
+              </a:rPr>
+              <a:t>padding</a:t>
+            </a:r>
+            <a:r>
+              <a:rPr lang="en-US" altLang="ja-JP" sz="800">
+                <a:solidFill>
+                  <a:srgbClr val="D4D4D4"/>
+                </a:solidFill>
+                <a:latin typeface="Consolas" panose="020B0609020204030204" pitchFamily="49" charset="0"/>
+              </a:rPr>
+              <a:t>: </a:t>
+            </a:r>
+            <a:r>
+              <a:rPr lang="en-US" altLang="ja-JP" sz="800">
+                <a:solidFill>
+                  <a:srgbClr val="CE9178"/>
+                </a:solidFill>
+                <a:latin typeface="Consolas" panose="020B0609020204030204" pitchFamily="49" charset="0"/>
+              </a:rPr>
+              <a:t>"15px"</a:t>
+            </a:r>
+            <a:r>
+              <a:rPr lang="en-US" altLang="ja-JP" sz="800">
+                <a:solidFill>
+                  <a:srgbClr val="D4D4D4"/>
+                </a:solidFill>
+                <a:latin typeface="Consolas" panose="020B0609020204030204" pitchFamily="49" charset="0"/>
+              </a:rPr>
+              <a:t> }</a:t>
+            </a:r>
+            <a:r>
+              <a:rPr lang="en-US" altLang="ja-JP" sz="800">
+                <a:solidFill>
+                  <a:srgbClr val="569CD6"/>
+                </a:solidFill>
+                <a:latin typeface="Consolas" panose="020B0609020204030204" pitchFamily="49" charset="0"/>
+              </a:rPr>
+              <a:t>}</a:t>
+            </a:r>
+            <a:r>
+              <a:rPr lang="en-US" altLang="ja-JP" sz="800">
+                <a:solidFill>
+                  <a:srgbClr val="808080"/>
+                </a:solidFill>
+                <a:latin typeface="Consolas" panose="020B0609020204030204" pitchFamily="49" charset="0"/>
+              </a:rPr>
+              <a:t>&gt;</a:t>
+            </a:r>
+            <a:endParaRPr lang="en-US" altLang="ja-JP" sz="800">
+              <a:solidFill>
+                <a:srgbClr val="D4D4D4"/>
+              </a:solidFill>
+              <a:latin typeface="Consolas" panose="020B0609020204030204" pitchFamily="49" charset="0"/>
+            </a:endParaRPr>
+          </a:p>
+          <a:p>
+            <a:r>
+              <a:rPr lang="en-US" altLang="ja-JP" sz="800">
+                <a:solidFill>
+                  <a:srgbClr val="D4D4D4"/>
+                </a:solidFill>
+                <a:latin typeface="Consolas" panose="020B0609020204030204" pitchFamily="49" charset="0"/>
+              </a:rPr>
+              <a:t>      </a:t>
+            </a:r>
+            <a:r>
+              <a:rPr lang="en-US" altLang="ja-JP" sz="800">
+                <a:solidFill>
+                  <a:srgbClr val="808080"/>
+                </a:solidFill>
+                <a:latin typeface="Consolas" panose="020B0609020204030204" pitchFamily="49" charset="0"/>
+              </a:rPr>
+              <a:t>&lt;</a:t>
+            </a:r>
+            <a:r>
+              <a:rPr lang="en-US" altLang="ja-JP" sz="800">
+                <a:solidFill>
+                  <a:srgbClr val="569CD6"/>
+                </a:solidFill>
+                <a:latin typeface="Consolas" panose="020B0609020204030204" pitchFamily="49" charset="0"/>
+              </a:rPr>
+              <a:t>h2</a:t>
+            </a:r>
+            <a:r>
+              <a:rPr lang="en-US" altLang="ja-JP" sz="800">
+                <a:solidFill>
+                  <a:srgbClr val="808080"/>
+                </a:solidFill>
+                <a:latin typeface="Consolas" panose="020B0609020204030204" pitchFamily="49" charset="0"/>
+              </a:rPr>
+              <a:t>&gt;</a:t>
+            </a:r>
+            <a:r>
+              <a:rPr lang="en-US" altLang="ja-JP" sz="800">
+                <a:solidFill>
+                  <a:srgbClr val="D4D4D4"/>
+                </a:solidFill>
+                <a:latin typeface="Consolas" panose="020B0609020204030204" pitchFamily="49" charset="0"/>
+              </a:rPr>
+              <a:t>Compute number of letters</a:t>
+            </a:r>
+            <a:r>
+              <a:rPr lang="en-US" altLang="ja-JP" sz="800">
+                <a:solidFill>
+                  <a:srgbClr val="808080"/>
+                </a:solidFill>
+                <a:latin typeface="Consolas" panose="020B0609020204030204" pitchFamily="49" charset="0"/>
+              </a:rPr>
+              <a:t>&lt;/</a:t>
+            </a:r>
+            <a:r>
+              <a:rPr lang="en-US" altLang="ja-JP" sz="800">
+                <a:solidFill>
+                  <a:srgbClr val="569CD6"/>
+                </a:solidFill>
+                <a:latin typeface="Consolas" panose="020B0609020204030204" pitchFamily="49" charset="0"/>
+              </a:rPr>
+              <a:t>h2</a:t>
+            </a:r>
+            <a:r>
+              <a:rPr lang="en-US" altLang="ja-JP" sz="800" smtClean="0">
+                <a:solidFill>
+                  <a:srgbClr val="808080"/>
+                </a:solidFill>
+                <a:latin typeface="Consolas" panose="020B0609020204030204" pitchFamily="49" charset="0"/>
+              </a:rPr>
+              <a:t>&gt;</a:t>
+            </a:r>
+            <a:r>
+              <a:rPr lang="en-US" altLang="ja-JP" sz="800">
+                <a:solidFill>
+                  <a:srgbClr val="D4D4D4"/>
+                </a:solidFill>
+                <a:latin typeface="Consolas" panose="020B0609020204030204" pitchFamily="49" charset="0"/>
+              </a:rPr>
+              <a:t/>
+            </a:r>
+            <a:br>
+              <a:rPr lang="en-US" altLang="ja-JP" sz="800">
+                <a:solidFill>
+                  <a:srgbClr val="D4D4D4"/>
+                </a:solidFill>
+                <a:latin typeface="Consolas" panose="020B0609020204030204" pitchFamily="49" charset="0"/>
+              </a:rPr>
+            </a:br>
+            <a:r>
+              <a:rPr lang="en-US" altLang="ja-JP" sz="800">
+                <a:solidFill>
+                  <a:srgbClr val="D4D4D4"/>
+                </a:solidFill>
+                <a:latin typeface="Consolas" panose="020B0609020204030204" pitchFamily="49" charset="0"/>
+              </a:rPr>
+              <a:t>      </a:t>
+            </a:r>
+            <a:r>
+              <a:rPr lang="en-US" altLang="ja-JP" sz="800">
+                <a:solidFill>
+                  <a:srgbClr val="808080"/>
+                </a:solidFill>
+                <a:latin typeface="Consolas" panose="020B0609020204030204" pitchFamily="49" charset="0"/>
+              </a:rPr>
+              <a:t>&lt;</a:t>
+            </a:r>
+            <a:r>
+              <a:rPr lang="en-US" altLang="ja-JP" sz="800">
+                <a:solidFill>
+                  <a:srgbClr val="569CD6"/>
+                </a:solidFill>
+                <a:latin typeface="Consolas" panose="020B0609020204030204" pitchFamily="49" charset="0"/>
+              </a:rPr>
+              <a:t>p</a:t>
+            </a:r>
+            <a:r>
+              <a:rPr lang="en-US" altLang="ja-JP" sz="800" smtClean="0">
+                <a:solidFill>
+                  <a:srgbClr val="808080"/>
+                </a:solidFill>
+                <a:latin typeface="Consolas" panose="020B0609020204030204" pitchFamily="49" charset="0"/>
+              </a:rPr>
+              <a:t>&gt;</a:t>
+            </a:r>
+            <a:r>
+              <a:rPr lang="en-US" altLang="ja-JP" sz="800" smtClean="0">
+                <a:solidFill>
+                  <a:srgbClr val="D4D4D4"/>
+                </a:solidFill>
+                <a:latin typeface="Consolas" panose="020B0609020204030204" pitchFamily="49" charset="0"/>
+              </a:rPr>
+              <a:t>"</a:t>
+            </a:r>
+            <a:r>
+              <a:rPr lang="en-US" altLang="ja-JP" sz="800" smtClean="0">
+                <a:solidFill>
+                  <a:srgbClr val="569CD6"/>
+                </a:solidFill>
+                <a:latin typeface="Consolas" panose="020B0609020204030204" pitchFamily="49" charset="0"/>
+              </a:rPr>
+              <a:t>{</a:t>
+            </a:r>
+            <a:r>
+              <a:rPr lang="en-US" altLang="ja-JP" sz="800">
+                <a:solidFill>
+                  <a:srgbClr val="4FC1FF"/>
+                </a:solidFill>
+                <a:latin typeface="Consolas" panose="020B0609020204030204" pitchFamily="49" charset="0"/>
+              </a:rPr>
+              <a:t>word</a:t>
+            </a:r>
+            <a:r>
+              <a:rPr lang="en-US" altLang="ja-JP" sz="800">
+                <a:solidFill>
+                  <a:srgbClr val="569CD6"/>
+                </a:solidFill>
+                <a:latin typeface="Consolas" panose="020B0609020204030204" pitchFamily="49" charset="0"/>
+              </a:rPr>
+              <a:t>}</a:t>
+            </a:r>
+            <a:r>
+              <a:rPr lang="en-US" altLang="ja-JP" sz="800">
+                <a:solidFill>
+                  <a:srgbClr val="D4D4D4"/>
+                </a:solidFill>
+                <a:latin typeface="Consolas" panose="020B0609020204030204" pitchFamily="49" charset="0"/>
+              </a:rPr>
+              <a:t>" has </a:t>
+            </a:r>
+            <a:r>
+              <a:rPr lang="en-US" altLang="ja-JP" sz="800">
+                <a:solidFill>
+                  <a:srgbClr val="569CD6"/>
+                </a:solidFill>
+                <a:latin typeface="Consolas" panose="020B0609020204030204" pitchFamily="49" charset="0"/>
+              </a:rPr>
+              <a:t>{</a:t>
+            </a:r>
+            <a:r>
+              <a:rPr lang="en-US" altLang="ja-JP" sz="800">
+                <a:solidFill>
+                  <a:srgbClr val="4FC1FF"/>
+                </a:solidFill>
+                <a:latin typeface="Consolas" panose="020B0609020204030204" pitchFamily="49" charset="0"/>
+              </a:rPr>
+              <a:t>letterCount</a:t>
+            </a:r>
+            <a:r>
+              <a:rPr lang="en-US" altLang="ja-JP" sz="800">
+                <a:solidFill>
+                  <a:srgbClr val="569CD6"/>
+                </a:solidFill>
+                <a:latin typeface="Consolas" panose="020B0609020204030204" pitchFamily="49" charset="0"/>
+              </a:rPr>
+              <a:t>}</a:t>
+            </a:r>
+            <a:r>
+              <a:rPr lang="en-US" altLang="ja-JP" sz="800">
+                <a:solidFill>
+                  <a:srgbClr val="D4D4D4"/>
+                </a:solidFill>
+                <a:latin typeface="Consolas" panose="020B0609020204030204" pitchFamily="49" charset="0"/>
+              </a:rPr>
+              <a:t> </a:t>
+            </a:r>
+            <a:r>
+              <a:rPr lang="en-US" altLang="ja-JP" sz="800" smtClean="0">
+                <a:solidFill>
+                  <a:srgbClr val="D4D4D4"/>
+                </a:solidFill>
+                <a:latin typeface="Consolas" panose="020B0609020204030204" pitchFamily="49" charset="0"/>
+              </a:rPr>
+              <a:t>letters</a:t>
+            </a:r>
+            <a:r>
+              <a:rPr lang="en-US" altLang="ja-JP" sz="800" smtClean="0">
+                <a:solidFill>
+                  <a:srgbClr val="808080"/>
+                </a:solidFill>
+                <a:latin typeface="Consolas" panose="020B0609020204030204" pitchFamily="49" charset="0"/>
+              </a:rPr>
+              <a:t>&lt;/</a:t>
+            </a:r>
+            <a:r>
+              <a:rPr lang="en-US" altLang="ja-JP" sz="800">
+                <a:solidFill>
+                  <a:srgbClr val="569CD6"/>
+                </a:solidFill>
+                <a:latin typeface="Consolas" panose="020B0609020204030204" pitchFamily="49" charset="0"/>
+              </a:rPr>
+              <a:t>p</a:t>
+            </a:r>
+            <a:r>
+              <a:rPr lang="en-US" altLang="ja-JP" sz="800" smtClean="0">
+                <a:solidFill>
+                  <a:srgbClr val="808080"/>
+                </a:solidFill>
+                <a:latin typeface="Consolas" panose="020B0609020204030204" pitchFamily="49" charset="0"/>
+              </a:rPr>
+              <a:t>&gt;</a:t>
+            </a:r>
+            <a:r>
+              <a:rPr lang="en-US" altLang="ja-JP" sz="800">
+                <a:solidFill>
+                  <a:srgbClr val="D4D4D4"/>
+                </a:solidFill>
+                <a:latin typeface="Consolas" panose="020B0609020204030204" pitchFamily="49" charset="0"/>
+              </a:rPr>
+              <a:t/>
+            </a:r>
+            <a:br>
+              <a:rPr lang="en-US" altLang="ja-JP" sz="800">
+                <a:solidFill>
+                  <a:srgbClr val="D4D4D4"/>
+                </a:solidFill>
+                <a:latin typeface="Consolas" panose="020B0609020204030204" pitchFamily="49" charset="0"/>
+              </a:rPr>
+            </a:br>
+            <a:r>
+              <a:rPr lang="en-US" altLang="ja-JP" sz="800">
+                <a:solidFill>
+                  <a:srgbClr val="D4D4D4"/>
+                </a:solidFill>
+                <a:latin typeface="Consolas" panose="020B0609020204030204" pitchFamily="49" charset="0"/>
+              </a:rPr>
+              <a:t>      </a:t>
+            </a:r>
+            <a:r>
+              <a:rPr lang="en-US" altLang="ja-JP" sz="800">
+                <a:solidFill>
+                  <a:srgbClr val="808080"/>
+                </a:solidFill>
+                <a:latin typeface="Consolas" panose="020B0609020204030204" pitchFamily="49" charset="0"/>
+              </a:rPr>
+              <a:t>&lt;</a:t>
+            </a:r>
+            <a:r>
+              <a:rPr lang="en-US" altLang="ja-JP" sz="800">
+                <a:solidFill>
+                  <a:srgbClr val="569CD6"/>
+                </a:solidFill>
+                <a:latin typeface="Consolas" panose="020B0609020204030204" pitchFamily="49" charset="0"/>
+              </a:rPr>
+              <a:t>button</a:t>
+            </a:r>
+            <a:endParaRPr lang="en-US" altLang="ja-JP" sz="800">
+              <a:solidFill>
+                <a:srgbClr val="D4D4D4"/>
+              </a:solidFill>
+              <a:latin typeface="Consolas" panose="020B0609020204030204" pitchFamily="49" charset="0"/>
+            </a:endParaRPr>
+          </a:p>
+          <a:p>
+            <a:r>
+              <a:rPr lang="en-US" altLang="ja-JP" sz="800">
+                <a:solidFill>
+                  <a:srgbClr val="D4D4D4"/>
+                </a:solidFill>
+                <a:latin typeface="Consolas" panose="020B0609020204030204" pitchFamily="49" charset="0"/>
+              </a:rPr>
+              <a:t>        </a:t>
+            </a:r>
+            <a:r>
+              <a:rPr lang="en-US" altLang="ja-JP" sz="800">
+                <a:solidFill>
+                  <a:srgbClr val="9CDCFE"/>
+                </a:solidFill>
+                <a:latin typeface="Consolas" panose="020B0609020204030204" pitchFamily="49" charset="0"/>
+              </a:rPr>
+              <a:t>onClick</a:t>
+            </a:r>
+            <a:r>
+              <a:rPr lang="en-US" altLang="ja-JP" sz="800">
+                <a:solidFill>
+                  <a:srgbClr val="D4D4D4"/>
+                </a:solidFill>
+                <a:latin typeface="Consolas" panose="020B0609020204030204" pitchFamily="49" charset="0"/>
+              </a:rPr>
+              <a:t>=</a:t>
+            </a:r>
+            <a:r>
+              <a:rPr lang="en-US" altLang="ja-JP" sz="800">
+                <a:solidFill>
+                  <a:srgbClr val="569CD6"/>
+                </a:solidFill>
+                <a:latin typeface="Consolas" panose="020B0609020204030204" pitchFamily="49" charset="0"/>
+              </a:rPr>
+              <a:t>{</a:t>
+            </a:r>
+            <a:r>
+              <a:rPr lang="en-US" altLang="ja-JP" sz="800">
+                <a:solidFill>
+                  <a:srgbClr val="D4D4D4"/>
+                </a:solidFill>
+                <a:latin typeface="Consolas" panose="020B0609020204030204" pitchFamily="49" charset="0"/>
+              </a:rPr>
+              <a:t>() </a:t>
+            </a:r>
+            <a:r>
+              <a:rPr lang="en-US" altLang="ja-JP" sz="800">
+                <a:solidFill>
+                  <a:srgbClr val="569CD6"/>
+                </a:solidFill>
+                <a:latin typeface="Consolas" panose="020B0609020204030204" pitchFamily="49" charset="0"/>
+              </a:rPr>
+              <a:t>=&gt;</a:t>
+            </a:r>
+            <a:r>
+              <a:rPr lang="en-US" altLang="ja-JP" sz="800">
+                <a:solidFill>
+                  <a:srgbClr val="D4D4D4"/>
+                </a:solidFill>
+                <a:latin typeface="Consolas" panose="020B0609020204030204" pitchFamily="49" charset="0"/>
+              </a:rPr>
+              <a:t> {</a:t>
+            </a:r>
+          </a:p>
+          <a:p>
+            <a:r>
+              <a:rPr lang="en-US" altLang="ja-JP" sz="800">
+                <a:solidFill>
+                  <a:srgbClr val="D4D4D4"/>
+                </a:solidFill>
+                <a:latin typeface="Consolas" panose="020B0609020204030204" pitchFamily="49" charset="0"/>
+              </a:rPr>
+              <a:t>          </a:t>
+            </a:r>
+            <a:r>
+              <a:rPr lang="en-US" altLang="ja-JP" sz="800">
+                <a:solidFill>
+                  <a:srgbClr val="569CD6"/>
+                </a:solidFill>
+                <a:latin typeface="Consolas" panose="020B0609020204030204" pitchFamily="49" charset="0"/>
+              </a:rPr>
+              <a:t>const</a:t>
+            </a:r>
+            <a:r>
+              <a:rPr lang="en-US" altLang="ja-JP" sz="800">
+                <a:solidFill>
+                  <a:srgbClr val="D4D4D4"/>
+                </a:solidFill>
+                <a:latin typeface="Consolas" panose="020B0609020204030204" pitchFamily="49" charset="0"/>
+              </a:rPr>
+              <a:t> </a:t>
+            </a:r>
+            <a:r>
+              <a:rPr lang="en-US" altLang="ja-JP" sz="800">
+                <a:solidFill>
+                  <a:srgbClr val="4FC1FF"/>
+                </a:solidFill>
+                <a:latin typeface="Consolas" panose="020B0609020204030204" pitchFamily="49" charset="0"/>
+              </a:rPr>
+              <a:t>next</a:t>
+            </a:r>
+            <a:r>
+              <a:rPr lang="en-US" altLang="ja-JP" sz="800">
+                <a:solidFill>
+                  <a:srgbClr val="D4D4D4"/>
+                </a:solidFill>
+                <a:latin typeface="Consolas" panose="020B0609020204030204" pitchFamily="49" charset="0"/>
+              </a:rPr>
+              <a:t> = </a:t>
+            </a:r>
+            <a:r>
+              <a:rPr lang="en-US" altLang="ja-JP" sz="800">
+                <a:solidFill>
+                  <a:srgbClr val="4FC1FF"/>
+                </a:solidFill>
+                <a:latin typeface="Consolas" panose="020B0609020204030204" pitchFamily="49" charset="0"/>
+              </a:rPr>
+              <a:t>wordIndex</a:t>
+            </a:r>
+            <a:r>
+              <a:rPr lang="en-US" altLang="ja-JP" sz="800">
+                <a:solidFill>
+                  <a:srgbClr val="D4D4D4"/>
+                </a:solidFill>
+                <a:latin typeface="Consolas" panose="020B0609020204030204" pitchFamily="49" charset="0"/>
+              </a:rPr>
+              <a:t> + </a:t>
+            </a:r>
+            <a:r>
+              <a:rPr lang="en-US" altLang="ja-JP" sz="800">
+                <a:solidFill>
+                  <a:srgbClr val="B5CEA8"/>
+                </a:solidFill>
+                <a:latin typeface="Consolas" panose="020B0609020204030204" pitchFamily="49" charset="0"/>
+              </a:rPr>
+              <a:t>1</a:t>
+            </a:r>
+            <a:r>
+              <a:rPr lang="en-US" altLang="ja-JP" sz="800">
+                <a:solidFill>
+                  <a:srgbClr val="D4D4D4"/>
+                </a:solidFill>
+                <a:latin typeface="Consolas" panose="020B0609020204030204" pitchFamily="49" charset="0"/>
+              </a:rPr>
+              <a:t> ===</a:t>
+            </a:r>
+            <a:r>
+              <a:rPr lang="en-US" altLang="ja-JP" sz="800">
+                <a:solidFill>
+                  <a:srgbClr val="9CDCFE"/>
+                </a:solidFill>
+                <a:latin typeface="Consolas" panose="020B0609020204030204" pitchFamily="49" charset="0"/>
+              </a:rPr>
+              <a:t> </a:t>
+            </a:r>
+            <a:r>
+              <a:rPr lang="en-US" altLang="ja-JP" sz="800">
+                <a:solidFill>
+                  <a:srgbClr val="4FC1FF"/>
+                </a:solidFill>
+                <a:latin typeface="Consolas" panose="020B0609020204030204" pitchFamily="49" charset="0"/>
+              </a:rPr>
+              <a:t>words</a:t>
+            </a:r>
+            <a:r>
+              <a:rPr lang="en-US" altLang="ja-JP" sz="800">
+                <a:solidFill>
+                  <a:srgbClr val="D4D4D4"/>
+                </a:solidFill>
+                <a:latin typeface="Consolas" panose="020B0609020204030204" pitchFamily="49" charset="0"/>
+              </a:rPr>
+              <a:t>.</a:t>
+            </a:r>
+            <a:r>
+              <a:rPr lang="en-US" altLang="ja-JP" sz="800">
+                <a:solidFill>
+                  <a:srgbClr val="9CDCFE"/>
+                </a:solidFill>
+                <a:latin typeface="Consolas" panose="020B0609020204030204" pitchFamily="49" charset="0"/>
+              </a:rPr>
+              <a:t>length</a:t>
+            </a:r>
+            <a:r>
+              <a:rPr lang="en-US" altLang="ja-JP" sz="800">
+                <a:solidFill>
+                  <a:srgbClr val="D4D4D4"/>
+                </a:solidFill>
+                <a:latin typeface="Consolas" panose="020B0609020204030204" pitchFamily="49" charset="0"/>
+              </a:rPr>
+              <a:t> ? </a:t>
+            </a:r>
+            <a:r>
+              <a:rPr lang="en-US" altLang="ja-JP" sz="800">
+                <a:solidFill>
+                  <a:srgbClr val="B5CEA8"/>
+                </a:solidFill>
+                <a:latin typeface="Consolas" panose="020B0609020204030204" pitchFamily="49" charset="0"/>
+              </a:rPr>
+              <a:t>0</a:t>
+            </a:r>
+            <a:r>
+              <a:rPr lang="en-US" altLang="ja-JP" sz="800">
+                <a:solidFill>
+                  <a:srgbClr val="D4D4D4"/>
+                </a:solidFill>
+                <a:latin typeface="Consolas" panose="020B0609020204030204" pitchFamily="49" charset="0"/>
+              </a:rPr>
+              <a:t> : </a:t>
+            </a:r>
+            <a:r>
+              <a:rPr lang="en-US" altLang="ja-JP" sz="800">
+                <a:solidFill>
+                  <a:srgbClr val="4FC1FF"/>
+                </a:solidFill>
+                <a:latin typeface="Consolas" panose="020B0609020204030204" pitchFamily="49" charset="0"/>
+              </a:rPr>
+              <a:t>wordIndex</a:t>
+            </a:r>
+            <a:r>
+              <a:rPr lang="en-US" altLang="ja-JP" sz="800">
+                <a:solidFill>
+                  <a:srgbClr val="D4D4D4"/>
+                </a:solidFill>
+                <a:latin typeface="Consolas" panose="020B0609020204030204" pitchFamily="49" charset="0"/>
+              </a:rPr>
+              <a:t> + </a:t>
+            </a:r>
+            <a:r>
+              <a:rPr lang="en-US" altLang="ja-JP" sz="800">
+                <a:solidFill>
+                  <a:srgbClr val="B5CEA8"/>
+                </a:solidFill>
+                <a:latin typeface="Consolas" panose="020B0609020204030204" pitchFamily="49" charset="0"/>
+              </a:rPr>
+              <a:t>1</a:t>
+            </a:r>
+            <a:r>
+              <a:rPr lang="en-US" altLang="ja-JP" sz="800">
+                <a:solidFill>
+                  <a:srgbClr val="D4D4D4"/>
+                </a:solidFill>
+                <a:latin typeface="Consolas" panose="020B0609020204030204" pitchFamily="49" charset="0"/>
+              </a:rPr>
+              <a:t>;</a:t>
+            </a:r>
+          </a:p>
+          <a:p>
+            <a:r>
+              <a:rPr lang="en-US" altLang="ja-JP" sz="800">
+                <a:solidFill>
+                  <a:srgbClr val="D4D4D4"/>
+                </a:solidFill>
+                <a:latin typeface="Consolas" panose="020B0609020204030204" pitchFamily="49" charset="0"/>
+              </a:rPr>
+              <a:t>          </a:t>
+            </a:r>
+            <a:r>
+              <a:rPr lang="en-US" altLang="ja-JP" sz="800">
+                <a:solidFill>
+                  <a:srgbClr val="DCDCAA"/>
+                </a:solidFill>
+                <a:latin typeface="Consolas" panose="020B0609020204030204" pitchFamily="49" charset="0"/>
+              </a:rPr>
+              <a:t>setWordIndex</a:t>
+            </a:r>
+            <a:r>
+              <a:rPr lang="en-US" altLang="ja-JP" sz="800">
+                <a:solidFill>
+                  <a:srgbClr val="D4D4D4"/>
+                </a:solidFill>
+                <a:latin typeface="Consolas" panose="020B0609020204030204" pitchFamily="49" charset="0"/>
+              </a:rPr>
+              <a:t>(</a:t>
+            </a:r>
+            <a:r>
+              <a:rPr lang="en-US" altLang="ja-JP" sz="800">
+                <a:solidFill>
+                  <a:srgbClr val="4FC1FF"/>
+                </a:solidFill>
+                <a:latin typeface="Consolas" panose="020B0609020204030204" pitchFamily="49" charset="0"/>
+              </a:rPr>
+              <a:t>next</a:t>
+            </a:r>
+            <a:r>
+              <a:rPr lang="en-US" altLang="ja-JP" sz="800">
+                <a:solidFill>
+                  <a:srgbClr val="D4D4D4"/>
+                </a:solidFill>
+                <a:latin typeface="Consolas" panose="020B0609020204030204" pitchFamily="49" charset="0"/>
+              </a:rPr>
+              <a:t>);</a:t>
+            </a:r>
+          </a:p>
+          <a:p>
+            <a:r>
+              <a:rPr lang="en-US" altLang="ja-JP" sz="800">
+                <a:solidFill>
+                  <a:srgbClr val="D4D4D4"/>
+                </a:solidFill>
+                <a:latin typeface="Consolas" panose="020B0609020204030204" pitchFamily="49" charset="0"/>
+              </a:rPr>
+              <a:t>        }</a:t>
+            </a:r>
+            <a:r>
+              <a:rPr lang="en-US" altLang="ja-JP" sz="800">
+                <a:solidFill>
+                  <a:srgbClr val="569CD6"/>
+                </a:solidFill>
+                <a:latin typeface="Consolas" panose="020B0609020204030204" pitchFamily="49" charset="0"/>
+              </a:rPr>
+              <a:t>}</a:t>
+            </a:r>
+            <a:endParaRPr lang="en-US" altLang="ja-JP" sz="800">
+              <a:solidFill>
+                <a:srgbClr val="D4D4D4"/>
+              </a:solidFill>
+              <a:latin typeface="Consolas" panose="020B0609020204030204" pitchFamily="49" charset="0"/>
+            </a:endParaRPr>
+          </a:p>
+          <a:p>
+            <a:r>
+              <a:rPr lang="en-US" altLang="ja-JP" sz="800">
+                <a:solidFill>
+                  <a:srgbClr val="D4D4D4"/>
+                </a:solidFill>
+                <a:latin typeface="Consolas" panose="020B0609020204030204" pitchFamily="49" charset="0"/>
+              </a:rPr>
+              <a:t>      </a:t>
+            </a:r>
+            <a:r>
+              <a:rPr lang="en-US" altLang="ja-JP" sz="800">
+                <a:solidFill>
+                  <a:srgbClr val="808080"/>
+                </a:solidFill>
+                <a:latin typeface="Consolas" panose="020B0609020204030204" pitchFamily="49" charset="0"/>
+              </a:rPr>
+              <a:t>&gt;</a:t>
+            </a:r>
+            <a:endParaRPr lang="en-US" altLang="ja-JP" sz="800">
+              <a:solidFill>
+                <a:srgbClr val="D4D4D4"/>
+              </a:solidFill>
+              <a:latin typeface="Consolas" panose="020B0609020204030204" pitchFamily="49" charset="0"/>
+            </a:endParaRPr>
+          </a:p>
+          <a:p>
+            <a:r>
+              <a:rPr lang="en-US" altLang="ja-JP" sz="800">
+                <a:solidFill>
+                  <a:srgbClr val="D4D4D4"/>
+                </a:solidFill>
+                <a:latin typeface="Consolas" panose="020B0609020204030204" pitchFamily="49" charset="0"/>
+              </a:rPr>
+              <a:t>        Next word</a:t>
+            </a:r>
+          </a:p>
+          <a:p>
+            <a:r>
+              <a:rPr lang="en-US" altLang="ja-JP" sz="800">
+                <a:solidFill>
+                  <a:srgbClr val="D4D4D4"/>
+                </a:solidFill>
+                <a:latin typeface="Consolas" panose="020B0609020204030204" pitchFamily="49" charset="0"/>
+              </a:rPr>
+              <a:t>      </a:t>
+            </a:r>
+            <a:r>
+              <a:rPr lang="en-US" altLang="ja-JP" sz="800">
+                <a:solidFill>
+                  <a:srgbClr val="808080"/>
+                </a:solidFill>
+                <a:latin typeface="Consolas" panose="020B0609020204030204" pitchFamily="49" charset="0"/>
+              </a:rPr>
+              <a:t>&lt;/</a:t>
+            </a:r>
+            <a:r>
+              <a:rPr lang="en-US" altLang="ja-JP" sz="800">
+                <a:solidFill>
+                  <a:srgbClr val="569CD6"/>
+                </a:solidFill>
+                <a:latin typeface="Consolas" panose="020B0609020204030204" pitchFamily="49" charset="0"/>
+              </a:rPr>
+              <a:t>button</a:t>
+            </a:r>
+            <a:r>
+              <a:rPr lang="en-US" altLang="ja-JP" sz="800">
+                <a:solidFill>
+                  <a:srgbClr val="808080"/>
+                </a:solidFill>
+                <a:latin typeface="Consolas" panose="020B0609020204030204" pitchFamily="49" charset="0"/>
+              </a:rPr>
+              <a:t>&gt;</a:t>
+            </a:r>
+            <a:endParaRPr lang="en-US" altLang="ja-JP" sz="800">
+              <a:solidFill>
+                <a:srgbClr val="D4D4D4"/>
+              </a:solidFill>
+              <a:latin typeface="Consolas" panose="020B0609020204030204" pitchFamily="49" charset="0"/>
+            </a:endParaRPr>
+          </a:p>
+          <a:p>
+            <a:r>
+              <a:rPr lang="en-US" altLang="ja-JP" sz="800">
+                <a:solidFill>
+                  <a:srgbClr val="D4D4D4"/>
+                </a:solidFill>
+                <a:latin typeface="Consolas" panose="020B0609020204030204" pitchFamily="49" charset="0"/>
+              </a:rPr>
+              <a:t>      </a:t>
+            </a:r>
+            <a:r>
+              <a:rPr lang="en-US" altLang="ja-JP" sz="800">
+                <a:solidFill>
+                  <a:srgbClr val="808080"/>
+                </a:solidFill>
+                <a:latin typeface="Consolas" panose="020B0609020204030204" pitchFamily="49" charset="0"/>
+              </a:rPr>
+              <a:t>&lt;</a:t>
+            </a:r>
+            <a:r>
+              <a:rPr lang="en-US" altLang="ja-JP" sz="800">
+                <a:solidFill>
+                  <a:srgbClr val="569CD6"/>
+                </a:solidFill>
+                <a:latin typeface="Consolas" panose="020B0609020204030204" pitchFamily="49" charset="0"/>
+              </a:rPr>
+              <a:t>hr</a:t>
+            </a:r>
+            <a:r>
+              <a:rPr lang="en-US" altLang="ja-JP" sz="800">
+                <a:solidFill>
+                  <a:srgbClr val="D4D4D4"/>
+                </a:solidFill>
+                <a:latin typeface="Consolas" panose="020B0609020204030204" pitchFamily="49" charset="0"/>
+              </a:rPr>
+              <a:t> </a:t>
+            </a:r>
+            <a:r>
+              <a:rPr lang="en-US" altLang="ja-JP" sz="800">
+                <a:solidFill>
+                  <a:srgbClr val="808080"/>
+                </a:solidFill>
+                <a:latin typeface="Consolas" panose="020B0609020204030204" pitchFamily="49" charset="0"/>
+              </a:rPr>
+              <a:t>/&gt;</a:t>
+            </a:r>
+            <a:endParaRPr lang="en-US" altLang="ja-JP" sz="800">
+              <a:solidFill>
+                <a:srgbClr val="D4D4D4"/>
+              </a:solidFill>
+              <a:latin typeface="Consolas" panose="020B0609020204030204" pitchFamily="49" charset="0"/>
+            </a:endParaRPr>
+          </a:p>
+          <a:p>
+            <a:r>
+              <a:rPr lang="en-US" altLang="ja-JP" sz="800">
+                <a:solidFill>
+                  <a:srgbClr val="D4D4D4"/>
+                </a:solidFill>
+                <a:latin typeface="Consolas" panose="020B0609020204030204" pitchFamily="49" charset="0"/>
+              </a:rPr>
+              <a:t>      </a:t>
+            </a:r>
+            <a:r>
+              <a:rPr lang="en-US" altLang="ja-JP" sz="800">
+                <a:solidFill>
+                  <a:srgbClr val="808080"/>
+                </a:solidFill>
+                <a:latin typeface="Consolas" panose="020B0609020204030204" pitchFamily="49" charset="0"/>
+              </a:rPr>
+              <a:t>&lt;</a:t>
+            </a:r>
+            <a:r>
+              <a:rPr lang="en-US" altLang="ja-JP" sz="800">
+                <a:solidFill>
+                  <a:srgbClr val="569CD6"/>
+                </a:solidFill>
+                <a:latin typeface="Consolas" panose="020B0609020204030204" pitchFamily="49" charset="0"/>
+              </a:rPr>
+              <a:t>h2</a:t>
+            </a:r>
+            <a:r>
+              <a:rPr lang="en-US" altLang="ja-JP" sz="800">
+                <a:solidFill>
+                  <a:srgbClr val="808080"/>
+                </a:solidFill>
+                <a:latin typeface="Consolas" panose="020B0609020204030204" pitchFamily="49" charset="0"/>
+              </a:rPr>
+              <a:t>&gt;</a:t>
+            </a:r>
+            <a:r>
+              <a:rPr lang="en-US" altLang="ja-JP" sz="800">
+                <a:solidFill>
+                  <a:srgbClr val="D4D4D4"/>
+                </a:solidFill>
+                <a:latin typeface="Consolas" panose="020B0609020204030204" pitchFamily="49" charset="0"/>
+              </a:rPr>
+              <a:t>Increment a counter</a:t>
+            </a:r>
+            <a:r>
+              <a:rPr lang="en-US" altLang="ja-JP" sz="800">
+                <a:solidFill>
+                  <a:srgbClr val="808080"/>
+                </a:solidFill>
+                <a:latin typeface="Consolas" panose="020B0609020204030204" pitchFamily="49" charset="0"/>
+              </a:rPr>
+              <a:t>&lt;/</a:t>
+            </a:r>
+            <a:r>
+              <a:rPr lang="en-US" altLang="ja-JP" sz="800">
+                <a:solidFill>
+                  <a:srgbClr val="569CD6"/>
+                </a:solidFill>
+                <a:latin typeface="Consolas" panose="020B0609020204030204" pitchFamily="49" charset="0"/>
+              </a:rPr>
+              <a:t>h2</a:t>
+            </a:r>
+            <a:r>
+              <a:rPr lang="en-US" altLang="ja-JP" sz="800">
+                <a:solidFill>
+                  <a:srgbClr val="808080"/>
+                </a:solidFill>
+                <a:latin typeface="Consolas" panose="020B0609020204030204" pitchFamily="49" charset="0"/>
+              </a:rPr>
+              <a:t>&gt;</a:t>
+            </a:r>
+            <a:endParaRPr lang="en-US" altLang="ja-JP" sz="800">
+              <a:solidFill>
+                <a:srgbClr val="D4D4D4"/>
+              </a:solidFill>
+              <a:latin typeface="Consolas" panose="020B0609020204030204" pitchFamily="49" charset="0"/>
+            </a:endParaRPr>
+          </a:p>
+          <a:p>
+            <a:r>
+              <a:rPr lang="en-US" altLang="ja-JP" sz="800">
+                <a:solidFill>
+                  <a:srgbClr val="D4D4D4"/>
+                </a:solidFill>
+                <a:latin typeface="Consolas" panose="020B0609020204030204" pitchFamily="49" charset="0"/>
+              </a:rPr>
+              <a:t>      </a:t>
+            </a:r>
+            <a:r>
+              <a:rPr lang="en-US" altLang="ja-JP" sz="800">
+                <a:solidFill>
+                  <a:srgbClr val="808080"/>
+                </a:solidFill>
+                <a:latin typeface="Consolas" panose="020B0609020204030204" pitchFamily="49" charset="0"/>
+              </a:rPr>
+              <a:t>&lt;</a:t>
+            </a:r>
+            <a:r>
+              <a:rPr lang="en-US" altLang="ja-JP" sz="800">
+                <a:solidFill>
+                  <a:srgbClr val="569CD6"/>
+                </a:solidFill>
+                <a:latin typeface="Consolas" panose="020B0609020204030204" pitchFamily="49" charset="0"/>
+              </a:rPr>
+              <a:t>p</a:t>
+            </a:r>
+            <a:r>
+              <a:rPr lang="en-US" altLang="ja-JP" sz="800">
+                <a:solidFill>
+                  <a:srgbClr val="808080"/>
+                </a:solidFill>
+                <a:latin typeface="Consolas" panose="020B0609020204030204" pitchFamily="49" charset="0"/>
+              </a:rPr>
+              <a:t>&gt;</a:t>
+            </a:r>
+            <a:r>
+              <a:rPr lang="en-US" altLang="ja-JP" sz="800">
+                <a:solidFill>
+                  <a:srgbClr val="D4D4D4"/>
+                </a:solidFill>
+                <a:latin typeface="Consolas" panose="020B0609020204030204" pitchFamily="49" charset="0"/>
+              </a:rPr>
+              <a:t>Counter: </a:t>
+            </a:r>
+            <a:r>
+              <a:rPr lang="en-US" altLang="ja-JP" sz="800">
+                <a:solidFill>
+                  <a:srgbClr val="569CD6"/>
+                </a:solidFill>
+                <a:latin typeface="Consolas" panose="020B0609020204030204" pitchFamily="49" charset="0"/>
+              </a:rPr>
+              <a:t>{</a:t>
+            </a:r>
+            <a:r>
+              <a:rPr lang="en-US" altLang="ja-JP" sz="800">
+                <a:solidFill>
+                  <a:srgbClr val="4FC1FF"/>
+                </a:solidFill>
+                <a:latin typeface="Consolas" panose="020B0609020204030204" pitchFamily="49" charset="0"/>
+              </a:rPr>
+              <a:t>count</a:t>
+            </a:r>
+            <a:r>
+              <a:rPr lang="en-US" altLang="ja-JP" sz="800">
+                <a:solidFill>
+                  <a:srgbClr val="569CD6"/>
+                </a:solidFill>
+                <a:latin typeface="Consolas" panose="020B0609020204030204" pitchFamily="49" charset="0"/>
+              </a:rPr>
+              <a:t>}</a:t>
+            </a:r>
+            <a:r>
+              <a:rPr lang="en-US" altLang="ja-JP" sz="800">
+                <a:solidFill>
+                  <a:srgbClr val="808080"/>
+                </a:solidFill>
+                <a:latin typeface="Consolas" panose="020B0609020204030204" pitchFamily="49" charset="0"/>
+              </a:rPr>
+              <a:t>&lt;/</a:t>
+            </a:r>
+            <a:r>
+              <a:rPr lang="en-US" altLang="ja-JP" sz="800">
+                <a:solidFill>
+                  <a:srgbClr val="569CD6"/>
+                </a:solidFill>
+                <a:latin typeface="Consolas" panose="020B0609020204030204" pitchFamily="49" charset="0"/>
+              </a:rPr>
+              <a:t>p</a:t>
+            </a:r>
+            <a:r>
+              <a:rPr lang="en-US" altLang="ja-JP" sz="800">
+                <a:solidFill>
+                  <a:srgbClr val="808080"/>
+                </a:solidFill>
+                <a:latin typeface="Consolas" panose="020B0609020204030204" pitchFamily="49" charset="0"/>
+              </a:rPr>
+              <a:t>&gt;</a:t>
+            </a:r>
+            <a:endParaRPr lang="en-US" altLang="ja-JP" sz="800">
+              <a:solidFill>
+                <a:srgbClr val="D4D4D4"/>
+              </a:solidFill>
+              <a:latin typeface="Consolas" panose="020B0609020204030204" pitchFamily="49" charset="0"/>
+            </a:endParaRPr>
+          </a:p>
+          <a:p>
+            <a:r>
+              <a:rPr lang="en-US" altLang="ja-JP" sz="800">
+                <a:solidFill>
+                  <a:srgbClr val="D4D4D4"/>
+                </a:solidFill>
+                <a:latin typeface="Consolas" panose="020B0609020204030204" pitchFamily="49" charset="0"/>
+              </a:rPr>
+              <a:t>      </a:t>
+            </a:r>
+            <a:r>
+              <a:rPr lang="en-US" altLang="ja-JP" sz="800">
+                <a:solidFill>
+                  <a:srgbClr val="808080"/>
+                </a:solidFill>
+                <a:latin typeface="Consolas" panose="020B0609020204030204" pitchFamily="49" charset="0"/>
+              </a:rPr>
+              <a:t>&lt;</a:t>
+            </a:r>
+            <a:r>
+              <a:rPr lang="en-US" altLang="ja-JP" sz="800">
+                <a:solidFill>
+                  <a:srgbClr val="569CD6"/>
+                </a:solidFill>
+                <a:latin typeface="Consolas" panose="020B0609020204030204" pitchFamily="49" charset="0"/>
+              </a:rPr>
+              <a:t>button</a:t>
+            </a:r>
+            <a:r>
+              <a:rPr lang="en-US" altLang="ja-JP" sz="800">
+                <a:solidFill>
+                  <a:srgbClr val="D4D4D4"/>
+                </a:solidFill>
+                <a:latin typeface="Consolas" panose="020B0609020204030204" pitchFamily="49" charset="0"/>
+              </a:rPr>
+              <a:t> </a:t>
+            </a:r>
+            <a:r>
+              <a:rPr lang="en-US" altLang="ja-JP" sz="800">
+                <a:solidFill>
+                  <a:srgbClr val="9CDCFE"/>
+                </a:solidFill>
+                <a:latin typeface="Consolas" panose="020B0609020204030204" pitchFamily="49" charset="0"/>
+              </a:rPr>
+              <a:t>onClick</a:t>
+            </a:r>
+            <a:r>
+              <a:rPr lang="en-US" altLang="ja-JP" sz="800">
+                <a:solidFill>
+                  <a:srgbClr val="D4D4D4"/>
+                </a:solidFill>
+                <a:latin typeface="Consolas" panose="020B0609020204030204" pitchFamily="49" charset="0"/>
+              </a:rPr>
+              <a:t>=</a:t>
+            </a:r>
+            <a:r>
+              <a:rPr lang="en-US" altLang="ja-JP" sz="800">
+                <a:solidFill>
+                  <a:srgbClr val="569CD6"/>
+                </a:solidFill>
+                <a:latin typeface="Consolas" panose="020B0609020204030204" pitchFamily="49" charset="0"/>
+              </a:rPr>
+              <a:t>{</a:t>
+            </a:r>
+            <a:r>
+              <a:rPr lang="en-US" altLang="ja-JP" sz="800">
+                <a:solidFill>
+                  <a:srgbClr val="D4D4D4"/>
+                </a:solidFill>
+                <a:latin typeface="Consolas" panose="020B0609020204030204" pitchFamily="49" charset="0"/>
+              </a:rPr>
+              <a:t>() </a:t>
+            </a:r>
+            <a:r>
+              <a:rPr lang="en-US" altLang="ja-JP" sz="800">
+                <a:solidFill>
+                  <a:srgbClr val="569CD6"/>
+                </a:solidFill>
+                <a:latin typeface="Consolas" panose="020B0609020204030204" pitchFamily="49" charset="0"/>
+              </a:rPr>
+              <a:t>=&gt;</a:t>
+            </a:r>
+            <a:r>
+              <a:rPr lang="en-US" altLang="ja-JP" sz="800">
+                <a:solidFill>
+                  <a:srgbClr val="D4D4D4"/>
+                </a:solidFill>
+                <a:latin typeface="Consolas" panose="020B0609020204030204" pitchFamily="49" charset="0"/>
+              </a:rPr>
+              <a:t> </a:t>
+            </a:r>
+            <a:r>
+              <a:rPr lang="en-US" altLang="ja-JP" sz="800">
+                <a:solidFill>
+                  <a:srgbClr val="DCDCAA"/>
+                </a:solidFill>
+                <a:latin typeface="Consolas" panose="020B0609020204030204" pitchFamily="49" charset="0"/>
+              </a:rPr>
+              <a:t>setCount</a:t>
+            </a:r>
+            <a:r>
+              <a:rPr lang="en-US" altLang="ja-JP" sz="800">
+                <a:solidFill>
+                  <a:srgbClr val="D4D4D4"/>
+                </a:solidFill>
+                <a:latin typeface="Consolas" panose="020B0609020204030204" pitchFamily="49" charset="0"/>
+              </a:rPr>
+              <a:t>(</a:t>
+            </a:r>
+            <a:r>
+              <a:rPr lang="en-US" altLang="ja-JP" sz="800">
+                <a:solidFill>
+                  <a:srgbClr val="4FC1FF"/>
+                </a:solidFill>
+                <a:latin typeface="Consolas" panose="020B0609020204030204" pitchFamily="49" charset="0"/>
+              </a:rPr>
+              <a:t>count</a:t>
+            </a:r>
+            <a:r>
+              <a:rPr lang="en-US" altLang="ja-JP" sz="800">
+                <a:solidFill>
+                  <a:srgbClr val="D4D4D4"/>
+                </a:solidFill>
+                <a:latin typeface="Consolas" panose="020B0609020204030204" pitchFamily="49" charset="0"/>
+              </a:rPr>
+              <a:t> + </a:t>
+            </a:r>
+            <a:r>
+              <a:rPr lang="en-US" altLang="ja-JP" sz="800">
+                <a:solidFill>
+                  <a:srgbClr val="B5CEA8"/>
+                </a:solidFill>
+                <a:latin typeface="Consolas" panose="020B0609020204030204" pitchFamily="49" charset="0"/>
+              </a:rPr>
+              <a:t>1</a:t>
+            </a:r>
+            <a:r>
+              <a:rPr lang="en-US" altLang="ja-JP" sz="800">
+                <a:solidFill>
+                  <a:srgbClr val="D4D4D4"/>
+                </a:solidFill>
+                <a:latin typeface="Consolas" panose="020B0609020204030204" pitchFamily="49" charset="0"/>
+              </a:rPr>
+              <a:t>)</a:t>
+            </a:r>
+            <a:r>
+              <a:rPr lang="en-US" altLang="ja-JP" sz="800">
+                <a:solidFill>
+                  <a:srgbClr val="569CD6"/>
+                </a:solidFill>
+                <a:latin typeface="Consolas" panose="020B0609020204030204" pitchFamily="49" charset="0"/>
+              </a:rPr>
+              <a:t>}</a:t>
+            </a:r>
+            <a:r>
+              <a:rPr lang="en-US" altLang="ja-JP" sz="800">
+                <a:solidFill>
+                  <a:srgbClr val="808080"/>
+                </a:solidFill>
+                <a:latin typeface="Consolas" panose="020B0609020204030204" pitchFamily="49" charset="0"/>
+              </a:rPr>
+              <a:t>&gt;</a:t>
+            </a:r>
+            <a:r>
+              <a:rPr lang="en-US" altLang="ja-JP" sz="800">
+                <a:solidFill>
+                  <a:srgbClr val="D4D4D4"/>
+                </a:solidFill>
+                <a:latin typeface="Consolas" panose="020B0609020204030204" pitchFamily="49" charset="0"/>
+              </a:rPr>
+              <a:t>Increment</a:t>
+            </a:r>
+            <a:r>
+              <a:rPr lang="en-US" altLang="ja-JP" sz="800">
+                <a:solidFill>
+                  <a:srgbClr val="808080"/>
+                </a:solidFill>
+                <a:latin typeface="Consolas" panose="020B0609020204030204" pitchFamily="49" charset="0"/>
+              </a:rPr>
+              <a:t>&lt;/</a:t>
+            </a:r>
+            <a:r>
+              <a:rPr lang="en-US" altLang="ja-JP" sz="800">
+                <a:solidFill>
+                  <a:srgbClr val="569CD6"/>
+                </a:solidFill>
+                <a:latin typeface="Consolas" panose="020B0609020204030204" pitchFamily="49" charset="0"/>
+              </a:rPr>
+              <a:t>button</a:t>
+            </a:r>
+            <a:r>
+              <a:rPr lang="en-US" altLang="ja-JP" sz="800">
+                <a:solidFill>
+                  <a:srgbClr val="808080"/>
+                </a:solidFill>
+                <a:latin typeface="Consolas" panose="020B0609020204030204" pitchFamily="49" charset="0"/>
+              </a:rPr>
+              <a:t>&gt;</a:t>
+            </a:r>
+            <a:endParaRPr lang="en-US" altLang="ja-JP" sz="800">
+              <a:solidFill>
+                <a:srgbClr val="D4D4D4"/>
+              </a:solidFill>
+              <a:latin typeface="Consolas" panose="020B0609020204030204" pitchFamily="49" charset="0"/>
+            </a:endParaRPr>
+          </a:p>
+          <a:p>
+            <a:r>
+              <a:rPr lang="en-US" altLang="ja-JP" sz="800">
+                <a:solidFill>
+                  <a:srgbClr val="D4D4D4"/>
+                </a:solidFill>
+                <a:latin typeface="Consolas" panose="020B0609020204030204" pitchFamily="49" charset="0"/>
+              </a:rPr>
+              <a:t>    </a:t>
+            </a:r>
+            <a:r>
+              <a:rPr lang="en-US" altLang="ja-JP" sz="800">
+                <a:solidFill>
+                  <a:srgbClr val="808080"/>
+                </a:solidFill>
+                <a:latin typeface="Consolas" panose="020B0609020204030204" pitchFamily="49" charset="0"/>
+              </a:rPr>
+              <a:t>&lt;/</a:t>
+            </a:r>
+            <a:r>
+              <a:rPr lang="en-US" altLang="ja-JP" sz="800">
+                <a:solidFill>
+                  <a:srgbClr val="569CD6"/>
+                </a:solidFill>
+                <a:latin typeface="Consolas" panose="020B0609020204030204" pitchFamily="49" charset="0"/>
+              </a:rPr>
+              <a:t>div</a:t>
+            </a:r>
+            <a:r>
+              <a:rPr lang="en-US" altLang="ja-JP" sz="800">
+                <a:solidFill>
+                  <a:srgbClr val="808080"/>
+                </a:solidFill>
+                <a:latin typeface="Consolas" panose="020B0609020204030204" pitchFamily="49" charset="0"/>
+              </a:rPr>
+              <a:t>&gt;</a:t>
+            </a:r>
+            <a:endParaRPr lang="en-US" altLang="ja-JP" sz="800">
+              <a:solidFill>
+                <a:srgbClr val="D4D4D4"/>
+              </a:solidFill>
+              <a:latin typeface="Consolas" panose="020B0609020204030204" pitchFamily="49" charset="0"/>
+            </a:endParaRPr>
+          </a:p>
+          <a:p>
+            <a:r>
+              <a:rPr lang="en-US" altLang="ja-JP" sz="800">
+                <a:solidFill>
+                  <a:srgbClr val="D4D4D4"/>
+                </a:solidFill>
+                <a:latin typeface="Consolas" panose="020B0609020204030204" pitchFamily="49" charset="0"/>
+              </a:rPr>
+              <a:t> </a:t>
+            </a:r>
+            <a:r>
+              <a:rPr lang="en-US" altLang="ja-JP" sz="800">
+                <a:solidFill>
+                  <a:srgbClr val="D4D4D4"/>
+                </a:solidFill>
+                <a:latin typeface="Consolas" panose="020B0609020204030204" pitchFamily="49" charset="0"/>
+              </a:rPr>
+              <a:t> </a:t>
+            </a:r>
+            <a:r>
+              <a:rPr lang="en-US" altLang="ja-JP" sz="800" smtClean="0">
+                <a:solidFill>
+                  <a:srgbClr val="D4D4D4"/>
+                </a:solidFill>
+                <a:latin typeface="Consolas" panose="020B0609020204030204" pitchFamily="49" charset="0"/>
+              </a:rPr>
+              <a:t>);</a:t>
+            </a:r>
+          </a:p>
+          <a:p>
+            <a:r>
+              <a:rPr lang="en-US" altLang="ja-JP" sz="800" smtClean="0">
+                <a:solidFill>
+                  <a:srgbClr val="D4D4D4"/>
+                </a:solidFill>
+                <a:latin typeface="Consolas" panose="020B0609020204030204" pitchFamily="49" charset="0"/>
+              </a:rPr>
+              <a:t>}</a:t>
+            </a:r>
+            <a:endParaRPr lang="en-US" altLang="ja-JP" sz="800" b="0">
+              <a:solidFill>
+                <a:srgbClr val="D4D4D4"/>
+              </a:solidFill>
+              <a:effectLst/>
+              <a:latin typeface="Consolas" panose="020B0609020204030204" pitchFamily="49" charset="0"/>
+            </a:endParaRPr>
           </a:p>
         </p:txBody>
       </p:sp>
     </p:spTree>
     <p:extLst>
       <p:ext uri="{BB962C8B-B14F-4D97-AF65-F5344CB8AC3E}">
-        <p14:creationId xmlns:p14="http://schemas.microsoft.com/office/powerpoint/2010/main" val="1389526434"/>
+        <p14:creationId xmlns:p14="http://schemas.microsoft.com/office/powerpoint/2010/main" val="2705414522"/>
       </p:ext>
     </p:extLst>
   </p:cSld>
@@ -5584,15 +8591,7 @@
                 <a:ea typeface="Tahoma" panose="020B0604030504040204" pitchFamily="34" charset="0"/>
                 <a:cs typeface="Tahoma" panose="020B0604030504040204" pitchFamily="34" charset="0"/>
               </a:rPr>
-              <a:t>usememo </a:t>
-            </a:r>
-            <a:r>
-              <a:rPr lang="en-US" dirty="0" smtClean="0">
-                <a:latin typeface="Tahoma" panose="020B0604030504040204" pitchFamily="34" charset="0"/>
-                <a:ea typeface="Tahoma" panose="020B0604030504040204" pitchFamily="34" charset="0"/>
-                <a:cs typeface="Tahoma" panose="020B0604030504040204" pitchFamily="34" charset="0"/>
-              </a:rPr>
-              <a:t>là gì?</a:t>
+              <a:t>Ví dụ</a:t>
             </a:r>
             <a:endParaRPr lang="en-US" dirty="0">
               <a:latin typeface="Tahoma" panose="020B0604030504040204" pitchFamily="34" charset="0"/>
@@ -5625,170 +8624,183 @@
           <a:lstStyle/>
           <a:p>
             <a:r>
-              <a:rPr lang="vi-VN" dirty="0" smtClean="0">
+              <a:rPr lang="en-US" sz="1800" smtClean="0">
                 <a:latin typeface="Tahoma" panose="020B0604030504040204" pitchFamily="34" charset="0"/>
                 <a:ea typeface="Tahoma" panose="020B0604030504040204" pitchFamily="34" charset="0"/>
                 <a:cs typeface="Tahoma" panose="020B0604030504040204" pitchFamily="34" charset="0"/>
               </a:rPr>
-              <a:t>useMemo</a:t>
-            </a:r>
-            <a:r>
-              <a:rPr lang="en-US" dirty="0" smtClean="0">
-                <a:latin typeface="Tahoma" panose="020B0604030504040204" pitchFamily="34" charset="0"/>
-                <a:ea typeface="Tahoma" panose="020B0604030504040204" pitchFamily="34" charset="0"/>
-                <a:cs typeface="Tahoma" panose="020B0604030504040204" pitchFamily="34" charset="0"/>
-              </a:rPr>
-              <a:t> </a:t>
-            </a:r>
-            <a:r>
-              <a:rPr lang="vi-VN" dirty="0" smtClean="0">
-                <a:latin typeface="Tahoma" panose="020B0604030504040204" pitchFamily="34" charset="0"/>
-                <a:ea typeface="Tahoma" panose="020B0604030504040204" pitchFamily="34" charset="0"/>
-                <a:cs typeface="Tahoma" panose="020B0604030504040204" pitchFamily="34" charset="0"/>
-              </a:rPr>
-              <a:t>là </a:t>
-            </a:r>
-            <a:r>
-              <a:rPr lang="vi-VN" dirty="0">
-                <a:latin typeface="Tahoma" panose="020B0604030504040204" pitchFamily="34" charset="0"/>
-                <a:ea typeface="Tahoma" panose="020B0604030504040204" pitchFamily="34" charset="0"/>
-                <a:cs typeface="Tahoma" panose="020B0604030504040204" pitchFamily="34" charset="0"/>
-              </a:rPr>
-              <a:t>một React Hook cho phép bạn lưu trữ kết quả tính toán giữa các lần </a:t>
-            </a:r>
-            <a:r>
-              <a:rPr lang="en-US" dirty="0" smtClean="0">
-                <a:latin typeface="Tahoma" panose="020B0604030504040204" pitchFamily="34" charset="0"/>
-                <a:ea typeface="Tahoma" panose="020B0604030504040204" pitchFamily="34" charset="0"/>
-                <a:cs typeface="Tahoma" panose="020B0604030504040204" pitchFamily="34" charset="0"/>
-              </a:rPr>
-              <a:t>re-renders</a:t>
-            </a:r>
-            <a:r>
-              <a:rPr lang="vi-VN" dirty="0" smtClean="0">
-                <a:latin typeface="Tahoma" panose="020B0604030504040204" pitchFamily="34" charset="0"/>
-                <a:ea typeface="Tahoma" panose="020B0604030504040204" pitchFamily="34" charset="0"/>
-                <a:cs typeface="Tahoma" panose="020B0604030504040204" pitchFamily="34" charset="0"/>
-              </a:rPr>
-              <a:t>.</a:t>
-            </a:r>
-            <a:endParaRPr lang="en-US" dirty="0" smtClean="0">
+              <a:t>Phân tích cấu trúc:</a:t>
+            </a:r>
+          </a:p>
+          <a:p>
+            <a:endParaRPr lang="en-US">
               <a:latin typeface="Tahoma" panose="020B0604030504040204" pitchFamily="34" charset="0"/>
               <a:ea typeface="Tahoma" panose="020B0604030504040204" pitchFamily="34" charset="0"/>
               <a:cs typeface="Tahoma" panose="020B0604030504040204" pitchFamily="34" charset="0"/>
             </a:endParaRPr>
           </a:p>
           <a:p>
-            <a:endParaRPr lang="en-US" dirty="0">
+            <a:endParaRPr lang="en-US" sz="1800" smtClean="0">
               <a:latin typeface="Tahoma" panose="020B0604030504040204" pitchFamily="34" charset="0"/>
               <a:ea typeface="Tahoma" panose="020B0604030504040204" pitchFamily="34" charset="0"/>
               <a:cs typeface="Tahoma" panose="020B0604030504040204" pitchFamily="34" charset="0"/>
             </a:endParaRPr>
           </a:p>
           <a:p>
-            <a:endParaRPr lang="en-US" dirty="0" smtClean="0">
+            <a:endParaRPr lang="en-US">
               <a:latin typeface="Tahoma" panose="020B0604030504040204" pitchFamily="34" charset="0"/>
               <a:ea typeface="Tahoma" panose="020B0604030504040204" pitchFamily="34" charset="0"/>
               <a:cs typeface="Tahoma" panose="020B0604030504040204" pitchFamily="34" charset="0"/>
             </a:endParaRPr>
           </a:p>
           <a:p>
-            <a:endParaRPr lang="en-US" dirty="0">
+            <a:r>
+              <a:rPr lang="en-US">
+                <a:latin typeface="Tahoma" panose="020B0604030504040204" pitchFamily="34" charset="0"/>
+                <a:ea typeface="Tahoma" panose="020B0604030504040204" pitchFamily="34" charset="0"/>
+                <a:cs typeface="Tahoma" panose="020B0604030504040204" pitchFamily="34" charset="0"/>
+              </a:rPr>
+              <a:t>const letterCount = useMemo(() =&gt; computeLetterCount(word), [</a:t>
+            </a:r>
+            <a:r>
+              <a:rPr lang="en-US">
+                <a:latin typeface="Tahoma" panose="020B0604030504040204" pitchFamily="34" charset="0"/>
+                <a:ea typeface="Tahoma" panose="020B0604030504040204" pitchFamily="34" charset="0"/>
+                <a:cs typeface="Tahoma" panose="020B0604030504040204" pitchFamily="34" charset="0"/>
+              </a:rPr>
+              <a:t>word</a:t>
+            </a:r>
+            <a:r>
+              <a:rPr lang="en-US" smtClean="0">
+                <a:latin typeface="Tahoma" panose="020B0604030504040204" pitchFamily="34" charset="0"/>
+                <a:ea typeface="Tahoma" panose="020B0604030504040204" pitchFamily="34" charset="0"/>
+                <a:cs typeface="Tahoma" panose="020B0604030504040204" pitchFamily="34" charset="0"/>
+              </a:rPr>
+              <a:t>]);</a:t>
+            </a:r>
+          </a:p>
+          <a:p>
+            <a:pPr lvl="1"/>
+            <a:r>
+              <a:rPr lang="en-US">
+                <a:latin typeface="Tahoma" panose="020B0604030504040204" pitchFamily="34" charset="0"/>
+                <a:ea typeface="Tahoma" panose="020B0604030504040204" pitchFamily="34" charset="0"/>
+                <a:cs typeface="Tahoma" panose="020B0604030504040204" pitchFamily="34" charset="0"/>
+              </a:rPr>
+              <a:t>calculateValue tương </a:t>
+            </a:r>
+            <a:r>
+              <a:rPr lang="en-US">
+                <a:latin typeface="Tahoma" panose="020B0604030504040204" pitchFamily="34" charset="0"/>
+                <a:ea typeface="Tahoma" panose="020B0604030504040204" pitchFamily="34" charset="0"/>
+                <a:cs typeface="Tahoma" panose="020B0604030504040204" pitchFamily="34" charset="0"/>
+              </a:rPr>
+              <a:t>ứng </a:t>
+            </a:r>
+            <a:r>
+              <a:rPr lang="en-US" smtClean="0">
+                <a:latin typeface="Tahoma" panose="020B0604030504040204" pitchFamily="34" charset="0"/>
+                <a:ea typeface="Tahoma" panose="020B0604030504040204" pitchFamily="34" charset="0"/>
+                <a:cs typeface="Tahoma" panose="020B0604030504040204" pitchFamily="34" charset="0"/>
+              </a:rPr>
+              <a:t>với: </a:t>
+            </a:r>
+            <a:r>
+              <a:rPr lang="en-US">
+                <a:latin typeface="Tahoma" panose="020B0604030504040204" pitchFamily="34" charset="0"/>
+                <a:ea typeface="Tahoma" panose="020B0604030504040204" pitchFamily="34" charset="0"/>
+                <a:cs typeface="Tahoma" panose="020B0604030504040204" pitchFamily="34" charset="0"/>
+              </a:rPr>
+              <a:t>() =&gt; </a:t>
+            </a:r>
+            <a:r>
+              <a:rPr lang="en-US">
+                <a:latin typeface="Tahoma" panose="020B0604030504040204" pitchFamily="34" charset="0"/>
+                <a:ea typeface="Tahoma" panose="020B0604030504040204" pitchFamily="34" charset="0"/>
+                <a:cs typeface="Tahoma" panose="020B0604030504040204" pitchFamily="34" charset="0"/>
+              </a:rPr>
+              <a:t>computeLetterCount(word</a:t>
+            </a:r>
+            <a:r>
+              <a:rPr lang="en-US" smtClean="0">
+                <a:latin typeface="Tahoma" panose="020B0604030504040204" pitchFamily="34" charset="0"/>
+                <a:ea typeface="Tahoma" panose="020B0604030504040204" pitchFamily="34" charset="0"/>
+                <a:cs typeface="Tahoma" panose="020B0604030504040204" pitchFamily="34" charset="0"/>
+              </a:rPr>
+              <a:t>)</a:t>
+            </a:r>
+          </a:p>
+          <a:p>
+            <a:pPr lvl="1"/>
+            <a:r>
+              <a:rPr lang="en-US" smtClean="0">
+                <a:latin typeface="Tahoma" panose="020B0604030504040204" pitchFamily="34" charset="0"/>
+                <a:ea typeface="Tahoma" panose="020B0604030504040204" pitchFamily="34" charset="0"/>
+                <a:cs typeface="Tahoma" panose="020B0604030504040204" pitchFamily="34" charset="0"/>
+              </a:rPr>
+              <a:t>dependencies: word</a:t>
+            </a:r>
+          </a:p>
+          <a:p>
+            <a:r>
+              <a:rPr lang="en-US">
+                <a:latin typeface="Tahoma" panose="020B0604030504040204" pitchFamily="34" charset="0"/>
+                <a:ea typeface="Tahoma" panose="020B0604030504040204" pitchFamily="34" charset="0"/>
+                <a:cs typeface="Tahoma" panose="020B0604030504040204" pitchFamily="34" charset="0"/>
+              </a:rPr>
+              <a:t>=&gt; Mỗi </a:t>
+            </a:r>
+            <a:r>
+              <a:rPr lang="en-US">
+                <a:latin typeface="Tahoma" panose="020B0604030504040204" pitchFamily="34" charset="0"/>
+                <a:ea typeface="Tahoma" panose="020B0604030504040204" pitchFamily="34" charset="0"/>
+                <a:cs typeface="Tahoma" panose="020B0604030504040204" pitchFamily="34" charset="0"/>
+              </a:rPr>
+              <a:t>lần </a:t>
+            </a:r>
+            <a:r>
+              <a:rPr lang="en-US" smtClean="0">
+                <a:latin typeface="Tahoma" panose="020B0604030504040204" pitchFamily="34" charset="0"/>
+                <a:ea typeface="Tahoma" panose="020B0604030504040204" pitchFamily="34" charset="0"/>
+                <a:cs typeface="Tahoma" panose="020B0604030504040204" pitchFamily="34" charset="0"/>
+              </a:rPr>
+              <a:t>word </a:t>
+            </a:r>
+            <a:r>
+              <a:rPr lang="en-US">
+                <a:latin typeface="Tahoma" panose="020B0604030504040204" pitchFamily="34" charset="0"/>
+                <a:ea typeface="Tahoma" panose="020B0604030504040204" pitchFamily="34" charset="0"/>
+                <a:cs typeface="Tahoma" panose="020B0604030504040204" pitchFamily="34" charset="0"/>
+              </a:rPr>
+              <a:t>thay đổi mới </a:t>
+            </a:r>
+            <a:r>
+              <a:rPr lang="en-US">
+                <a:latin typeface="Tahoma" panose="020B0604030504040204" pitchFamily="34" charset="0"/>
+                <a:ea typeface="Tahoma" panose="020B0604030504040204" pitchFamily="34" charset="0"/>
+                <a:cs typeface="Tahoma" panose="020B0604030504040204" pitchFamily="34" charset="0"/>
+              </a:rPr>
+              <a:t>thực </a:t>
+            </a:r>
+            <a:r>
+              <a:rPr lang="en-US" smtClean="0">
+                <a:latin typeface="Tahoma" panose="020B0604030504040204" pitchFamily="34" charset="0"/>
+                <a:ea typeface="Tahoma" panose="020B0604030504040204" pitchFamily="34" charset="0"/>
+                <a:cs typeface="Tahoma" panose="020B0604030504040204" pitchFamily="34" charset="0"/>
+              </a:rPr>
+              <a:t>thi computeLetterCount</a:t>
+            </a:r>
+            <a:endParaRPr lang="en-US">
               <a:latin typeface="Tahoma" panose="020B0604030504040204" pitchFamily="34" charset="0"/>
               <a:ea typeface="Tahoma" panose="020B0604030504040204" pitchFamily="34" charset="0"/>
               <a:cs typeface="Tahoma" panose="020B0604030504040204" pitchFamily="34" charset="0"/>
             </a:endParaRPr>
           </a:p>
-          <a:p>
-            <a:r>
-              <a:rPr lang="en-US" dirty="0" smtClean="0">
-                <a:latin typeface="Tahoma" panose="020B0604030504040204" pitchFamily="34" charset="0"/>
-                <a:ea typeface="Tahoma" panose="020B0604030504040204" pitchFamily="34" charset="0"/>
-                <a:cs typeface="Tahoma" panose="020B0604030504040204" pitchFamily="34" charset="0"/>
-              </a:rPr>
-              <a:t>Nó </a:t>
-            </a:r>
-            <a:r>
-              <a:rPr lang="en-US" dirty="0" smtClean="0">
-                <a:latin typeface="Tahoma" panose="020B0604030504040204" pitchFamily="34" charset="0"/>
-                <a:ea typeface="Tahoma" panose="020B0604030504040204" pitchFamily="34" charset="0"/>
-                <a:cs typeface="Tahoma" panose="020B0604030504040204" pitchFamily="34" charset="0"/>
-              </a:rPr>
-              <a:t>sẽ thực hiện tính toán lại </a:t>
-            </a:r>
-            <a:r>
-              <a:rPr lang="en-US" dirty="0">
-                <a:latin typeface="Tahoma" panose="020B0604030504040204" pitchFamily="34" charset="0"/>
-                <a:ea typeface="Tahoma" panose="020B0604030504040204" pitchFamily="34" charset="0"/>
-                <a:cs typeface="Tahoma" panose="020B0604030504040204" pitchFamily="34" charset="0"/>
-              </a:rPr>
-              <a:t>nếu </a:t>
-            </a:r>
-            <a:r>
-              <a:rPr lang="en-US" dirty="0" smtClean="0">
-                <a:latin typeface="Tahoma" panose="020B0604030504040204" pitchFamily="34" charset="0"/>
-                <a:ea typeface="Tahoma" panose="020B0604030504040204" pitchFamily="34" charset="0"/>
-                <a:cs typeface="Tahoma" panose="020B0604030504040204" pitchFamily="34" charset="0"/>
-              </a:rPr>
-              <a:t>dependencies có thay đổi.</a:t>
-            </a:r>
-            <a:endParaRPr lang="en-US" dirty="0" smtClean="0">
-              <a:latin typeface="Tahoma" panose="020B0604030504040204" pitchFamily="34" charset="0"/>
-              <a:ea typeface="Tahoma" panose="020B0604030504040204" pitchFamily="34" charset="0"/>
-              <a:cs typeface="Tahoma" panose="020B0604030504040204" pitchFamily="34" charset="0"/>
-            </a:endParaRPr>
-          </a:p>
-          <a:p>
-            <a:r>
-              <a:rPr lang="en-US" dirty="0">
-                <a:latin typeface="Tahoma" panose="020B0604030504040204" pitchFamily="34" charset="0"/>
-                <a:ea typeface="Tahoma" panose="020B0604030504040204" pitchFamily="34" charset="0"/>
-                <a:cs typeface="Tahoma" panose="020B0604030504040204" pitchFamily="34" charset="0"/>
-              </a:rPr>
-              <a:t>Nếu </a:t>
-            </a:r>
-            <a:r>
-              <a:rPr lang="en-US" dirty="0" smtClean="0">
-                <a:latin typeface="Tahoma" panose="020B0604030504040204" pitchFamily="34" charset="0"/>
-                <a:ea typeface="Tahoma" panose="020B0604030504040204" pitchFamily="34" charset="0"/>
-                <a:cs typeface="Tahoma" panose="020B0604030504040204" pitchFamily="34" charset="0"/>
-              </a:rPr>
-              <a:t>dependencies để empty </a:t>
-            </a:r>
-            <a:r>
-              <a:rPr lang="en-US" dirty="0">
-                <a:latin typeface="Tahoma" panose="020B0604030504040204" pitchFamily="34" charset="0"/>
-                <a:ea typeface="Tahoma" panose="020B0604030504040204" pitchFamily="34" charset="0"/>
-                <a:cs typeface="Tahoma" panose="020B0604030504040204" pitchFamily="34" charset="0"/>
-              </a:rPr>
-              <a:t>thì </a:t>
-            </a:r>
-            <a:r>
-              <a:rPr lang="en-US" dirty="0" smtClean="0">
-                <a:latin typeface="Tahoma" panose="020B0604030504040204" pitchFamily="34" charset="0"/>
-                <a:ea typeface="Tahoma" panose="020B0604030504040204" pitchFamily="34" charset="0"/>
-                <a:cs typeface="Tahoma" panose="020B0604030504040204" pitchFamily="34" charset="0"/>
-              </a:rPr>
-              <a:t>nó chỉ tính toán đúng 1 lần.</a:t>
-            </a:r>
-            <a:endParaRPr lang="en-US" dirty="0" smtClean="0">
-              <a:latin typeface="Tahoma" panose="020B0604030504040204" pitchFamily="34" charset="0"/>
-              <a:ea typeface="Tahoma" panose="020B0604030504040204" pitchFamily="34" charset="0"/>
-              <a:cs typeface="Tahoma" panose="020B0604030504040204" pitchFamily="34" charset="0"/>
-            </a:endParaRPr>
-          </a:p>
-          <a:p>
-            <a:endParaRPr lang="en-US" dirty="0">
-              <a:latin typeface="Tahoma" panose="020B0604030504040204" pitchFamily="34" charset="0"/>
-              <a:ea typeface="Tahoma" panose="020B0604030504040204" pitchFamily="34" charset="0"/>
-              <a:cs typeface="Tahoma" panose="020B0604030504040204" pitchFamily="34" charset="0"/>
-            </a:endParaRPr>
-          </a:p>
         </p:txBody>
       </p:sp>
       <p:pic>
         <p:nvPicPr>
-          <p:cNvPr id="4" name="Picture 3"/>
+          <p:cNvPr id="6" name="Picture 5"/>
           <p:cNvPicPr>
             <a:picLocks noChangeAspect="1"/>
           </p:cNvPicPr>
@@ -5802,7 +8814,7 @@
         </p:blipFill>
         <p:spPr>
           <a:xfrm>
-            <a:off x="3038475" y="3431598"/>
+            <a:off x="2913785" y="3148967"/>
             <a:ext cx="6115050" cy="742950"/>
           </a:xfrm>
           <a:prstGeom prst="rect">
@@ -5813,1358 +8825,7 @@
     </p:spTree>
     <p:extLst>
       <p:ext uri="{BB962C8B-B14F-4D97-AF65-F5344CB8AC3E}">
-        <p14:creationId xmlns:p14="http://schemas.microsoft.com/office/powerpoint/2010/main" val="1566690885"/>
-      </p:ext>
-    </p:extLst>
-  </p:cSld>
-  <p:clrMapOvr>
-    <a:masterClrMapping/>
-  </p:clrMapOvr>
-</p:sld>
-</file>
-
-<file path=ppt/slides/slide7.xml><?xml version="1.0" encoding="utf-8"?>
-<p:sld xmlns:a="http://schemas.openxmlformats.org/drawingml/2006/main" xmlns:r="http://schemas.openxmlformats.org/officeDocument/2006/relationships" xmlns:p="http://schemas.openxmlformats.org/presentationml/2006/main">
-  <p:cSld>
-    <p:spTree>
-      <p:nvGrpSpPr>
-        <p:cNvPr id="1" name=""/>
-        <p:cNvGrpSpPr/>
-        <p:nvPr/>
-      </p:nvGrpSpPr>
-      <p:grpSpPr>
-        <a:xfrm>
-          <a:off x="0" y="0"/>
-          <a:ext cx="0" cy="0"/>
-          <a:chOff x="0" y="0"/>
-          <a:chExt cx="0" cy="0"/>
-        </a:xfrm>
-      </p:grpSpPr>
-      <p:sp>
-        <p:nvSpPr>
-          <p:cNvPr id="2" name="Title 1"/>
-          <p:cNvSpPr>
-            <a:spLocks noGrp="1"/>
-          </p:cNvSpPr>
-          <p:nvPr>
-            <p:ph type="title"/>
-          </p:nvPr>
-        </p:nvSpPr>
-        <p:spPr/>
-        <p:txBody>
-          <a:bodyPr>
-            <a:normAutofit/>
-          </a:bodyPr>
-          <a:lstStyle/>
-          <a:p>
-            <a:r>
-              <a:rPr lang="en-US" dirty="0" smtClean="0">
-                <a:latin typeface="Tahoma" panose="020B0604030504040204" pitchFamily="34" charset="0"/>
-                <a:ea typeface="Tahoma" panose="020B0604030504040204" pitchFamily="34" charset="0"/>
-                <a:cs typeface="Tahoma" panose="020B0604030504040204" pitchFamily="34" charset="0"/>
-              </a:rPr>
-              <a:t>Ví dụ</a:t>
-            </a:r>
-            <a:endParaRPr lang="en-US" dirty="0">
-              <a:latin typeface="Tahoma" panose="020B0604030504040204" pitchFamily="34" charset="0"/>
-              <a:ea typeface="Tahoma" panose="020B0604030504040204" pitchFamily="34" charset="0"/>
-              <a:cs typeface="Tahoma" panose="020B0604030504040204" pitchFamily="34" charset="0"/>
-            </a:endParaRPr>
-          </a:p>
-        </p:txBody>
-      </p:sp>
-      <p:sp>
-        <p:nvSpPr>
-          <p:cNvPr id="3" name="Content Placeholder 2"/>
-          <p:cNvSpPr>
-            <a:spLocks noGrp="1"/>
-          </p:cNvSpPr>
-          <p:nvPr>
-            <p:ph idx="1"/>
-          </p:nvPr>
-        </p:nvSpPr>
-        <p:spPr>
-          <a:xfrm>
-            <a:off x="2231136" y="2638044"/>
-            <a:ext cx="7729728" cy="3679629"/>
-          </a:xfrm>
-        </p:spPr>
-        <p:txBody>
-          <a:bodyPr>
-            <a:normAutofit/>
-          </a:bodyPr>
-          <a:lstStyle/>
-          <a:p>
-            <a:endParaRPr lang="en-US" sz="1800" dirty="0" smtClean="0">
-              <a:latin typeface="Tahoma" panose="020B0604030504040204" pitchFamily="34" charset="0"/>
-              <a:ea typeface="Tahoma" panose="020B0604030504040204" pitchFamily="34" charset="0"/>
-              <a:cs typeface="Tahoma" panose="020B0604030504040204" pitchFamily="34" charset="0"/>
-            </a:endParaRPr>
-          </a:p>
-        </p:txBody>
-      </p:sp>
-      <p:sp>
-        <p:nvSpPr>
-          <p:cNvPr id="5" name="Rectangle 4"/>
-          <p:cNvSpPr/>
-          <p:nvPr/>
-        </p:nvSpPr>
-        <p:spPr>
-          <a:xfrm>
-            <a:off x="2231136" y="2638044"/>
-            <a:ext cx="7729728" cy="2893100"/>
-          </a:xfrm>
-          <a:prstGeom prst="rect">
-            <a:avLst/>
-          </a:prstGeom>
-          <a:solidFill>
-            <a:schemeClr val="tx1"/>
-          </a:solidFill>
-        </p:spPr>
-        <p:txBody>
-          <a:bodyPr wrap="square">
-            <a:spAutoFit/>
-          </a:bodyPr>
-          <a:lstStyle/>
-          <a:p>
-            <a:r>
-              <a:rPr lang="en-US" sz="1400" dirty="0">
-                <a:solidFill>
-                  <a:srgbClr val="C586C0"/>
-                </a:solidFill>
-                <a:latin typeface="Consolas" panose="020B0609020204030204" pitchFamily="49" charset="0"/>
-              </a:rPr>
-              <a:t>import</a:t>
-            </a:r>
-            <a:r>
-              <a:rPr lang="en-US" sz="1400" dirty="0">
-                <a:solidFill>
-                  <a:srgbClr val="CCCCCC"/>
-                </a:solidFill>
-                <a:latin typeface="Consolas" panose="020B0609020204030204" pitchFamily="49" charset="0"/>
-              </a:rPr>
-              <a:t> { </a:t>
-            </a:r>
-            <a:r>
-              <a:rPr lang="en-US" sz="1400" dirty="0">
-                <a:solidFill>
-                  <a:srgbClr val="9CDCFE"/>
-                </a:solidFill>
-                <a:latin typeface="Consolas" panose="020B0609020204030204" pitchFamily="49" charset="0"/>
-              </a:rPr>
-              <a:t>useCallback</a:t>
-            </a:r>
-            <a:r>
-              <a:rPr lang="en-US" sz="1400" dirty="0">
-                <a:solidFill>
-                  <a:srgbClr val="CCCCCC"/>
-                </a:solidFill>
-                <a:latin typeface="Consolas" panose="020B0609020204030204" pitchFamily="49" charset="0"/>
-              </a:rPr>
-              <a:t>, </a:t>
-            </a:r>
-            <a:r>
-              <a:rPr lang="en-US" sz="1400" dirty="0">
-                <a:solidFill>
-                  <a:srgbClr val="9CDCFE"/>
-                </a:solidFill>
-                <a:latin typeface="Consolas" panose="020B0609020204030204" pitchFamily="49" charset="0"/>
-              </a:rPr>
-              <a:t>useState</a:t>
-            </a:r>
-            <a:r>
-              <a:rPr lang="en-US" sz="1400" dirty="0">
-                <a:solidFill>
-                  <a:srgbClr val="CCCCCC"/>
-                </a:solidFill>
-                <a:latin typeface="Consolas" panose="020B0609020204030204" pitchFamily="49" charset="0"/>
-              </a:rPr>
-              <a:t> } </a:t>
-            </a:r>
-            <a:r>
-              <a:rPr lang="en-US" sz="1400" dirty="0">
-                <a:solidFill>
-                  <a:srgbClr val="C586C0"/>
-                </a:solidFill>
-                <a:latin typeface="Consolas" panose="020B0609020204030204" pitchFamily="49" charset="0"/>
-              </a:rPr>
-              <a:t>from</a:t>
-            </a:r>
-            <a:r>
-              <a:rPr lang="en-US" sz="1400" dirty="0">
-                <a:solidFill>
-                  <a:srgbClr val="CCCCCC"/>
-                </a:solidFill>
-                <a:latin typeface="Consolas" panose="020B0609020204030204" pitchFamily="49" charset="0"/>
-              </a:rPr>
-              <a:t> </a:t>
-            </a:r>
-            <a:r>
-              <a:rPr lang="en-US" sz="1400" dirty="0">
-                <a:solidFill>
-                  <a:srgbClr val="CE9178"/>
-                </a:solidFill>
-                <a:latin typeface="Consolas" panose="020B0609020204030204" pitchFamily="49" charset="0"/>
-              </a:rPr>
-              <a:t>"react"</a:t>
-            </a:r>
-            <a:r>
-              <a:rPr lang="en-US" sz="1400" dirty="0">
-                <a:solidFill>
-                  <a:srgbClr val="CCCCCC"/>
-                </a:solidFill>
-                <a:latin typeface="Consolas" panose="020B0609020204030204" pitchFamily="49" charset="0"/>
-              </a:rPr>
-              <a:t>;</a:t>
-            </a:r>
-          </a:p>
-          <a:p>
-            <a:r>
-              <a:rPr lang="en-US" sz="1400" dirty="0">
-                <a:solidFill>
-                  <a:srgbClr val="C586C0"/>
-                </a:solidFill>
-                <a:latin typeface="Consolas" panose="020B0609020204030204" pitchFamily="49" charset="0"/>
-              </a:rPr>
-              <a:t>import</a:t>
-            </a:r>
-            <a:r>
-              <a:rPr lang="en-US" sz="1400" dirty="0">
-                <a:solidFill>
-                  <a:srgbClr val="CCCCCC"/>
-                </a:solidFill>
-                <a:latin typeface="Consolas" panose="020B0609020204030204" pitchFamily="49" charset="0"/>
-              </a:rPr>
-              <a:t> </a:t>
-            </a:r>
-            <a:r>
-              <a:rPr lang="en-US" sz="1400" dirty="0">
-                <a:solidFill>
-                  <a:srgbClr val="9CDCFE"/>
-                </a:solidFill>
-                <a:latin typeface="Consolas" panose="020B0609020204030204" pitchFamily="49" charset="0"/>
-              </a:rPr>
-              <a:t>Print</a:t>
-            </a:r>
-            <a:r>
-              <a:rPr lang="en-US" sz="1400" dirty="0">
-                <a:solidFill>
-                  <a:srgbClr val="CCCCCC"/>
-                </a:solidFill>
-                <a:latin typeface="Consolas" panose="020B0609020204030204" pitchFamily="49" charset="0"/>
-              </a:rPr>
-              <a:t> </a:t>
-            </a:r>
-            <a:r>
-              <a:rPr lang="en-US" sz="1400" dirty="0">
-                <a:solidFill>
-                  <a:srgbClr val="C586C0"/>
-                </a:solidFill>
-                <a:latin typeface="Consolas" panose="020B0609020204030204" pitchFamily="49" charset="0"/>
-              </a:rPr>
-              <a:t>from</a:t>
-            </a:r>
-            <a:r>
-              <a:rPr lang="en-US" sz="1400" dirty="0">
-                <a:solidFill>
-                  <a:srgbClr val="CCCCCC"/>
-                </a:solidFill>
-                <a:latin typeface="Consolas" panose="020B0609020204030204" pitchFamily="49" charset="0"/>
-              </a:rPr>
-              <a:t> </a:t>
-            </a:r>
-            <a:r>
-              <a:rPr lang="en-US" sz="1400" dirty="0">
-                <a:solidFill>
-                  <a:srgbClr val="CE9178"/>
-                </a:solidFill>
-                <a:latin typeface="Consolas" panose="020B0609020204030204" pitchFamily="49" charset="0"/>
-              </a:rPr>
-              <a:t>"./Test"</a:t>
-            </a:r>
-            <a:r>
-              <a:rPr lang="en-US" sz="1400" dirty="0">
-                <a:solidFill>
-                  <a:srgbClr val="CCCCCC"/>
-                </a:solidFill>
-                <a:latin typeface="Consolas" panose="020B0609020204030204" pitchFamily="49" charset="0"/>
-              </a:rPr>
-              <a:t>;</a:t>
-            </a:r>
-          </a:p>
-          <a:p>
-            <a:r>
-              <a:rPr lang="en-US" sz="1400" dirty="0">
-                <a:solidFill>
-                  <a:srgbClr val="CCCCCC"/>
-                </a:solidFill>
-                <a:latin typeface="Consolas" panose="020B0609020204030204" pitchFamily="49" charset="0"/>
-              </a:rPr>
-              <a:t/>
-            </a:r>
-            <a:br>
-              <a:rPr lang="en-US" sz="1400" dirty="0">
-                <a:solidFill>
-                  <a:srgbClr val="CCCCCC"/>
-                </a:solidFill>
-                <a:latin typeface="Consolas" panose="020B0609020204030204" pitchFamily="49" charset="0"/>
-              </a:rPr>
-            </a:br>
-            <a:r>
-              <a:rPr lang="en-US" sz="1400" dirty="0">
-                <a:solidFill>
-                  <a:srgbClr val="569CD6"/>
-                </a:solidFill>
-                <a:latin typeface="Consolas" panose="020B0609020204030204" pitchFamily="49" charset="0"/>
-              </a:rPr>
-              <a:t>function</a:t>
-            </a:r>
-            <a:r>
-              <a:rPr lang="en-US" sz="1400" dirty="0">
-                <a:solidFill>
-                  <a:srgbClr val="CCCCCC"/>
-                </a:solidFill>
-                <a:latin typeface="Consolas" panose="020B0609020204030204" pitchFamily="49" charset="0"/>
-              </a:rPr>
-              <a:t> </a:t>
-            </a:r>
-            <a:r>
-              <a:rPr lang="en-US" sz="1400" dirty="0">
-                <a:solidFill>
-                  <a:srgbClr val="DCDCAA"/>
-                </a:solidFill>
-                <a:latin typeface="Consolas" panose="020B0609020204030204" pitchFamily="49" charset="0"/>
-              </a:rPr>
-              <a:t>App</a:t>
-            </a:r>
-            <a:r>
-              <a:rPr lang="en-US" sz="1400" dirty="0">
-                <a:solidFill>
-                  <a:srgbClr val="CCCCCC"/>
-                </a:solidFill>
-                <a:latin typeface="Consolas" panose="020B0609020204030204" pitchFamily="49" charset="0"/>
-              </a:rPr>
-              <a:t>() {</a:t>
-            </a:r>
-          </a:p>
-          <a:p>
-            <a:r>
-              <a:rPr lang="en-US" sz="1400" dirty="0">
-                <a:solidFill>
-                  <a:srgbClr val="CCCCCC"/>
-                </a:solidFill>
-                <a:latin typeface="Consolas" panose="020B0609020204030204" pitchFamily="49" charset="0"/>
-              </a:rPr>
-              <a:t>  </a:t>
-            </a:r>
-            <a:r>
-              <a:rPr lang="en-US" sz="1400" dirty="0">
-                <a:solidFill>
-                  <a:srgbClr val="569CD6"/>
-                </a:solidFill>
-                <a:latin typeface="Consolas" panose="020B0609020204030204" pitchFamily="49" charset="0"/>
-              </a:rPr>
-              <a:t>const</a:t>
-            </a:r>
-            <a:r>
-              <a:rPr lang="en-US" sz="1400" dirty="0">
-                <a:solidFill>
-                  <a:srgbClr val="CCCCCC"/>
-                </a:solidFill>
-                <a:latin typeface="Consolas" panose="020B0609020204030204" pitchFamily="49" charset="0"/>
-              </a:rPr>
-              <a:t> [</a:t>
-            </a:r>
-            <a:r>
-              <a:rPr lang="en-US" sz="1400" dirty="0">
-                <a:solidFill>
-                  <a:srgbClr val="4FC1FF"/>
-                </a:solidFill>
-                <a:latin typeface="Consolas" panose="020B0609020204030204" pitchFamily="49" charset="0"/>
-              </a:rPr>
-              <a:t>count</a:t>
-            </a:r>
-            <a:r>
-              <a:rPr lang="en-US" sz="1400" dirty="0">
-                <a:solidFill>
-                  <a:srgbClr val="CCCCCC"/>
-                </a:solidFill>
-                <a:latin typeface="Consolas" panose="020B0609020204030204" pitchFamily="49" charset="0"/>
-              </a:rPr>
-              <a:t>, </a:t>
-            </a:r>
-            <a:r>
-              <a:rPr lang="en-US" sz="1400" dirty="0">
-                <a:solidFill>
-                  <a:srgbClr val="DCDCAA"/>
-                </a:solidFill>
-                <a:latin typeface="Consolas" panose="020B0609020204030204" pitchFamily="49" charset="0"/>
-              </a:rPr>
-              <a:t>setCount</a:t>
-            </a:r>
-            <a:r>
-              <a:rPr lang="en-US" sz="1400" dirty="0">
-                <a:solidFill>
-                  <a:srgbClr val="CCCCCC"/>
-                </a:solidFill>
-                <a:latin typeface="Consolas" panose="020B0609020204030204" pitchFamily="49" charset="0"/>
-              </a:rPr>
-              <a:t>] </a:t>
-            </a:r>
-            <a:r>
-              <a:rPr lang="en-US" sz="1400" dirty="0">
-                <a:solidFill>
-                  <a:srgbClr val="D4D4D4"/>
-                </a:solidFill>
-                <a:latin typeface="Consolas" panose="020B0609020204030204" pitchFamily="49" charset="0"/>
-              </a:rPr>
-              <a:t>=</a:t>
-            </a:r>
-            <a:r>
-              <a:rPr lang="en-US" sz="1400" dirty="0">
-                <a:solidFill>
-                  <a:srgbClr val="CCCCCC"/>
-                </a:solidFill>
-                <a:latin typeface="Consolas" panose="020B0609020204030204" pitchFamily="49" charset="0"/>
-              </a:rPr>
-              <a:t> </a:t>
-            </a:r>
-            <a:r>
-              <a:rPr lang="en-US" sz="1400" dirty="0">
-                <a:solidFill>
-                  <a:srgbClr val="DCDCAA"/>
-                </a:solidFill>
-                <a:latin typeface="Consolas" panose="020B0609020204030204" pitchFamily="49" charset="0"/>
-              </a:rPr>
-              <a:t>useState</a:t>
-            </a:r>
-            <a:r>
-              <a:rPr lang="en-US" sz="1400" dirty="0">
-                <a:solidFill>
-                  <a:srgbClr val="CCCCCC"/>
-                </a:solidFill>
-                <a:latin typeface="Consolas" panose="020B0609020204030204" pitchFamily="49" charset="0"/>
-              </a:rPr>
-              <a:t>(</a:t>
-            </a:r>
-            <a:r>
-              <a:rPr lang="en-US" sz="1400" dirty="0">
-                <a:solidFill>
-                  <a:srgbClr val="B5CEA8"/>
-                </a:solidFill>
-                <a:latin typeface="Consolas" panose="020B0609020204030204" pitchFamily="49" charset="0"/>
-              </a:rPr>
-              <a:t>0</a:t>
-            </a:r>
-            <a:r>
-              <a:rPr lang="en-US" sz="1400" dirty="0">
-                <a:solidFill>
-                  <a:srgbClr val="CCCCCC"/>
-                </a:solidFill>
-                <a:latin typeface="Consolas" panose="020B0609020204030204" pitchFamily="49" charset="0"/>
-              </a:rPr>
-              <a:t>);</a:t>
-            </a:r>
-          </a:p>
-          <a:p>
-            <a:r>
-              <a:rPr lang="en-US" sz="1400" dirty="0">
-                <a:solidFill>
-                  <a:srgbClr val="CCCCCC"/>
-                </a:solidFill>
-                <a:latin typeface="Consolas" panose="020B0609020204030204" pitchFamily="49" charset="0"/>
-              </a:rPr>
-              <a:t>  </a:t>
-            </a:r>
-            <a:r>
-              <a:rPr lang="en-US" sz="1400" dirty="0">
-                <a:solidFill>
-                  <a:srgbClr val="569CD6"/>
-                </a:solidFill>
-                <a:latin typeface="Consolas" panose="020B0609020204030204" pitchFamily="49" charset="0"/>
-              </a:rPr>
-              <a:t>const</a:t>
-            </a:r>
-            <a:r>
-              <a:rPr lang="en-US" sz="1400" dirty="0">
-                <a:solidFill>
-                  <a:srgbClr val="CCCCCC"/>
-                </a:solidFill>
-                <a:latin typeface="Consolas" panose="020B0609020204030204" pitchFamily="49" charset="0"/>
-              </a:rPr>
-              <a:t> </a:t>
-            </a:r>
-            <a:r>
-              <a:rPr lang="en-US" sz="1400" dirty="0">
-                <a:solidFill>
-                  <a:srgbClr val="DCDCAA"/>
-                </a:solidFill>
-                <a:latin typeface="Consolas" panose="020B0609020204030204" pitchFamily="49" charset="0"/>
-              </a:rPr>
-              <a:t>handleClick</a:t>
-            </a:r>
-            <a:r>
-              <a:rPr lang="en-US" sz="1400" dirty="0">
-                <a:solidFill>
-                  <a:srgbClr val="CCCCCC"/>
-                </a:solidFill>
-                <a:latin typeface="Consolas" panose="020B0609020204030204" pitchFamily="49" charset="0"/>
-              </a:rPr>
-              <a:t> </a:t>
-            </a:r>
-            <a:r>
-              <a:rPr lang="en-US" sz="1400" dirty="0">
-                <a:solidFill>
-                  <a:srgbClr val="D4D4D4"/>
-                </a:solidFill>
-                <a:latin typeface="Consolas" panose="020B0609020204030204" pitchFamily="49" charset="0"/>
-              </a:rPr>
-              <a:t>=</a:t>
-            </a:r>
-            <a:r>
-              <a:rPr lang="en-US" sz="1400" dirty="0">
-                <a:solidFill>
-                  <a:srgbClr val="CCCCCC"/>
-                </a:solidFill>
-                <a:latin typeface="Consolas" panose="020B0609020204030204" pitchFamily="49" charset="0"/>
-              </a:rPr>
-              <a:t> </a:t>
-            </a:r>
-            <a:r>
-              <a:rPr lang="en-US" sz="1400" dirty="0">
-                <a:solidFill>
-                  <a:srgbClr val="DCDCAA"/>
-                </a:solidFill>
-                <a:latin typeface="Consolas" panose="020B0609020204030204" pitchFamily="49" charset="0"/>
-              </a:rPr>
-              <a:t>useCallback</a:t>
-            </a:r>
-            <a:r>
-              <a:rPr lang="en-US" sz="1400" dirty="0">
-                <a:solidFill>
-                  <a:srgbClr val="CCCCCC"/>
-                </a:solidFill>
-                <a:latin typeface="Consolas" panose="020B0609020204030204" pitchFamily="49" charset="0"/>
-              </a:rPr>
-              <a:t>(() </a:t>
-            </a:r>
-            <a:r>
-              <a:rPr lang="en-US" sz="1400" dirty="0">
-                <a:solidFill>
-                  <a:srgbClr val="569CD6"/>
-                </a:solidFill>
-                <a:latin typeface="Consolas" panose="020B0609020204030204" pitchFamily="49" charset="0"/>
-              </a:rPr>
-              <a:t>=&gt;</a:t>
-            </a:r>
-            <a:r>
-              <a:rPr lang="en-US" sz="1400" dirty="0">
-                <a:solidFill>
-                  <a:srgbClr val="CCCCCC"/>
-                </a:solidFill>
-                <a:latin typeface="Consolas" panose="020B0609020204030204" pitchFamily="49" charset="0"/>
-              </a:rPr>
-              <a:t> </a:t>
-            </a:r>
-            <a:r>
-              <a:rPr lang="en-US" sz="1400" dirty="0">
-                <a:solidFill>
-                  <a:srgbClr val="DCDCAA"/>
-                </a:solidFill>
-                <a:latin typeface="Consolas" panose="020B0609020204030204" pitchFamily="49" charset="0"/>
-              </a:rPr>
-              <a:t>setCount</a:t>
-            </a:r>
-            <a:r>
-              <a:rPr lang="en-US" sz="1400" dirty="0">
-                <a:solidFill>
-                  <a:srgbClr val="CCCCCC"/>
-                </a:solidFill>
-                <a:latin typeface="Consolas" panose="020B0609020204030204" pitchFamily="49" charset="0"/>
-              </a:rPr>
-              <a:t>(</a:t>
-            </a:r>
-            <a:r>
-              <a:rPr lang="en-US" sz="1400" dirty="0">
-                <a:solidFill>
-                  <a:srgbClr val="9CDCFE"/>
-                </a:solidFill>
-                <a:latin typeface="Consolas" panose="020B0609020204030204" pitchFamily="49" charset="0"/>
-              </a:rPr>
-              <a:t>count</a:t>
-            </a:r>
-            <a:r>
-              <a:rPr lang="en-US" sz="1400" dirty="0">
-                <a:solidFill>
-                  <a:srgbClr val="CCCCCC"/>
-                </a:solidFill>
-                <a:latin typeface="Consolas" panose="020B0609020204030204" pitchFamily="49" charset="0"/>
-              </a:rPr>
-              <a:t> </a:t>
-            </a:r>
-            <a:r>
-              <a:rPr lang="en-US" sz="1400" dirty="0">
-                <a:solidFill>
-                  <a:srgbClr val="569CD6"/>
-                </a:solidFill>
-                <a:latin typeface="Consolas" panose="020B0609020204030204" pitchFamily="49" charset="0"/>
-              </a:rPr>
-              <a:t>=&gt;</a:t>
-            </a:r>
-            <a:r>
-              <a:rPr lang="en-US" sz="1400" dirty="0">
-                <a:solidFill>
-                  <a:srgbClr val="CCCCCC"/>
-                </a:solidFill>
-                <a:latin typeface="Consolas" panose="020B0609020204030204" pitchFamily="49" charset="0"/>
-              </a:rPr>
-              <a:t> </a:t>
-            </a:r>
-            <a:r>
-              <a:rPr lang="en-US" sz="1400" dirty="0">
-                <a:solidFill>
-                  <a:srgbClr val="9CDCFE"/>
-                </a:solidFill>
-                <a:latin typeface="Consolas" panose="020B0609020204030204" pitchFamily="49" charset="0"/>
-              </a:rPr>
-              <a:t>count</a:t>
-            </a:r>
-            <a:r>
-              <a:rPr lang="en-US" sz="1400" dirty="0">
-                <a:solidFill>
-                  <a:srgbClr val="CCCCCC"/>
-                </a:solidFill>
-                <a:latin typeface="Consolas" panose="020B0609020204030204" pitchFamily="49" charset="0"/>
-              </a:rPr>
-              <a:t> </a:t>
-            </a:r>
-            <a:r>
-              <a:rPr lang="en-US" sz="1400" dirty="0">
-                <a:solidFill>
-                  <a:srgbClr val="D4D4D4"/>
-                </a:solidFill>
-                <a:latin typeface="Consolas" panose="020B0609020204030204" pitchFamily="49" charset="0"/>
-              </a:rPr>
-              <a:t>+</a:t>
-            </a:r>
-            <a:r>
-              <a:rPr lang="en-US" sz="1400" dirty="0">
-                <a:solidFill>
-                  <a:srgbClr val="CCCCCC"/>
-                </a:solidFill>
-                <a:latin typeface="Consolas" panose="020B0609020204030204" pitchFamily="49" charset="0"/>
-              </a:rPr>
-              <a:t> </a:t>
-            </a:r>
-            <a:r>
-              <a:rPr lang="en-US" sz="1400" dirty="0">
-                <a:solidFill>
-                  <a:srgbClr val="B5CEA8"/>
-                </a:solidFill>
-                <a:latin typeface="Consolas" panose="020B0609020204030204" pitchFamily="49" charset="0"/>
-              </a:rPr>
-              <a:t>1</a:t>
-            </a:r>
-            <a:r>
-              <a:rPr lang="en-US" sz="1400" dirty="0">
-                <a:solidFill>
-                  <a:srgbClr val="CCCCCC"/>
-                </a:solidFill>
-                <a:latin typeface="Consolas" panose="020B0609020204030204" pitchFamily="49" charset="0"/>
-              </a:rPr>
-              <a:t>), [])</a:t>
-            </a:r>
-          </a:p>
-          <a:p>
-            <a:r>
-              <a:rPr lang="en-US" sz="1400" dirty="0">
-                <a:solidFill>
-                  <a:srgbClr val="CCCCCC"/>
-                </a:solidFill>
-                <a:latin typeface="Consolas" panose="020B0609020204030204" pitchFamily="49" charset="0"/>
-              </a:rPr>
-              <a:t>  </a:t>
-            </a:r>
-            <a:r>
-              <a:rPr lang="en-US" sz="1400" dirty="0">
-                <a:solidFill>
-                  <a:srgbClr val="C586C0"/>
-                </a:solidFill>
-                <a:latin typeface="Consolas" panose="020B0609020204030204" pitchFamily="49" charset="0"/>
-              </a:rPr>
-              <a:t>return</a:t>
-            </a:r>
-            <a:r>
-              <a:rPr lang="en-US" sz="1400" dirty="0">
-                <a:solidFill>
-                  <a:srgbClr val="CCCCCC"/>
-                </a:solidFill>
-                <a:latin typeface="Consolas" panose="020B0609020204030204" pitchFamily="49" charset="0"/>
-              </a:rPr>
-              <a:t> (</a:t>
-            </a:r>
-          </a:p>
-          <a:p>
-            <a:r>
-              <a:rPr lang="en-US" sz="1400" dirty="0">
-                <a:solidFill>
-                  <a:srgbClr val="CCCCCC"/>
-                </a:solidFill>
-                <a:latin typeface="Consolas" panose="020B0609020204030204" pitchFamily="49" charset="0"/>
-              </a:rPr>
-              <a:t>    </a:t>
-            </a:r>
-            <a:r>
-              <a:rPr lang="en-US" sz="1400" dirty="0">
-                <a:solidFill>
-                  <a:srgbClr val="808080"/>
-                </a:solidFill>
-                <a:latin typeface="Consolas" panose="020B0609020204030204" pitchFamily="49" charset="0"/>
-              </a:rPr>
-              <a:t>&lt;</a:t>
-            </a:r>
-            <a:r>
-              <a:rPr lang="en-US" sz="1400" dirty="0">
-                <a:solidFill>
-                  <a:srgbClr val="569CD6"/>
-                </a:solidFill>
-                <a:latin typeface="Consolas" panose="020B0609020204030204" pitchFamily="49" charset="0"/>
-              </a:rPr>
-              <a:t>div</a:t>
-            </a:r>
-            <a:r>
-              <a:rPr lang="en-US" sz="1400" dirty="0">
-                <a:solidFill>
-                  <a:srgbClr val="CCCCCC"/>
-                </a:solidFill>
-                <a:latin typeface="Consolas" panose="020B0609020204030204" pitchFamily="49" charset="0"/>
-              </a:rPr>
-              <a:t> </a:t>
-            </a:r>
-            <a:r>
-              <a:rPr lang="en-US" sz="1400" dirty="0">
-                <a:solidFill>
-                  <a:srgbClr val="9CDCFE"/>
-                </a:solidFill>
-                <a:latin typeface="Consolas" panose="020B0609020204030204" pitchFamily="49" charset="0"/>
-              </a:rPr>
-              <a:t>style</a:t>
-            </a:r>
-            <a:r>
-              <a:rPr lang="en-US" sz="1400" dirty="0">
-                <a:solidFill>
-                  <a:srgbClr val="D4D4D4"/>
-                </a:solidFill>
-                <a:latin typeface="Consolas" panose="020B0609020204030204" pitchFamily="49" charset="0"/>
-              </a:rPr>
-              <a:t>=</a:t>
-            </a:r>
-            <a:r>
-              <a:rPr lang="en-US" sz="1400" dirty="0">
-                <a:solidFill>
-                  <a:srgbClr val="569CD6"/>
-                </a:solidFill>
-                <a:latin typeface="Consolas" panose="020B0609020204030204" pitchFamily="49" charset="0"/>
-              </a:rPr>
-              <a:t>{</a:t>
-            </a:r>
-            <a:r>
-              <a:rPr lang="en-US" sz="1400" dirty="0">
-                <a:solidFill>
-                  <a:srgbClr val="D4D4D4"/>
-                </a:solidFill>
-                <a:latin typeface="Consolas" panose="020B0609020204030204" pitchFamily="49" charset="0"/>
-              </a:rPr>
-              <a:t>{ </a:t>
-            </a:r>
-            <a:r>
-              <a:rPr lang="en-US" sz="1400" dirty="0">
-                <a:solidFill>
-                  <a:srgbClr val="9CDCFE"/>
-                </a:solidFill>
-                <a:latin typeface="Consolas" panose="020B0609020204030204" pitchFamily="49" charset="0"/>
-              </a:rPr>
-              <a:t>padding</a:t>
-            </a:r>
-            <a:r>
-              <a:rPr lang="en-US" sz="1400" dirty="0">
-                <a:solidFill>
-                  <a:srgbClr val="D4D4D4"/>
-                </a:solidFill>
-                <a:latin typeface="Consolas" panose="020B0609020204030204" pitchFamily="49" charset="0"/>
-              </a:rPr>
-              <a:t>: </a:t>
-            </a:r>
-            <a:r>
-              <a:rPr lang="en-US" sz="1400" dirty="0">
-                <a:solidFill>
-                  <a:srgbClr val="B5CEA8"/>
-                </a:solidFill>
-                <a:latin typeface="Consolas" panose="020B0609020204030204" pitchFamily="49" charset="0"/>
-              </a:rPr>
-              <a:t>20</a:t>
-            </a:r>
-            <a:r>
-              <a:rPr lang="en-US" sz="1400" dirty="0">
-                <a:solidFill>
-                  <a:srgbClr val="D4D4D4"/>
-                </a:solidFill>
-                <a:latin typeface="Consolas" panose="020B0609020204030204" pitchFamily="49" charset="0"/>
-              </a:rPr>
-              <a:t> }</a:t>
-            </a:r>
-            <a:r>
-              <a:rPr lang="en-US" sz="1400" dirty="0">
-                <a:solidFill>
-                  <a:srgbClr val="569CD6"/>
-                </a:solidFill>
-                <a:latin typeface="Consolas" panose="020B0609020204030204" pitchFamily="49" charset="0"/>
-              </a:rPr>
-              <a:t>}</a:t>
-            </a:r>
-            <a:r>
-              <a:rPr lang="en-US" sz="1400" dirty="0">
-                <a:solidFill>
-                  <a:srgbClr val="808080"/>
-                </a:solidFill>
-                <a:latin typeface="Consolas" panose="020B0609020204030204" pitchFamily="49" charset="0"/>
-              </a:rPr>
-              <a:t>&gt;</a:t>
-            </a:r>
-            <a:endParaRPr lang="en-US" sz="1400" dirty="0">
-              <a:solidFill>
-                <a:srgbClr val="CCCCCC"/>
-              </a:solidFill>
-              <a:latin typeface="Consolas" panose="020B0609020204030204" pitchFamily="49" charset="0"/>
-            </a:endParaRPr>
-          </a:p>
-          <a:p>
-            <a:r>
-              <a:rPr lang="en-US" sz="1400" dirty="0">
-                <a:solidFill>
-                  <a:srgbClr val="CCCCCC"/>
-                </a:solidFill>
-                <a:latin typeface="Consolas" panose="020B0609020204030204" pitchFamily="49" charset="0"/>
-              </a:rPr>
-              <a:t>      </a:t>
-            </a:r>
-            <a:r>
-              <a:rPr lang="en-US" sz="1400" dirty="0">
-                <a:solidFill>
-                  <a:srgbClr val="808080"/>
-                </a:solidFill>
-                <a:latin typeface="Consolas" panose="020B0609020204030204" pitchFamily="49" charset="0"/>
-              </a:rPr>
-              <a:t>&lt;</a:t>
-            </a:r>
-            <a:r>
-              <a:rPr lang="en-US" sz="1400" dirty="0">
-                <a:solidFill>
-                  <a:srgbClr val="569CD6"/>
-                </a:solidFill>
-                <a:latin typeface="Consolas" panose="020B0609020204030204" pitchFamily="49" charset="0"/>
-              </a:rPr>
-              <a:t>h1</a:t>
-            </a:r>
-            <a:r>
-              <a:rPr lang="en-US" sz="1400" dirty="0">
-                <a:solidFill>
-                  <a:srgbClr val="808080"/>
-                </a:solidFill>
-                <a:latin typeface="Consolas" panose="020B0609020204030204" pitchFamily="49" charset="0"/>
-              </a:rPr>
-              <a:t>&gt;</a:t>
-            </a:r>
-            <a:r>
-              <a:rPr lang="en-US" sz="1400" dirty="0">
-                <a:solidFill>
-                  <a:srgbClr val="569CD6"/>
-                </a:solidFill>
-                <a:latin typeface="Consolas" panose="020B0609020204030204" pitchFamily="49" charset="0"/>
-              </a:rPr>
-              <a:t>{</a:t>
-            </a:r>
-            <a:r>
-              <a:rPr lang="en-US" sz="1400" dirty="0">
-                <a:solidFill>
-                  <a:srgbClr val="4FC1FF"/>
-                </a:solidFill>
-                <a:latin typeface="Consolas" panose="020B0609020204030204" pitchFamily="49" charset="0"/>
-              </a:rPr>
-              <a:t>count</a:t>
-            </a:r>
-            <a:r>
-              <a:rPr lang="en-US" sz="1400" dirty="0">
-                <a:solidFill>
-                  <a:srgbClr val="569CD6"/>
-                </a:solidFill>
-                <a:latin typeface="Consolas" panose="020B0609020204030204" pitchFamily="49" charset="0"/>
-              </a:rPr>
-              <a:t>}</a:t>
-            </a:r>
-            <a:r>
-              <a:rPr lang="en-US" sz="1400" dirty="0">
-                <a:solidFill>
-                  <a:srgbClr val="808080"/>
-                </a:solidFill>
-                <a:latin typeface="Consolas" panose="020B0609020204030204" pitchFamily="49" charset="0"/>
-              </a:rPr>
-              <a:t>&lt;/</a:t>
-            </a:r>
-            <a:r>
-              <a:rPr lang="en-US" sz="1400" dirty="0">
-                <a:solidFill>
-                  <a:srgbClr val="569CD6"/>
-                </a:solidFill>
-                <a:latin typeface="Consolas" panose="020B0609020204030204" pitchFamily="49" charset="0"/>
-              </a:rPr>
-              <a:t>h1</a:t>
-            </a:r>
-            <a:r>
-              <a:rPr lang="en-US" sz="1400" dirty="0">
-                <a:solidFill>
-                  <a:srgbClr val="808080"/>
-                </a:solidFill>
-                <a:latin typeface="Consolas" panose="020B0609020204030204" pitchFamily="49" charset="0"/>
-              </a:rPr>
-              <a:t>&gt;</a:t>
-            </a:r>
-            <a:endParaRPr lang="en-US" sz="1400" dirty="0">
-              <a:solidFill>
-                <a:srgbClr val="CCCCCC"/>
-              </a:solidFill>
-              <a:latin typeface="Consolas" panose="020B0609020204030204" pitchFamily="49" charset="0"/>
-            </a:endParaRPr>
-          </a:p>
-          <a:p>
-            <a:r>
-              <a:rPr lang="en-US" sz="1400" dirty="0">
-                <a:solidFill>
-                  <a:srgbClr val="CCCCCC"/>
-                </a:solidFill>
-                <a:latin typeface="Consolas" panose="020B0609020204030204" pitchFamily="49" charset="0"/>
-              </a:rPr>
-              <a:t>      </a:t>
-            </a:r>
-            <a:r>
-              <a:rPr lang="en-US" sz="1400" dirty="0">
-                <a:solidFill>
-                  <a:srgbClr val="808080"/>
-                </a:solidFill>
-                <a:latin typeface="Consolas" panose="020B0609020204030204" pitchFamily="49" charset="0"/>
-              </a:rPr>
-              <a:t>&lt;</a:t>
-            </a:r>
-            <a:r>
-              <a:rPr lang="en-US" sz="1400" dirty="0">
-                <a:solidFill>
-                  <a:srgbClr val="4EC9B0"/>
-                </a:solidFill>
-                <a:latin typeface="Consolas" panose="020B0609020204030204" pitchFamily="49" charset="0"/>
-              </a:rPr>
-              <a:t>Print</a:t>
-            </a:r>
-            <a:r>
-              <a:rPr lang="en-US" sz="1400" dirty="0">
-                <a:solidFill>
-                  <a:srgbClr val="CCCCCC"/>
-                </a:solidFill>
-                <a:latin typeface="Consolas" panose="020B0609020204030204" pitchFamily="49" charset="0"/>
-              </a:rPr>
-              <a:t> </a:t>
-            </a:r>
-            <a:r>
-              <a:rPr lang="en-US" sz="1400" dirty="0">
-                <a:solidFill>
-                  <a:srgbClr val="9CDCFE"/>
-                </a:solidFill>
-                <a:latin typeface="Consolas" panose="020B0609020204030204" pitchFamily="49" charset="0"/>
-              </a:rPr>
-              <a:t>onClick</a:t>
-            </a:r>
-            <a:r>
-              <a:rPr lang="en-US" sz="1400" dirty="0">
-                <a:solidFill>
-                  <a:srgbClr val="D4D4D4"/>
-                </a:solidFill>
-                <a:latin typeface="Consolas" panose="020B0609020204030204" pitchFamily="49" charset="0"/>
-              </a:rPr>
-              <a:t>=</a:t>
-            </a:r>
-            <a:r>
-              <a:rPr lang="en-US" sz="1400" dirty="0">
-                <a:solidFill>
-                  <a:srgbClr val="569CD6"/>
-                </a:solidFill>
-                <a:latin typeface="Consolas" panose="020B0609020204030204" pitchFamily="49" charset="0"/>
-              </a:rPr>
-              <a:t>{</a:t>
-            </a:r>
-            <a:r>
-              <a:rPr lang="en-US" sz="1400" dirty="0">
-                <a:solidFill>
-                  <a:srgbClr val="DCDCAA"/>
-                </a:solidFill>
-                <a:latin typeface="Consolas" panose="020B0609020204030204" pitchFamily="49" charset="0"/>
-              </a:rPr>
-              <a:t>handleClick</a:t>
-            </a:r>
-            <a:r>
-              <a:rPr lang="en-US" sz="1400" dirty="0">
-                <a:solidFill>
-                  <a:srgbClr val="569CD6"/>
-                </a:solidFill>
-                <a:latin typeface="Consolas" panose="020B0609020204030204" pitchFamily="49" charset="0"/>
-              </a:rPr>
-              <a:t>}</a:t>
-            </a:r>
-            <a:r>
-              <a:rPr lang="en-US" sz="1400" dirty="0">
-                <a:solidFill>
-                  <a:srgbClr val="CCCCCC"/>
-                </a:solidFill>
-                <a:latin typeface="Consolas" panose="020B0609020204030204" pitchFamily="49" charset="0"/>
-              </a:rPr>
-              <a:t> </a:t>
-            </a:r>
-            <a:r>
-              <a:rPr lang="en-US" sz="1400" dirty="0">
-                <a:solidFill>
-                  <a:srgbClr val="808080"/>
-                </a:solidFill>
-                <a:latin typeface="Consolas" panose="020B0609020204030204" pitchFamily="49" charset="0"/>
-              </a:rPr>
-              <a:t>/&gt;</a:t>
-            </a:r>
-            <a:endParaRPr lang="en-US" sz="1400" dirty="0">
-              <a:solidFill>
-                <a:srgbClr val="CCCCCC"/>
-              </a:solidFill>
-              <a:latin typeface="Consolas" panose="020B0609020204030204" pitchFamily="49" charset="0"/>
-            </a:endParaRPr>
-          </a:p>
-          <a:p>
-            <a:r>
-              <a:rPr lang="en-US" sz="1400" dirty="0">
-                <a:solidFill>
-                  <a:srgbClr val="CCCCCC"/>
-                </a:solidFill>
-                <a:latin typeface="Consolas" panose="020B0609020204030204" pitchFamily="49" charset="0"/>
-              </a:rPr>
-              <a:t>    </a:t>
-            </a:r>
-            <a:r>
-              <a:rPr lang="en-US" sz="1400" dirty="0">
-                <a:solidFill>
-                  <a:srgbClr val="808080"/>
-                </a:solidFill>
-                <a:latin typeface="Consolas" panose="020B0609020204030204" pitchFamily="49" charset="0"/>
-              </a:rPr>
-              <a:t>&lt;/</a:t>
-            </a:r>
-            <a:r>
-              <a:rPr lang="en-US" sz="1400" dirty="0">
-                <a:solidFill>
-                  <a:srgbClr val="569CD6"/>
-                </a:solidFill>
-                <a:latin typeface="Consolas" panose="020B0609020204030204" pitchFamily="49" charset="0"/>
-              </a:rPr>
-              <a:t>div</a:t>
-            </a:r>
-            <a:r>
-              <a:rPr lang="en-US" sz="1400" dirty="0">
-                <a:solidFill>
-                  <a:srgbClr val="808080"/>
-                </a:solidFill>
-                <a:latin typeface="Consolas" panose="020B0609020204030204" pitchFamily="49" charset="0"/>
-              </a:rPr>
-              <a:t>&gt;</a:t>
-            </a:r>
-            <a:endParaRPr lang="en-US" sz="1400" dirty="0">
-              <a:solidFill>
-                <a:srgbClr val="CCCCCC"/>
-              </a:solidFill>
-              <a:latin typeface="Consolas" panose="020B0609020204030204" pitchFamily="49" charset="0"/>
-            </a:endParaRPr>
-          </a:p>
-          <a:p>
-            <a:r>
-              <a:rPr lang="en-US" sz="1400" dirty="0">
-                <a:solidFill>
-                  <a:srgbClr val="CCCCCC"/>
-                </a:solidFill>
-                <a:latin typeface="Consolas" panose="020B0609020204030204" pitchFamily="49" charset="0"/>
-              </a:rPr>
-              <a:t>  );</a:t>
-            </a:r>
-          </a:p>
-          <a:p>
-            <a:r>
-              <a:rPr lang="en-US" sz="1400" dirty="0">
-                <a:solidFill>
-                  <a:srgbClr val="CCCCCC"/>
-                </a:solidFill>
-                <a:latin typeface="Consolas" panose="020B0609020204030204" pitchFamily="49" charset="0"/>
-              </a:rPr>
-              <a:t>}</a:t>
-            </a:r>
-            <a:endParaRPr lang="en-US" sz="1400" b="0" dirty="0">
-              <a:solidFill>
-                <a:srgbClr val="CCCCCC"/>
-              </a:solidFill>
-              <a:effectLst/>
-              <a:latin typeface="Consolas" panose="020B0609020204030204" pitchFamily="49" charset="0"/>
-            </a:endParaRPr>
-          </a:p>
-        </p:txBody>
-      </p:sp>
-    </p:spTree>
-    <p:extLst>
-      <p:ext uri="{BB962C8B-B14F-4D97-AF65-F5344CB8AC3E}">
-        <p14:creationId xmlns:p14="http://schemas.microsoft.com/office/powerpoint/2010/main" val="1310598650"/>
-      </p:ext>
-    </p:extLst>
-  </p:cSld>
-  <p:clrMapOvr>
-    <a:masterClrMapping/>
-  </p:clrMapOvr>
-</p:sld>
-</file>
-
-<file path=ppt/slides/slide8.xml><?xml version="1.0" encoding="utf-8"?>
-<p:sld xmlns:a="http://schemas.openxmlformats.org/drawingml/2006/main" xmlns:r="http://schemas.openxmlformats.org/officeDocument/2006/relationships" xmlns:p="http://schemas.openxmlformats.org/presentationml/2006/main">
-  <p:cSld>
-    <p:spTree>
-      <p:nvGrpSpPr>
-        <p:cNvPr id="1" name=""/>
-        <p:cNvGrpSpPr/>
-        <p:nvPr/>
-      </p:nvGrpSpPr>
-      <p:grpSpPr>
-        <a:xfrm>
-          <a:off x="0" y="0"/>
-          <a:ext cx="0" cy="0"/>
-          <a:chOff x="0" y="0"/>
-          <a:chExt cx="0" cy="0"/>
-        </a:xfrm>
-      </p:grpSpPr>
-      <p:sp>
-        <p:nvSpPr>
-          <p:cNvPr id="2" name="Title 1"/>
-          <p:cNvSpPr>
-            <a:spLocks noGrp="1"/>
-          </p:cNvSpPr>
-          <p:nvPr>
-            <p:ph type="title"/>
-          </p:nvPr>
-        </p:nvSpPr>
-        <p:spPr/>
-        <p:txBody>
-          <a:bodyPr>
-            <a:normAutofit/>
-          </a:bodyPr>
-          <a:lstStyle/>
-          <a:p>
-            <a:r>
-              <a:rPr lang="en-US" dirty="0" smtClean="0">
-                <a:latin typeface="Tahoma" panose="020B0604030504040204" pitchFamily="34" charset="0"/>
-                <a:ea typeface="Tahoma" panose="020B0604030504040204" pitchFamily="34" charset="0"/>
-                <a:cs typeface="Tahoma" panose="020B0604030504040204" pitchFamily="34" charset="0"/>
-              </a:rPr>
-              <a:t>Cách hoạt động</a:t>
-            </a:r>
-            <a:endParaRPr lang="en-US" dirty="0">
-              <a:latin typeface="Tahoma" panose="020B0604030504040204" pitchFamily="34" charset="0"/>
-              <a:ea typeface="Tahoma" panose="020B0604030504040204" pitchFamily="34" charset="0"/>
-              <a:cs typeface="Tahoma" panose="020B0604030504040204" pitchFamily="34" charset="0"/>
-            </a:endParaRPr>
-          </a:p>
-        </p:txBody>
-      </p:sp>
-      <p:sp>
-        <p:nvSpPr>
-          <p:cNvPr id="3" name="Content Placeholder 2"/>
-          <p:cNvSpPr>
-            <a:spLocks noGrp="1"/>
-          </p:cNvSpPr>
-          <p:nvPr>
-            <p:ph idx="1"/>
-          </p:nvPr>
-        </p:nvSpPr>
-        <p:spPr>
-          <a:xfrm>
-            <a:off x="2231136" y="2638044"/>
-            <a:ext cx="7729728" cy="3679629"/>
-          </a:xfrm>
-        </p:spPr>
-        <p:txBody>
-          <a:bodyPr>
-            <a:normAutofit/>
-          </a:bodyPr>
-          <a:lstStyle/>
-          <a:p>
-            <a:r>
-              <a:rPr lang="en-US" dirty="0" smtClean="0">
-                <a:latin typeface="Tahoma" panose="020B0604030504040204" pitchFamily="34" charset="0"/>
-                <a:ea typeface="Tahoma" panose="020B0604030504040204" pitchFamily="34" charset="0"/>
-                <a:cs typeface="Tahoma" panose="020B0604030504040204" pitchFamily="34" charset="0"/>
-              </a:rPr>
-              <a:t>Khi render lần đầu, function trong useCallback sẽ được tạo và gán tham chiếu cho biến </a:t>
-            </a:r>
-            <a:r>
-              <a:rPr lang="en-US" b="1" dirty="0" smtClean="0">
-                <a:solidFill>
-                  <a:srgbClr val="FF0000"/>
-                </a:solidFill>
-                <a:latin typeface="Tahoma" panose="020B0604030504040204" pitchFamily="34" charset="0"/>
-                <a:ea typeface="Tahoma" panose="020B0604030504040204" pitchFamily="34" charset="0"/>
-                <a:cs typeface="Tahoma" panose="020B0604030504040204" pitchFamily="34" charset="0"/>
-              </a:rPr>
-              <a:t>handleClick</a:t>
-            </a:r>
-          </a:p>
-          <a:p>
-            <a:r>
-              <a:rPr lang="en-US" dirty="0" smtClean="0">
-                <a:latin typeface="Tahoma" panose="020B0604030504040204" pitchFamily="34" charset="0"/>
-                <a:ea typeface="Tahoma" panose="020B0604030504040204" pitchFamily="34" charset="0"/>
-                <a:cs typeface="Tahoma" panose="020B0604030504040204" pitchFamily="34" charset="0"/>
-              </a:rPr>
-              <a:t>Khi thực hiện click và re-render lại nhưng dependency empty hoặc không thay đổi thì useCallback sẽ trả lại đúng tham chiếu tới function trước đó, không tạo thêm function mới</a:t>
-            </a:r>
-          </a:p>
-          <a:p>
-            <a:r>
-              <a:rPr lang="en-US" dirty="0" smtClean="0">
-                <a:latin typeface="Tahoma" panose="020B0604030504040204" pitchFamily="34" charset="0"/>
-                <a:ea typeface="Tahoma" panose="020B0604030504040204" pitchFamily="34" charset="0"/>
-                <a:cs typeface="Tahoma" panose="020B0604030504040204" pitchFamily="34" charset="0"/>
-              </a:rPr>
-              <a:t>Cho nên props truyền vào cho components Print sẽ không thay đổi và memo không thực hiện re-render</a:t>
-            </a:r>
-            <a:endParaRPr lang="en-US" dirty="0">
-              <a:latin typeface="Tahoma" panose="020B0604030504040204" pitchFamily="34" charset="0"/>
-              <a:ea typeface="Tahoma" panose="020B0604030504040204" pitchFamily="34" charset="0"/>
-              <a:cs typeface="Tahoma" panose="020B0604030504040204" pitchFamily="34" charset="0"/>
-            </a:endParaRPr>
-          </a:p>
-        </p:txBody>
-      </p:sp>
-    </p:spTree>
-    <p:extLst>
-      <p:ext uri="{BB962C8B-B14F-4D97-AF65-F5344CB8AC3E}">
-        <p14:creationId xmlns:p14="http://schemas.microsoft.com/office/powerpoint/2010/main" val="2663403390"/>
-      </p:ext>
-    </p:extLst>
-  </p:cSld>
-  <p:clrMapOvr>
-    <a:masterClrMapping/>
-  </p:clrMapOvr>
-</p:sld>
-</file>
-
-<file path=ppt/slides/slide9.xml><?xml version="1.0" encoding="utf-8"?>
-<p:sld xmlns:a="http://schemas.openxmlformats.org/drawingml/2006/main" xmlns:r="http://schemas.openxmlformats.org/officeDocument/2006/relationships" xmlns:p="http://schemas.openxmlformats.org/presentationml/2006/main">
-  <p:cSld>
-    <p:spTree>
-      <p:nvGrpSpPr>
-        <p:cNvPr id="1" name=""/>
-        <p:cNvGrpSpPr/>
-        <p:nvPr/>
-      </p:nvGrpSpPr>
-      <p:grpSpPr>
-        <a:xfrm>
-          <a:off x="0" y="0"/>
-          <a:ext cx="0" cy="0"/>
-          <a:chOff x="0" y="0"/>
-          <a:chExt cx="0" cy="0"/>
-        </a:xfrm>
-      </p:grpSpPr>
-      <p:sp>
-        <p:nvSpPr>
-          <p:cNvPr id="2" name="Title 1"/>
-          <p:cNvSpPr>
-            <a:spLocks noGrp="1"/>
-          </p:cNvSpPr>
-          <p:nvPr>
-            <p:ph type="title"/>
-          </p:nvPr>
-        </p:nvSpPr>
-        <p:spPr/>
-        <p:txBody>
-          <a:bodyPr>
-            <a:normAutofit/>
-          </a:bodyPr>
-          <a:lstStyle/>
-          <a:p>
-            <a:r>
-              <a:rPr lang="en-US" dirty="0" smtClean="0">
-                <a:latin typeface="Tahoma" panose="020B0604030504040204" pitchFamily="34" charset="0"/>
-                <a:ea typeface="Tahoma" panose="020B0604030504040204" pitchFamily="34" charset="0"/>
-                <a:cs typeface="Tahoma" panose="020B0604030504040204" pitchFamily="34" charset="0"/>
-              </a:rPr>
-              <a:t>sử dụng</a:t>
-            </a:r>
-            <a:endParaRPr lang="en-US" dirty="0">
-              <a:latin typeface="Tahoma" panose="020B0604030504040204" pitchFamily="34" charset="0"/>
-              <a:ea typeface="Tahoma" panose="020B0604030504040204" pitchFamily="34" charset="0"/>
-              <a:cs typeface="Tahoma" panose="020B0604030504040204" pitchFamily="34" charset="0"/>
-            </a:endParaRPr>
-          </a:p>
-        </p:txBody>
-      </p:sp>
-      <p:sp>
-        <p:nvSpPr>
-          <p:cNvPr id="3" name="Content Placeholder 2"/>
-          <p:cNvSpPr>
-            <a:spLocks noGrp="1"/>
-          </p:cNvSpPr>
-          <p:nvPr>
-            <p:ph idx="1"/>
-          </p:nvPr>
-        </p:nvSpPr>
-        <p:spPr>
-          <a:xfrm>
-            <a:off x="2231136" y="2638044"/>
-            <a:ext cx="7729728" cy="3679629"/>
-          </a:xfrm>
-        </p:spPr>
-        <p:txBody>
-          <a:bodyPr>
-            <a:normAutofit/>
-          </a:bodyPr>
-          <a:lstStyle/>
-          <a:p>
-            <a:r>
-              <a:rPr lang="en-US" dirty="0" smtClean="0">
-                <a:latin typeface="Tahoma" panose="020B0604030504040204" pitchFamily="34" charset="0"/>
-                <a:ea typeface="Tahoma" panose="020B0604030504040204" pitchFamily="34" charset="0"/>
-                <a:cs typeface="Tahoma" panose="020B0604030504040204" pitchFamily="34" charset="0"/>
-              </a:rPr>
-              <a:t>Nếu component con không sử dụng memo, thì không sử dụng useCallback.</a:t>
-            </a:r>
-          </a:p>
-          <a:p>
-            <a:r>
-              <a:rPr lang="en-US" dirty="0" smtClean="0">
-                <a:latin typeface="Tahoma" panose="020B0604030504040204" pitchFamily="34" charset="0"/>
-                <a:ea typeface="Tahoma" panose="020B0604030504040204" pitchFamily="34" charset="0"/>
-                <a:cs typeface="Tahoma" panose="020B0604030504040204" pitchFamily="34" charset="0"/>
-              </a:rPr>
-              <a:t>Nếu props truyền cho component con là kiểu tram chiếu thì cần kết hợp memo và useCallback để tránh việc re-renders không cần thiết.</a:t>
-            </a:r>
-            <a:endParaRPr lang="en-US" dirty="0">
-              <a:latin typeface="Tahoma" panose="020B0604030504040204" pitchFamily="34" charset="0"/>
-              <a:ea typeface="Tahoma" panose="020B0604030504040204" pitchFamily="34" charset="0"/>
-              <a:cs typeface="Tahoma" panose="020B0604030504040204" pitchFamily="34" charset="0"/>
-            </a:endParaRPr>
-          </a:p>
-        </p:txBody>
-      </p:sp>
-    </p:spTree>
-    <p:extLst>
-      <p:ext uri="{BB962C8B-B14F-4D97-AF65-F5344CB8AC3E}">
-        <p14:creationId xmlns:p14="http://schemas.microsoft.com/office/powerpoint/2010/main" val="3666342275"/>
+        <p14:creationId xmlns:p14="http://schemas.microsoft.com/office/powerpoint/2010/main" val="1777982407"/>
       </p:ext>
     </p:extLst>
   </p:cSld>
